--- a/trunk/Seminario/NoSQL v2.pptx
+++ b/trunk/Seminario/NoSQL v2.pptx
@@ -1,6 +1,6 @@
 
 <file path=ppt/presentation.xml><?xml version="1.0" encoding="utf-8"?>
-<p:presentation xmlns:a="http://schemas.openxmlformats.org/drawingml/2006/main" xmlns:r="http://schemas.openxmlformats.org/officeDocument/2006/relationships" xmlns:p="http://schemas.openxmlformats.org/presentationml/2006/main" embedTrueTypeFonts="1" autoCompressPictures="0">
+<p:presentation xmlns:a="http://schemas.openxmlformats.org/drawingml/2006/main" xmlns:r="http://schemas.openxmlformats.org/officeDocument/2006/relationships" xmlns:p="http://schemas.openxmlformats.org/presentationml/2006/main" autoCompressPictures="0">
   <p:sldMasterIdLst>
     <p:sldMasterId id="2147483648" r:id="rId1"/>
   </p:sldMasterIdLst>
@@ -26,29 +26,12 @@
     <p:sldId id="272" r:id="rId20"/>
     <p:sldId id="273" r:id="rId21"/>
     <p:sldId id="276" r:id="rId22"/>
+    <p:sldId id="277" r:id="rId23"/>
+    <p:sldId id="278" r:id="rId24"/>
+    <p:sldId id="279" r:id="rId25"/>
   </p:sldIdLst>
   <p:sldSz cx="12188825" cy="6858000"/>
   <p:notesSz cx="6858000" cy="9144000"/>
-  <p:embeddedFontLst>
-    <p:embeddedFont>
-      <p:font typeface="Trebuchet MS" panose="020B0603020202020204" pitchFamily="34" charset="0"/>
-      <p:regular r:id="rId23"/>
-      <p:bold r:id="rId24"/>
-      <p:italic r:id="rId25"/>
-      <p:boldItalic r:id="rId26"/>
-    </p:embeddedFont>
-    <p:embeddedFont>
-      <p:font typeface="Wingdings 3" panose="05040102010807070707" pitchFamily="18" charset="2"/>
-      <p:regular r:id="rId27"/>
-    </p:embeddedFont>
-    <p:embeddedFont>
-      <p:font typeface="Roboto" pitchFamily="2" charset="0"/>
-      <p:regular r:id="rId28"/>
-      <p:bold r:id="rId29"/>
-      <p:italic r:id="rId30"/>
-      <p:boldItalic r:id="rId31"/>
-    </p:embeddedFont>
-  </p:embeddedFontLst>
   <p:defaultTextStyle>
     <a:defPPr>
       <a:defRPr lang="en-US"/>
@@ -21295,175 +21278,177 @@
         <p:spPr>
           <a:xfrm>
             <a:off x="780365" y="1864375"/>
-            <a:ext cx="8596668" cy="3880773"/>
+            <a:ext cx="8801517" cy="3880773"/>
           </a:xfrm>
         </p:spPr>
         <p:txBody>
           <a:bodyPr/>
           <a:lstStyle/>
           <a:p>
-            <a:r>
-              <a:rPr lang="pt-BR" dirty="0" smtClean="0">
+            <a:pPr algn="just"/>
+            <a:r>
+              <a:rPr lang="pt-BR" sz="2000" dirty="0" smtClean="0">
                 <a:latin typeface="Roboto" pitchFamily="2" charset="0"/>
                 <a:ea typeface="Roboto" pitchFamily="2" charset="0"/>
               </a:rPr>
               <a:t>Comparando </a:t>
             </a:r>
             <a:r>
-              <a:rPr lang="pt-BR" dirty="0">
+              <a:rPr lang="pt-BR" sz="2000" dirty="0">
                 <a:latin typeface="Roboto" pitchFamily="2" charset="0"/>
                 <a:ea typeface="Roboto" pitchFamily="2" charset="0"/>
               </a:rPr>
               <a:t>ao mundo </a:t>
             </a:r>
             <a:r>
-              <a:rPr lang="pt-BR" dirty="0" smtClean="0">
+              <a:rPr lang="pt-BR" sz="2000" dirty="0" smtClean="0">
                 <a:latin typeface="Roboto" pitchFamily="2" charset="0"/>
                 <a:ea typeface="Roboto" pitchFamily="2" charset="0"/>
               </a:rPr>
               <a:t>relacional seria </a:t>
             </a:r>
             <a:r>
-              <a:rPr lang="pt-BR" dirty="0">
+              <a:rPr lang="pt-BR" sz="2000" dirty="0">
                 <a:latin typeface="Roboto" pitchFamily="2" charset="0"/>
                 <a:ea typeface="Roboto" pitchFamily="2" charset="0"/>
               </a:rPr>
               <a:t>uma </a:t>
             </a:r>
             <a:r>
-              <a:rPr lang="pt-BR" dirty="0" smtClean="0">
+              <a:rPr lang="pt-BR" sz="2000" dirty="0" smtClean="0">
                 <a:latin typeface="Roboto" pitchFamily="2" charset="0"/>
                 <a:ea typeface="Roboto" pitchFamily="2" charset="0"/>
               </a:rPr>
               <a:t>tabela, </a:t>
             </a:r>
             <a:r>
-              <a:rPr lang="pt-BR" dirty="0">
+              <a:rPr lang="pt-BR" sz="2000" dirty="0">
                 <a:latin typeface="Roboto" pitchFamily="2" charset="0"/>
                 <a:ea typeface="Roboto" pitchFamily="2" charset="0"/>
               </a:rPr>
               <a:t>onde </a:t>
             </a:r>
             <a:r>
-              <a:rPr lang="pt-BR" dirty="0" smtClean="0">
+              <a:rPr lang="pt-BR" sz="2000" dirty="0" smtClean="0">
                 <a:latin typeface="Roboto" pitchFamily="2" charset="0"/>
                 <a:ea typeface="Roboto" pitchFamily="2" charset="0"/>
               </a:rPr>
               <a:t>esta pode </a:t>
             </a:r>
             <a:r>
-              <a:rPr lang="pt-BR" dirty="0">
+              <a:rPr lang="pt-BR" sz="2000" dirty="0">
                 <a:latin typeface="Roboto" pitchFamily="2" charset="0"/>
                 <a:ea typeface="Roboto" pitchFamily="2" charset="0"/>
               </a:rPr>
               <a:t>receber </a:t>
             </a:r>
             <a:r>
-              <a:rPr lang="pt-BR" dirty="0" smtClean="0">
+              <a:rPr lang="pt-BR" sz="2000" dirty="0" smtClean="0">
                 <a:latin typeface="Roboto" pitchFamily="2" charset="0"/>
                 <a:ea typeface="Roboto" pitchFamily="2" charset="0"/>
               </a:rPr>
               <a:t>várias </a:t>
             </a:r>
             <a:r>
-              <a:rPr lang="pt-BR" dirty="0">
+              <a:rPr lang="pt-BR" sz="2000" dirty="0">
                 <a:latin typeface="Roboto" pitchFamily="2" charset="0"/>
                 <a:ea typeface="Roboto" pitchFamily="2" charset="0"/>
               </a:rPr>
               <a:t>linhas de registros com </a:t>
             </a:r>
             <a:r>
-              <a:rPr lang="pt-BR" dirty="0" smtClean="0">
+              <a:rPr lang="pt-BR" sz="2000" dirty="0" smtClean="0">
                 <a:latin typeface="Roboto" pitchFamily="2" charset="0"/>
                 <a:ea typeface="Roboto" pitchFamily="2" charset="0"/>
               </a:rPr>
               <a:t>várias colunas</a:t>
             </a:r>
             <a:r>
-              <a:rPr lang="pt-BR" dirty="0">
+              <a:rPr lang="pt-BR" sz="2000" dirty="0">
                 <a:latin typeface="Roboto" pitchFamily="2" charset="0"/>
                 <a:ea typeface="Roboto" pitchFamily="2" charset="0"/>
               </a:rPr>
               <a:t>;</a:t>
             </a:r>
-            <a:endParaRPr lang="pt-BR" dirty="0" smtClean="0">
+            <a:endParaRPr lang="pt-BR" sz="2000" dirty="0" smtClean="0">
               <a:latin typeface="Roboto" pitchFamily="2" charset="0"/>
               <a:ea typeface="Roboto" pitchFamily="2" charset="0"/>
             </a:endParaRPr>
           </a:p>
           <a:p>
-            <a:r>
-              <a:rPr lang="pt-BR" dirty="0">
+            <a:pPr algn="just"/>
+            <a:r>
+              <a:rPr lang="pt-BR" sz="2000" dirty="0">
                 <a:latin typeface="Roboto" pitchFamily="2" charset="0"/>
                 <a:ea typeface="Roboto" pitchFamily="2" charset="0"/>
               </a:rPr>
               <a:t>A</a:t>
             </a:r>
             <a:r>
-              <a:rPr lang="pt-BR" dirty="0" smtClean="0">
+              <a:rPr lang="pt-BR" sz="2000" dirty="0" smtClean="0">
                 <a:latin typeface="Roboto" pitchFamily="2" charset="0"/>
                 <a:ea typeface="Roboto" pitchFamily="2" charset="0"/>
               </a:rPr>
               <a:t> </a:t>
             </a:r>
             <a:r>
-              <a:rPr lang="pt-BR" dirty="0">
+              <a:rPr lang="pt-BR" sz="2000" dirty="0">
                 <a:latin typeface="Roboto" pitchFamily="2" charset="0"/>
                 <a:ea typeface="Roboto" pitchFamily="2" charset="0"/>
               </a:rPr>
               <a:t>maior diferença </a:t>
             </a:r>
             <a:r>
-              <a:rPr lang="pt-BR" dirty="0" smtClean="0">
+              <a:rPr lang="pt-BR" sz="2000" dirty="0" smtClean="0">
                 <a:latin typeface="Roboto" pitchFamily="2" charset="0"/>
                 <a:ea typeface="Roboto" pitchFamily="2" charset="0"/>
               </a:rPr>
               <a:t>é </a:t>
             </a:r>
             <a:r>
-              <a:rPr lang="pt-BR" dirty="0">
+              <a:rPr lang="pt-BR" sz="2000" dirty="0">
                 <a:latin typeface="Roboto" pitchFamily="2" charset="0"/>
                 <a:ea typeface="Roboto" pitchFamily="2" charset="0"/>
               </a:rPr>
               <a:t>a capacidade de não ser declarado quais colunas essa tabela </a:t>
             </a:r>
             <a:r>
-              <a:rPr lang="pt-BR" dirty="0" smtClean="0">
+              <a:rPr lang="pt-BR" sz="2000" dirty="0" smtClean="0">
                 <a:latin typeface="Roboto" pitchFamily="2" charset="0"/>
                 <a:ea typeface="Roboto" pitchFamily="2" charset="0"/>
               </a:rPr>
               <a:t>terá,</a:t>
             </a:r>
             <a:r>
-              <a:rPr lang="pt-BR" dirty="0" smtClean="0">
+              <a:rPr lang="pt-BR" sz="2000" dirty="0" smtClean="0">
                 <a:latin typeface="Roboto" pitchFamily="2" charset="0"/>
                 <a:ea typeface="Roboto" pitchFamily="2" charset="0"/>
               </a:rPr>
               <a:t> </a:t>
             </a:r>
             <a:r>
-              <a:rPr lang="pt-BR" dirty="0">
+              <a:rPr lang="pt-BR" sz="2000" dirty="0">
                 <a:latin typeface="Roboto" pitchFamily="2" charset="0"/>
                 <a:ea typeface="Roboto" pitchFamily="2" charset="0"/>
               </a:rPr>
               <a:t>pois cada </a:t>
             </a:r>
             <a:r>
-              <a:rPr lang="pt-BR" dirty="0" smtClean="0">
+              <a:rPr lang="pt-BR" sz="2000" dirty="0" smtClean="0">
                 <a:latin typeface="Roboto" pitchFamily="2" charset="0"/>
                 <a:ea typeface="Roboto" pitchFamily="2" charset="0"/>
               </a:rPr>
               <a:t>linha </a:t>
             </a:r>
             <a:r>
-              <a:rPr lang="pt-BR" dirty="0">
+              <a:rPr lang="pt-BR" sz="2000" dirty="0">
                 <a:latin typeface="Roboto" pitchFamily="2" charset="0"/>
                 <a:ea typeface="Roboto" pitchFamily="2" charset="0"/>
               </a:rPr>
               <a:t>pode ter uma ou mais colunas e uma linha não precisa ser igual a </a:t>
             </a:r>
             <a:r>
-              <a:rPr lang="pt-BR" dirty="0" smtClean="0">
+              <a:rPr lang="pt-BR" sz="2000" dirty="0" smtClean="0">
                 <a:latin typeface="Roboto" pitchFamily="2" charset="0"/>
                 <a:ea typeface="Roboto" pitchFamily="2" charset="0"/>
               </a:rPr>
@@ -21471,47 +21456,49 @@
             </a:r>
           </a:p>
           <a:p>
-            <a:r>
-              <a:rPr lang="pt-BR" dirty="0" smtClean="0">
-                <a:latin typeface="Roboto" pitchFamily="2" charset="0"/>
-                <a:ea typeface="Roboto" pitchFamily="2" charset="0"/>
-              </a:rPr>
-              <a:t>No </a:t>
-            </a:r>
-            <a:r>
-              <a:rPr lang="pt-BR" dirty="0">
-                <a:latin typeface="Roboto" pitchFamily="2" charset="0"/>
-                <a:ea typeface="Roboto" pitchFamily="2" charset="0"/>
-              </a:rPr>
-              <a:t>banco de dados relacional temos que criar uma tabela declarando as colunas, tipo, tamanho e chave estrangeira, aqui no Cassandra esse esquema é livre onde você só declara a família, e as colunas </a:t>
-            </a:r>
-            <a:r>
-              <a:rPr lang="pt-BR" dirty="0" smtClean="0">
+            <a:pPr algn="just"/>
+            <a:r>
+              <a:rPr lang="pt-BR" sz="2000" dirty="0" smtClean="0">
+                <a:latin typeface="Roboto" pitchFamily="2" charset="0"/>
+                <a:ea typeface="Roboto" pitchFamily="2" charset="0"/>
+              </a:rPr>
+              <a:t>No Cassandra você </a:t>
+            </a:r>
+            <a:r>
+              <a:rPr lang="pt-BR" sz="2000" dirty="0">
+                <a:latin typeface="Roboto" pitchFamily="2" charset="0"/>
+                <a:ea typeface="Roboto" pitchFamily="2" charset="0"/>
+              </a:rPr>
+              <a:t>só declara a família, e as colunas </a:t>
+            </a:r>
+            <a:r>
+              <a:rPr lang="pt-BR" sz="2000" dirty="0" smtClean="0">
                 <a:latin typeface="Roboto" pitchFamily="2" charset="0"/>
                 <a:ea typeface="Roboto" pitchFamily="2" charset="0"/>
               </a:rPr>
               <a:t>são </a:t>
             </a:r>
             <a:r>
-              <a:rPr lang="pt-BR" dirty="0">
+              <a:rPr lang="pt-BR" sz="2000" dirty="0">
                 <a:latin typeface="Roboto" pitchFamily="2" charset="0"/>
                 <a:ea typeface="Roboto" pitchFamily="2" charset="0"/>
               </a:rPr>
               <a:t>criadas no momento </a:t>
             </a:r>
             <a:r>
-              <a:rPr lang="pt-BR" dirty="0" smtClean="0">
+              <a:rPr lang="pt-BR" sz="2000" dirty="0" smtClean="0">
                 <a:latin typeface="Roboto" pitchFamily="2" charset="0"/>
                 <a:ea typeface="Roboto" pitchFamily="2" charset="0"/>
               </a:rPr>
               <a:t>que os dados forem inseridos.</a:t>
             </a:r>
-            <a:endParaRPr lang="pt-BR" dirty="0">
+            <a:endParaRPr lang="pt-BR" sz="2000" dirty="0">
               <a:latin typeface="Roboto" pitchFamily="2" charset="0"/>
               <a:ea typeface="Roboto" pitchFamily="2" charset="0"/>
             </a:endParaRPr>
           </a:p>
           <a:p>
+            <a:pPr algn="just"/>
             <a:endParaRPr lang="pt-BR" dirty="0"/>
           </a:p>
         </p:txBody>
@@ -21539,7 +21526,7 @@
         </p:blipFill>
         <p:spPr bwMode="auto">
           <a:xfrm>
-            <a:off x="2363002" y="5074861"/>
+            <a:off x="2363002" y="4730640"/>
             <a:ext cx="5431394" cy="1340573"/>
           </a:xfrm>
           <a:prstGeom prst="rect">
@@ -22985,18 +22972,25 @@
               <a:t>Uma </a:t>
             </a:r>
             <a:r>
-              <a:rPr lang="pt-BR" sz="2400" dirty="0" err="1">
-                <a:latin typeface="Roboto" pitchFamily="2" charset="0"/>
-                <a:ea typeface="Roboto" pitchFamily="2" charset="0"/>
-              </a:rPr>
-              <a:t>super</a:t>
+              <a:rPr lang="pt-BR" sz="2400" dirty="0" err="1" smtClean="0">
+                <a:latin typeface="Roboto" pitchFamily="2" charset="0"/>
+                <a:ea typeface="Roboto" pitchFamily="2" charset="0"/>
+              </a:rPr>
+              <a:t>supercoluna</a:t>
+            </a:r>
+            <a:r>
+              <a:rPr lang="pt-BR" sz="2400" dirty="0" smtClean="0">
+                <a:latin typeface="Roboto" pitchFamily="2" charset="0"/>
+                <a:ea typeface="Roboto" pitchFamily="2" charset="0"/>
+              </a:rPr>
+              <a:t> </a:t>
             </a:r>
             <a:r>
               <a:rPr lang="pt-BR" sz="2400" dirty="0">
                 <a:latin typeface="Roboto" pitchFamily="2" charset="0"/>
                 <a:ea typeface="Roboto" pitchFamily="2" charset="0"/>
               </a:rPr>
-              <a:t> coluna pode receber outra coluna como valor, sendo </a:t>
+              <a:t>pode receber outra coluna como valor, sendo </a:t>
             </a:r>
             <a:r>
               <a:rPr lang="pt-BR" sz="2400" dirty="0" smtClean="0">
@@ -23286,10 +23280,886 @@
           </a:p>
         </p:txBody>
       </p:sp>
+      <p:sp>
+        <p:nvSpPr>
+          <p:cNvPr id="7" name="Content Placeholder 2"/>
+          <p:cNvSpPr>
+            <a:spLocks noGrp="1"/>
+          </p:cNvSpPr>
+          <p:nvPr>
+            <p:ph idx="1"/>
+          </p:nvPr>
+        </p:nvSpPr>
+        <p:spPr>
+          <a:xfrm>
+            <a:off x="780364" y="1838618"/>
+            <a:ext cx="8917427" cy="3880773"/>
+          </a:xfrm>
+        </p:spPr>
+        <p:txBody>
+          <a:bodyPr>
+            <a:normAutofit lnSpcReduction="10000"/>
+          </a:bodyPr>
+          <a:lstStyle/>
+          <a:p>
+            <a:pPr algn="just"/>
+            <a:r>
+              <a:rPr lang="pt-BR" sz="2400" dirty="0">
+                <a:latin typeface="Roboto" pitchFamily="2" charset="0"/>
+                <a:ea typeface="Roboto" pitchFamily="2" charset="0"/>
+              </a:rPr>
+              <a:t>Altas escalabilidade e disponibilidade, sem um ponto único de </a:t>
+            </a:r>
+            <a:r>
+              <a:rPr lang="pt-BR" sz="2400" dirty="0" smtClean="0">
+                <a:latin typeface="Roboto" pitchFamily="2" charset="0"/>
+                <a:ea typeface="Roboto" pitchFamily="2" charset="0"/>
+              </a:rPr>
+              <a:t>falha;</a:t>
+            </a:r>
+            <a:endParaRPr lang="pt-BR" sz="2400" dirty="0">
+              <a:latin typeface="Roboto" pitchFamily="2" charset="0"/>
+              <a:ea typeface="Roboto" pitchFamily="2" charset="0"/>
+            </a:endParaRPr>
+          </a:p>
+          <a:p>
+            <a:pPr algn="just"/>
+            <a:r>
+              <a:rPr lang="pt-BR" sz="2400" dirty="0">
+                <a:latin typeface="Roboto" pitchFamily="2" charset="0"/>
+                <a:ea typeface="Roboto" pitchFamily="2" charset="0"/>
+              </a:rPr>
+              <a:t>Implementação da família de colunas </a:t>
+            </a:r>
+            <a:r>
+              <a:rPr lang="pt-BR" sz="2400" dirty="0" err="1" smtClean="0">
+                <a:latin typeface="Roboto" pitchFamily="2" charset="0"/>
+                <a:ea typeface="Roboto" pitchFamily="2" charset="0"/>
+              </a:rPr>
+              <a:t>NoSQL</a:t>
+            </a:r>
+            <a:r>
+              <a:rPr lang="pt-BR" sz="2400" dirty="0" smtClean="0">
+                <a:latin typeface="Roboto" pitchFamily="2" charset="0"/>
+                <a:ea typeface="Roboto" pitchFamily="2" charset="0"/>
+              </a:rPr>
+              <a:t>;</a:t>
+            </a:r>
+            <a:endParaRPr lang="pt-BR" sz="2400" dirty="0">
+              <a:latin typeface="Roboto" pitchFamily="2" charset="0"/>
+              <a:ea typeface="Roboto" pitchFamily="2" charset="0"/>
+            </a:endParaRPr>
+          </a:p>
+          <a:p>
+            <a:pPr algn="just"/>
+            <a:r>
+              <a:rPr lang="pt-BR" sz="2400" dirty="0">
+                <a:latin typeface="Roboto" pitchFamily="2" charset="0"/>
+                <a:ea typeface="Roboto" pitchFamily="2" charset="0"/>
+              </a:rPr>
+              <a:t>Rendimento de gravação muito alto e bom rendimento de </a:t>
+            </a:r>
+            <a:r>
+              <a:rPr lang="pt-BR" sz="2400" dirty="0" smtClean="0">
+                <a:latin typeface="Roboto" pitchFamily="2" charset="0"/>
+                <a:ea typeface="Roboto" pitchFamily="2" charset="0"/>
+              </a:rPr>
+              <a:t>leitura;</a:t>
+            </a:r>
+            <a:endParaRPr lang="pt-BR" sz="2400" dirty="0">
+              <a:latin typeface="Roboto" pitchFamily="2" charset="0"/>
+              <a:ea typeface="Roboto" pitchFamily="2" charset="0"/>
+            </a:endParaRPr>
+          </a:p>
+          <a:p>
+            <a:pPr algn="just"/>
+            <a:r>
+              <a:rPr lang="pt-BR" sz="2400" dirty="0">
+                <a:latin typeface="Roboto" pitchFamily="2" charset="0"/>
+                <a:ea typeface="Roboto" pitchFamily="2" charset="0"/>
+              </a:rPr>
+              <a:t>Linguagem de consulta semelhante a SQL (desde 0.8) e suporte para procura por índices </a:t>
+            </a:r>
+            <a:r>
+              <a:rPr lang="pt-BR" sz="2400" dirty="0" smtClean="0">
+                <a:latin typeface="Roboto" pitchFamily="2" charset="0"/>
+                <a:ea typeface="Roboto" pitchFamily="2" charset="0"/>
+              </a:rPr>
+              <a:t>secundários;</a:t>
+            </a:r>
+            <a:endParaRPr lang="pt-BR" sz="2400" dirty="0">
+              <a:latin typeface="Roboto" pitchFamily="2" charset="0"/>
+              <a:ea typeface="Roboto" pitchFamily="2" charset="0"/>
+            </a:endParaRPr>
+          </a:p>
+          <a:p>
+            <a:pPr algn="just"/>
+            <a:r>
+              <a:rPr lang="pt-BR" sz="2400" dirty="0">
+                <a:latin typeface="Roboto" pitchFamily="2" charset="0"/>
+                <a:ea typeface="Roboto" pitchFamily="2" charset="0"/>
+              </a:rPr>
+              <a:t>Consistência ajustável e suporte para </a:t>
+            </a:r>
+            <a:r>
+              <a:rPr lang="pt-BR" sz="2400" dirty="0" smtClean="0">
+                <a:latin typeface="Roboto" pitchFamily="2" charset="0"/>
+                <a:ea typeface="Roboto" pitchFamily="2" charset="0"/>
+              </a:rPr>
+              <a:t>replicação;</a:t>
+            </a:r>
+            <a:endParaRPr lang="pt-BR" sz="2400" dirty="0">
+              <a:latin typeface="Roboto" pitchFamily="2" charset="0"/>
+              <a:ea typeface="Roboto" pitchFamily="2" charset="0"/>
+            </a:endParaRPr>
+          </a:p>
+          <a:p>
+            <a:pPr algn="just"/>
+            <a:r>
+              <a:rPr lang="pt-BR" sz="2400" dirty="0">
+                <a:latin typeface="Roboto" pitchFamily="2" charset="0"/>
+                <a:ea typeface="Roboto" pitchFamily="2" charset="0"/>
+              </a:rPr>
+              <a:t>Esquema </a:t>
+            </a:r>
+            <a:r>
+              <a:rPr lang="pt-BR" sz="2400" dirty="0" smtClean="0">
+                <a:latin typeface="Roboto" pitchFamily="2" charset="0"/>
+                <a:ea typeface="Roboto" pitchFamily="2" charset="0"/>
+              </a:rPr>
+              <a:t>flexível;</a:t>
+            </a:r>
+            <a:endParaRPr lang="pt-BR" sz="2400" dirty="0">
+              <a:latin typeface="Roboto" pitchFamily="2" charset="0"/>
+              <a:ea typeface="Roboto" pitchFamily="2" charset="0"/>
+            </a:endParaRPr>
+          </a:p>
+        </p:txBody>
+      </p:sp>
     </p:spTree>
     <p:extLst>
       <p:ext uri="{BB962C8B-B14F-4D97-AF65-F5344CB8AC3E}">
         <p14:creationId xmlns:p14="http://schemas.microsoft.com/office/powerpoint/2010/main" val="3841440733"/>
+      </p:ext>
+    </p:extLst>
+  </p:cSld>
+  <p:clrMapOvr>
+    <a:masterClrMapping/>
+  </p:clrMapOvr>
+</p:sld>
+</file>
+
+<file path=ppt/slides/slide22.xml><?xml version="1.0" encoding="utf-8"?>
+<p:sld xmlns:a="http://schemas.openxmlformats.org/drawingml/2006/main" xmlns:r="http://schemas.openxmlformats.org/officeDocument/2006/relationships" xmlns:p="http://schemas.openxmlformats.org/presentationml/2006/main">
+  <p:cSld>
+    <p:spTree>
+      <p:nvGrpSpPr>
+        <p:cNvPr id="1" name=""/>
+        <p:cNvGrpSpPr/>
+        <p:nvPr/>
+      </p:nvGrpSpPr>
+      <p:grpSpPr>
+        <a:xfrm>
+          <a:off x="0" y="0"/>
+          <a:ext cx="0" cy="0"/>
+          <a:chOff x="0" y="0"/>
+          <a:chExt cx="0" cy="0"/>
+        </a:xfrm>
+      </p:grpSpPr>
+      <p:sp>
+        <p:nvSpPr>
+          <p:cNvPr id="4" name="Title 1"/>
+          <p:cNvSpPr>
+            <a:spLocks noGrp="1"/>
+          </p:cNvSpPr>
+          <p:nvPr>
+            <p:ph type="title"/>
+          </p:nvPr>
+        </p:nvSpPr>
+        <p:spPr>
+          <a:xfrm>
+            <a:off x="677334" y="609600"/>
+            <a:ext cx="8596668" cy="1320800"/>
+          </a:xfrm>
+        </p:spPr>
+        <p:txBody>
+          <a:bodyPr>
+            <a:normAutofit/>
+          </a:bodyPr>
+          <a:lstStyle/>
+          <a:p>
+            <a:r>
+              <a:rPr lang="pt-BR" sz="5400" b="1" dirty="0" smtClean="0">
+                <a:latin typeface="Roboto" pitchFamily="2" charset="0"/>
+                <a:ea typeface="Roboto" pitchFamily="2" charset="0"/>
+              </a:rPr>
+              <a:t>Considerações</a:t>
+            </a:r>
+            <a:endParaRPr lang="pt-BR" sz="5400" b="1" dirty="0">
+              <a:latin typeface="Roboto" pitchFamily="2" charset="0"/>
+              <a:ea typeface="Roboto" pitchFamily="2" charset="0"/>
+            </a:endParaRPr>
+          </a:p>
+        </p:txBody>
+      </p:sp>
+      <p:sp>
+        <p:nvSpPr>
+          <p:cNvPr id="5" name="Content Placeholder 2"/>
+          <p:cNvSpPr>
+            <a:spLocks noGrp="1"/>
+          </p:cNvSpPr>
+          <p:nvPr>
+            <p:ph idx="1"/>
+          </p:nvPr>
+        </p:nvSpPr>
+        <p:spPr>
+          <a:xfrm>
+            <a:off x="780364" y="1838618"/>
+            <a:ext cx="8917427" cy="4716728"/>
+          </a:xfrm>
+        </p:spPr>
+        <p:txBody>
+          <a:bodyPr>
+            <a:normAutofit/>
+          </a:bodyPr>
+          <a:lstStyle/>
+          <a:p>
+            <a:pPr algn="just"/>
+            <a:r>
+              <a:rPr lang="pt-BR" sz="2400" dirty="0">
+                <a:latin typeface="Roboto" pitchFamily="2" charset="0"/>
+                <a:ea typeface="Roboto" pitchFamily="2" charset="0"/>
+              </a:rPr>
+              <a:t>Sem transações, sem </a:t>
+            </a:r>
+            <a:r>
+              <a:rPr lang="pt-BR" sz="2400" dirty="0" err="1" smtClean="0">
+                <a:latin typeface="Roboto" pitchFamily="2" charset="0"/>
+                <a:ea typeface="Roboto" pitchFamily="2" charset="0"/>
+              </a:rPr>
+              <a:t>JOINs</a:t>
+            </a:r>
+            <a:r>
+              <a:rPr lang="pt-BR" sz="2400" dirty="0" smtClean="0">
+                <a:latin typeface="Roboto" pitchFamily="2" charset="0"/>
+                <a:ea typeface="Roboto" pitchFamily="2" charset="0"/>
+              </a:rPr>
+              <a:t>;</a:t>
+            </a:r>
+          </a:p>
+          <a:p>
+            <a:pPr algn="just"/>
+            <a:r>
+              <a:rPr lang="pt-BR" sz="2400" dirty="0">
+                <a:latin typeface="Roboto" pitchFamily="2" charset="0"/>
+                <a:ea typeface="Roboto" pitchFamily="2" charset="0"/>
+              </a:rPr>
+              <a:t>Sem chaves estrangeiras. As chaves são </a:t>
+            </a:r>
+            <a:r>
+              <a:rPr lang="pt-BR" sz="2400" dirty="0" smtClean="0">
+                <a:latin typeface="Roboto" pitchFamily="2" charset="0"/>
+                <a:ea typeface="Roboto" pitchFamily="2" charset="0"/>
+              </a:rPr>
+              <a:t>imutáveis;</a:t>
+            </a:r>
+          </a:p>
+          <a:p>
+            <a:pPr algn="just"/>
+            <a:r>
+              <a:rPr lang="pt-BR" sz="2400" dirty="0">
+                <a:latin typeface="Roboto" pitchFamily="2" charset="0"/>
+                <a:ea typeface="Roboto" pitchFamily="2" charset="0"/>
+              </a:rPr>
+              <a:t>As chaves devem ser </a:t>
+            </a:r>
+            <a:r>
+              <a:rPr lang="pt-BR" sz="2400" dirty="0" smtClean="0">
+                <a:latin typeface="Roboto" pitchFamily="2" charset="0"/>
+                <a:ea typeface="Roboto" pitchFamily="2" charset="0"/>
+              </a:rPr>
+              <a:t>exclusivas;</a:t>
+            </a:r>
+          </a:p>
+          <a:p>
+            <a:pPr algn="just"/>
+            <a:r>
+              <a:rPr lang="pt-BR" sz="2400" dirty="0">
+                <a:latin typeface="Roboto" pitchFamily="2" charset="0"/>
+                <a:ea typeface="Roboto" pitchFamily="2" charset="0"/>
+              </a:rPr>
+              <a:t>Operações com falha podem deixar </a:t>
+            </a:r>
+            <a:r>
+              <a:rPr lang="pt-BR" sz="2400" dirty="0" smtClean="0">
+                <a:latin typeface="Roboto" pitchFamily="2" charset="0"/>
+                <a:ea typeface="Roboto" pitchFamily="2" charset="0"/>
+              </a:rPr>
+              <a:t>mudanças;</a:t>
+            </a:r>
+          </a:p>
+          <a:p>
+            <a:pPr algn="just"/>
+            <a:r>
+              <a:rPr lang="pt-BR" sz="2400" dirty="0">
+                <a:latin typeface="Roboto" pitchFamily="2" charset="0"/>
+                <a:ea typeface="Roboto" pitchFamily="2" charset="0"/>
+              </a:rPr>
+              <a:t>A procura é </a:t>
+            </a:r>
+            <a:r>
+              <a:rPr lang="pt-BR" sz="2400" dirty="0" smtClean="0">
+                <a:latin typeface="Roboto" pitchFamily="2" charset="0"/>
+                <a:ea typeface="Roboto" pitchFamily="2" charset="0"/>
+              </a:rPr>
+              <a:t>complicada;</a:t>
+            </a:r>
+          </a:p>
+          <a:p>
+            <a:pPr algn="just"/>
+            <a:r>
+              <a:rPr lang="pt-BR" sz="2400" dirty="0">
+                <a:latin typeface="Roboto" pitchFamily="2" charset="0"/>
+                <a:ea typeface="Roboto" pitchFamily="2" charset="0"/>
+              </a:rPr>
+              <a:t>Recomenda-se não usar </a:t>
+            </a:r>
+            <a:r>
+              <a:rPr lang="pt-BR" sz="2400" dirty="0" err="1">
+                <a:latin typeface="Roboto" pitchFamily="2" charset="0"/>
+                <a:ea typeface="Roboto" pitchFamily="2" charset="0"/>
+              </a:rPr>
+              <a:t>supercolunas</a:t>
+            </a:r>
+            <a:r>
+              <a:rPr lang="pt-BR" sz="2400" dirty="0">
+                <a:latin typeface="Roboto" pitchFamily="2" charset="0"/>
+                <a:ea typeface="Roboto" pitchFamily="2" charset="0"/>
+              </a:rPr>
+              <a:t> e particionadores de </a:t>
+            </a:r>
+            <a:r>
+              <a:rPr lang="pt-BR" sz="2400" dirty="0" smtClean="0">
+                <a:latin typeface="Roboto" pitchFamily="2" charset="0"/>
+                <a:ea typeface="Roboto" pitchFamily="2" charset="0"/>
+              </a:rPr>
+              <a:t>preservação;</a:t>
+            </a:r>
+          </a:p>
+          <a:p>
+            <a:pPr algn="just"/>
+            <a:r>
+              <a:rPr lang="pt-BR" sz="2400" dirty="0">
+                <a:latin typeface="Roboto" pitchFamily="2" charset="0"/>
+                <a:ea typeface="Roboto" pitchFamily="2" charset="0"/>
+              </a:rPr>
+              <a:t>A recuperação da falha é </a:t>
+            </a:r>
+            <a:r>
+              <a:rPr lang="pt-BR" sz="2400" dirty="0" smtClean="0">
+                <a:latin typeface="Roboto" pitchFamily="2" charset="0"/>
+                <a:ea typeface="Roboto" pitchFamily="2" charset="0"/>
+              </a:rPr>
+              <a:t>manual.</a:t>
+            </a:r>
+          </a:p>
+          <a:p>
+            <a:pPr algn="just"/>
+            <a:endParaRPr lang="pt-BR" sz="2400" dirty="0">
+              <a:latin typeface="Roboto" pitchFamily="2" charset="0"/>
+              <a:ea typeface="Roboto" pitchFamily="2" charset="0"/>
+            </a:endParaRPr>
+          </a:p>
+        </p:txBody>
+      </p:sp>
+    </p:spTree>
+    <p:extLst>
+      <p:ext uri="{BB962C8B-B14F-4D97-AF65-F5344CB8AC3E}">
+        <p14:creationId xmlns:p14="http://schemas.microsoft.com/office/powerpoint/2010/main" val="176991499"/>
+      </p:ext>
+    </p:extLst>
+  </p:cSld>
+  <p:clrMapOvr>
+    <a:masterClrMapping/>
+  </p:clrMapOvr>
+</p:sld>
+</file>
+
+<file path=ppt/slides/slide23.xml><?xml version="1.0" encoding="utf-8"?>
+<p:sld xmlns:a="http://schemas.openxmlformats.org/drawingml/2006/main" xmlns:r="http://schemas.openxmlformats.org/officeDocument/2006/relationships" xmlns:p="http://schemas.openxmlformats.org/presentationml/2006/main">
+  <p:cSld>
+    <p:spTree>
+      <p:nvGrpSpPr>
+        <p:cNvPr id="1" name=""/>
+        <p:cNvGrpSpPr/>
+        <p:nvPr/>
+      </p:nvGrpSpPr>
+      <p:grpSpPr>
+        <a:xfrm>
+          <a:off x="0" y="0"/>
+          <a:ext cx="0" cy="0"/>
+          <a:chOff x="0" y="0"/>
+          <a:chExt cx="0" cy="0"/>
+        </a:xfrm>
+      </p:grpSpPr>
+      <p:sp>
+        <p:nvSpPr>
+          <p:cNvPr id="5" name="Content Placeholder 2"/>
+          <p:cNvSpPr>
+            <a:spLocks noGrp="1"/>
+          </p:cNvSpPr>
+          <p:nvPr>
+            <p:ph idx="1"/>
+          </p:nvPr>
+        </p:nvSpPr>
+        <p:spPr>
+          <a:xfrm>
+            <a:off x="643945" y="1687132"/>
+            <a:ext cx="8100810" cy="5170868"/>
+          </a:xfrm>
+        </p:spPr>
+        <p:txBody>
+          <a:bodyPr>
+            <a:normAutofit fontScale="55000" lnSpcReduction="20000"/>
+          </a:bodyPr>
+          <a:lstStyle/>
+          <a:p>
+            <a:pPr algn="just"/>
+            <a:r>
+              <a:rPr lang="pt-BR" sz="2900" b="1" dirty="0">
+                <a:latin typeface="Roboto" pitchFamily="2" charset="0"/>
+                <a:ea typeface="Roboto" pitchFamily="2" charset="0"/>
+              </a:rPr>
+              <a:t>Python:</a:t>
+            </a:r>
+          </a:p>
+          <a:p>
+            <a:pPr lvl="1" algn="just"/>
+            <a:r>
+              <a:rPr lang="pt-BR" sz="2500" dirty="0" err="1">
+                <a:latin typeface="Roboto" pitchFamily="2" charset="0"/>
+                <a:ea typeface="Roboto" pitchFamily="2" charset="0"/>
+              </a:rPr>
+              <a:t>Pycassa</a:t>
+            </a:r>
+            <a:r>
+              <a:rPr lang="pt-BR" sz="2500" dirty="0">
+                <a:latin typeface="Roboto" pitchFamily="2" charset="0"/>
+                <a:ea typeface="Roboto" pitchFamily="2" charset="0"/>
+              </a:rPr>
+              <a:t>: http://github.com/pycassa/pycassa</a:t>
+            </a:r>
+          </a:p>
+          <a:p>
+            <a:pPr algn="just"/>
+            <a:r>
+              <a:rPr lang="pt-BR" sz="3100" b="1" dirty="0" smtClean="0">
+                <a:latin typeface="Roboto" pitchFamily="2" charset="0"/>
+                <a:ea typeface="Roboto" pitchFamily="2" charset="0"/>
+              </a:rPr>
+              <a:t>Java</a:t>
+            </a:r>
+            <a:r>
+              <a:rPr lang="pt-BR" sz="3100" b="1" dirty="0">
+                <a:latin typeface="Roboto" pitchFamily="2" charset="0"/>
+                <a:ea typeface="Roboto" pitchFamily="2" charset="0"/>
+              </a:rPr>
+              <a:t>:</a:t>
+            </a:r>
+          </a:p>
+          <a:p>
+            <a:pPr lvl="1" algn="just"/>
+            <a:r>
+              <a:rPr lang="pt-BR" sz="2500" dirty="0">
+                <a:latin typeface="Roboto" pitchFamily="2" charset="0"/>
+                <a:ea typeface="Roboto" pitchFamily="2" charset="0"/>
+              </a:rPr>
+              <a:t>Hector: http://hector-client.org</a:t>
+            </a:r>
+          </a:p>
+          <a:p>
+            <a:pPr lvl="1" algn="just"/>
+            <a:r>
+              <a:rPr lang="pt-BR" sz="2500" dirty="0" err="1">
+                <a:latin typeface="Roboto" pitchFamily="2" charset="0"/>
+                <a:ea typeface="Roboto" pitchFamily="2" charset="0"/>
+              </a:rPr>
+              <a:t>EasyCassandra</a:t>
+            </a:r>
+            <a:r>
+              <a:rPr lang="pt-BR" sz="2500" dirty="0">
+                <a:latin typeface="Roboto" pitchFamily="2" charset="0"/>
+                <a:ea typeface="Roboto" pitchFamily="2" charset="0"/>
+              </a:rPr>
+              <a:t>: https://</a:t>
+            </a:r>
+            <a:r>
+              <a:rPr lang="pt-BR" sz="2500" dirty="0" smtClean="0">
+                <a:latin typeface="Roboto" pitchFamily="2" charset="0"/>
+                <a:ea typeface="Roboto" pitchFamily="2" charset="0"/>
+              </a:rPr>
+              <a:t>github.com/otaviojava/Easy-Cassandra</a:t>
+            </a:r>
+            <a:endParaRPr lang="pt-BR" sz="2500" b="1" dirty="0">
+              <a:latin typeface="Roboto" pitchFamily="2" charset="0"/>
+              <a:ea typeface="Roboto" pitchFamily="2" charset="0"/>
+            </a:endParaRPr>
+          </a:p>
+          <a:p>
+            <a:pPr algn="just"/>
+            <a:r>
+              <a:rPr lang="pt-BR" sz="2900" b="1" dirty="0">
+                <a:latin typeface="Roboto" pitchFamily="2" charset="0"/>
+                <a:ea typeface="Roboto" pitchFamily="2" charset="0"/>
+              </a:rPr>
+              <a:t>. NET</a:t>
+            </a:r>
+          </a:p>
+          <a:p>
+            <a:pPr lvl="1" algn="just"/>
+            <a:r>
+              <a:rPr lang="pt-BR" sz="2500" dirty="0">
+                <a:latin typeface="Roboto" pitchFamily="2" charset="0"/>
+                <a:ea typeface="Roboto" pitchFamily="2" charset="0"/>
+              </a:rPr>
+              <a:t>Aquiles: http://aquiles.codeplex.com/</a:t>
+            </a:r>
+          </a:p>
+          <a:p>
+            <a:pPr lvl="1" algn="just"/>
+            <a:r>
+              <a:rPr lang="pt-BR" sz="2500" dirty="0" err="1">
+                <a:latin typeface="Roboto" pitchFamily="2" charset="0"/>
+                <a:ea typeface="Roboto" pitchFamily="2" charset="0"/>
+              </a:rPr>
+              <a:t>Cassandraemon</a:t>
+            </a:r>
+            <a:r>
+              <a:rPr lang="pt-BR" sz="2500" dirty="0">
+                <a:latin typeface="Roboto" pitchFamily="2" charset="0"/>
+                <a:ea typeface="Roboto" pitchFamily="2" charset="0"/>
+              </a:rPr>
+              <a:t>: http://cassandraemon.codeplex.com/</a:t>
+            </a:r>
+          </a:p>
+          <a:p>
+            <a:pPr algn="just"/>
+            <a:r>
+              <a:rPr lang="pt-BR" sz="2500" b="1" dirty="0">
+                <a:latin typeface="Roboto" pitchFamily="2" charset="0"/>
+                <a:ea typeface="Roboto" pitchFamily="2" charset="0"/>
+              </a:rPr>
+              <a:t> </a:t>
+            </a:r>
+            <a:r>
+              <a:rPr lang="pt-BR" sz="2900" b="1" dirty="0" err="1">
+                <a:latin typeface="Roboto" pitchFamily="2" charset="0"/>
+                <a:ea typeface="Roboto" pitchFamily="2" charset="0"/>
+              </a:rPr>
+              <a:t>Ruby</a:t>
+            </a:r>
+            <a:r>
+              <a:rPr lang="pt-BR" sz="2900" b="1" dirty="0">
+                <a:latin typeface="Roboto" pitchFamily="2" charset="0"/>
+                <a:ea typeface="Roboto" pitchFamily="2" charset="0"/>
+              </a:rPr>
+              <a:t>:</a:t>
+            </a:r>
+          </a:p>
+          <a:p>
+            <a:pPr lvl="1" algn="just"/>
+            <a:r>
+              <a:rPr lang="pt-BR" sz="2500" dirty="0">
+                <a:latin typeface="Roboto" pitchFamily="2" charset="0"/>
+                <a:ea typeface="Roboto" pitchFamily="2" charset="0"/>
+              </a:rPr>
+              <a:t>Fauna: https://github.com/twitter/cassandra</a:t>
+            </a:r>
+          </a:p>
+          <a:p>
+            <a:pPr algn="just"/>
+            <a:r>
+              <a:rPr lang="pt-BR" sz="2900" b="1" dirty="0">
+                <a:latin typeface="Roboto" pitchFamily="2" charset="0"/>
+                <a:ea typeface="Roboto" pitchFamily="2" charset="0"/>
+              </a:rPr>
+              <a:t> PHP:</a:t>
+            </a:r>
+          </a:p>
+          <a:p>
+            <a:pPr lvl="1" algn="just"/>
+            <a:r>
+              <a:rPr lang="pt-BR" sz="2500" dirty="0">
+                <a:latin typeface="Roboto" pitchFamily="2" charset="0"/>
+                <a:ea typeface="Roboto" pitchFamily="2" charset="0"/>
+              </a:rPr>
+              <a:t>Biblioteca do Cliente Cassandra PHP: https://github.com/kallaspriit/Cassandra-PHP-Client-Library</a:t>
+            </a:r>
+          </a:p>
+          <a:p>
+            <a:pPr lvl="1" algn="just"/>
+            <a:r>
+              <a:rPr lang="pt-BR" sz="2500" dirty="0" err="1">
+                <a:latin typeface="Roboto" pitchFamily="2" charset="0"/>
+                <a:ea typeface="Roboto" pitchFamily="2" charset="0"/>
+              </a:rPr>
+              <a:t>phpcassa</a:t>
+            </a:r>
+            <a:r>
+              <a:rPr lang="pt-BR" sz="2500" dirty="0">
+                <a:latin typeface="Roboto" pitchFamily="2" charset="0"/>
+                <a:ea typeface="Roboto" pitchFamily="2" charset="0"/>
+              </a:rPr>
+              <a:t>: http://github.com/thobbs/phpcassa</a:t>
+            </a:r>
+          </a:p>
+          <a:p>
+            <a:pPr algn="just"/>
+            <a:r>
+              <a:rPr lang="pt-BR" sz="3100" b="1" dirty="0" smtClean="0">
+                <a:latin typeface="Roboto" pitchFamily="2" charset="0"/>
+                <a:ea typeface="Roboto" pitchFamily="2" charset="0"/>
+              </a:rPr>
+              <a:t>C </a:t>
+            </a:r>
+            <a:r>
+              <a:rPr lang="pt-BR" sz="3100" b="1" dirty="0">
+                <a:latin typeface="Roboto" pitchFamily="2" charset="0"/>
+                <a:ea typeface="Roboto" pitchFamily="2" charset="0"/>
+              </a:rPr>
+              <a:t>+ +</a:t>
+            </a:r>
+          </a:p>
+          <a:p>
+            <a:pPr lvl="1" algn="just"/>
+            <a:r>
+              <a:rPr lang="pt-BR" sz="2500" dirty="0">
+                <a:latin typeface="Roboto" pitchFamily="2" charset="0"/>
+                <a:ea typeface="Roboto" pitchFamily="2" charset="0"/>
+              </a:rPr>
+              <a:t>repositório </a:t>
+            </a:r>
+            <a:r>
+              <a:rPr lang="pt-BR" sz="2500" dirty="0" err="1">
+                <a:latin typeface="Roboto" pitchFamily="2" charset="0"/>
+                <a:ea typeface="Roboto" pitchFamily="2" charset="0"/>
+              </a:rPr>
+              <a:t>libQtCassandra</a:t>
+            </a:r>
+            <a:r>
+              <a:rPr lang="pt-BR" sz="2500" dirty="0">
+                <a:latin typeface="Roboto" pitchFamily="2" charset="0"/>
+                <a:ea typeface="Roboto" pitchFamily="2" charset="0"/>
+              </a:rPr>
+              <a:t>: http://sf.net/p/libqtcassandra/</a:t>
+            </a:r>
+          </a:p>
+          <a:p>
+            <a:pPr lvl="1" algn="just"/>
+            <a:r>
+              <a:rPr lang="pt-BR" sz="2500" dirty="0">
+                <a:latin typeface="Roboto" pitchFamily="2" charset="0"/>
+                <a:ea typeface="Roboto" pitchFamily="2" charset="0"/>
+              </a:rPr>
+              <a:t>Home Page, Guia do desenvolvedor: http://snapwebsites.org/project/libqtcassandra</a:t>
+            </a:r>
+          </a:p>
+          <a:p>
+            <a:pPr algn="just"/>
+            <a:endParaRPr lang="pt-BR" sz="2400" dirty="0">
+              <a:latin typeface="Roboto" pitchFamily="2" charset="0"/>
+              <a:ea typeface="Roboto" pitchFamily="2" charset="0"/>
+            </a:endParaRPr>
+          </a:p>
+        </p:txBody>
+      </p:sp>
+      <p:sp>
+        <p:nvSpPr>
+          <p:cNvPr id="8" name="Title 1"/>
+          <p:cNvSpPr>
+            <a:spLocks noGrp="1"/>
+          </p:cNvSpPr>
+          <p:nvPr>
+            <p:ph type="title"/>
+          </p:nvPr>
+        </p:nvSpPr>
+        <p:spPr>
+          <a:xfrm>
+            <a:off x="677334" y="609600"/>
+            <a:ext cx="8596668" cy="1320800"/>
+          </a:xfrm>
+        </p:spPr>
+        <p:txBody>
+          <a:bodyPr>
+            <a:normAutofit/>
+          </a:bodyPr>
+          <a:lstStyle/>
+          <a:p>
+            <a:r>
+              <a:rPr lang="pt-BR" sz="5400" b="1" dirty="0" smtClean="0">
+                <a:latin typeface="Roboto" pitchFamily="2" charset="0"/>
+                <a:ea typeface="Roboto" pitchFamily="2" charset="0"/>
+              </a:rPr>
+              <a:t>Clientes de alto nível</a:t>
+            </a:r>
+            <a:endParaRPr lang="pt-BR" sz="5400" b="1" dirty="0">
+              <a:latin typeface="Roboto" pitchFamily="2" charset="0"/>
+              <a:ea typeface="Roboto" pitchFamily="2" charset="0"/>
+            </a:endParaRPr>
+          </a:p>
+        </p:txBody>
+      </p:sp>
+    </p:spTree>
+    <p:extLst>
+      <p:ext uri="{BB962C8B-B14F-4D97-AF65-F5344CB8AC3E}">
+        <p14:creationId xmlns:p14="http://schemas.microsoft.com/office/powerpoint/2010/main" val="3369168268"/>
+      </p:ext>
+    </p:extLst>
+  </p:cSld>
+  <p:clrMapOvr>
+    <a:masterClrMapping/>
+  </p:clrMapOvr>
+</p:sld>
+</file>
+
+<file path=ppt/slides/slide24.xml><?xml version="1.0" encoding="utf-8"?>
+<p:sld xmlns:a="http://schemas.openxmlformats.org/drawingml/2006/main" xmlns:r="http://schemas.openxmlformats.org/officeDocument/2006/relationships" xmlns:p="http://schemas.openxmlformats.org/presentationml/2006/main">
+  <p:cSld>
+    <p:spTree>
+      <p:nvGrpSpPr>
+        <p:cNvPr id="1" name=""/>
+        <p:cNvGrpSpPr/>
+        <p:nvPr/>
+      </p:nvGrpSpPr>
+      <p:grpSpPr>
+        <a:xfrm>
+          <a:off x="0" y="0"/>
+          <a:ext cx="0" cy="0"/>
+          <a:chOff x="0" y="0"/>
+          <a:chExt cx="0" cy="0"/>
+        </a:xfrm>
+      </p:grpSpPr>
+      <p:sp>
+        <p:nvSpPr>
+          <p:cNvPr id="4" name="Title 1"/>
+          <p:cNvSpPr>
+            <a:spLocks noGrp="1"/>
+          </p:cNvSpPr>
+          <p:nvPr>
+            <p:ph type="title"/>
+          </p:nvPr>
+        </p:nvSpPr>
+        <p:spPr>
+          <a:xfrm>
+            <a:off x="677334" y="609600"/>
+            <a:ext cx="8596668" cy="1320800"/>
+          </a:xfrm>
+        </p:spPr>
+        <p:txBody>
+          <a:bodyPr>
+            <a:normAutofit/>
+          </a:bodyPr>
+          <a:lstStyle/>
+          <a:p>
+            <a:r>
+              <a:rPr lang="pt-BR" sz="5400" b="1" dirty="0" smtClean="0">
+                <a:latin typeface="Roboto" pitchFamily="2" charset="0"/>
+                <a:ea typeface="Roboto" pitchFamily="2" charset="0"/>
+              </a:rPr>
+              <a:t>Bibliografia</a:t>
+            </a:r>
+            <a:endParaRPr lang="pt-BR" sz="5400" b="1" dirty="0">
+              <a:latin typeface="Roboto" pitchFamily="2" charset="0"/>
+              <a:ea typeface="Roboto" pitchFamily="2" charset="0"/>
+            </a:endParaRPr>
+          </a:p>
+        </p:txBody>
+      </p:sp>
+      <p:sp>
+        <p:nvSpPr>
+          <p:cNvPr id="5" name="Content Placeholder 2"/>
+          <p:cNvSpPr>
+            <a:spLocks noGrp="1"/>
+          </p:cNvSpPr>
+          <p:nvPr>
+            <p:ph idx="1"/>
+          </p:nvPr>
+        </p:nvSpPr>
+        <p:spPr>
+          <a:xfrm>
+            <a:off x="643945" y="1687132"/>
+            <a:ext cx="8384146" cy="5170868"/>
+          </a:xfrm>
+        </p:spPr>
+        <p:txBody>
+          <a:bodyPr>
+            <a:normAutofit/>
+          </a:bodyPr>
+          <a:lstStyle/>
+          <a:p>
+            <a:pPr algn="just"/>
+            <a:r>
+              <a:rPr lang="pt-BR" sz="2400" dirty="0">
+                <a:latin typeface="Roboto" pitchFamily="2" charset="0"/>
+                <a:ea typeface="Roboto" pitchFamily="2" charset="0"/>
+              </a:rPr>
+              <a:t>http://cadmintool.blogspot.com.br/2012/09/o-que-e-nosql.html</a:t>
+            </a:r>
+          </a:p>
+          <a:p>
+            <a:pPr algn="just"/>
+            <a:endParaRPr lang="pt-BR" sz="2400" dirty="0">
+              <a:latin typeface="Roboto" pitchFamily="2" charset="0"/>
+              <a:ea typeface="Roboto" pitchFamily="2" charset="0"/>
+            </a:endParaRPr>
+          </a:p>
+          <a:p>
+            <a:pPr algn="just"/>
+            <a:r>
+              <a:rPr lang="pt-BR" sz="2400" dirty="0">
+                <a:latin typeface="Roboto" pitchFamily="2" charset="0"/>
+                <a:ea typeface="Roboto" pitchFamily="2" charset="0"/>
+              </a:rPr>
+              <a:t>http://www.ibm.com/developerworks/br/library/os-apache-cassandra/</a:t>
+            </a:r>
+          </a:p>
+          <a:p>
+            <a:pPr algn="just"/>
+            <a:endParaRPr lang="pt-BR" sz="2400" dirty="0">
+              <a:latin typeface="Roboto" pitchFamily="2" charset="0"/>
+              <a:ea typeface="Roboto" pitchFamily="2" charset="0"/>
+            </a:endParaRPr>
+          </a:p>
+          <a:p>
+            <a:pPr algn="just"/>
+            <a:r>
+              <a:rPr lang="pt-BR" sz="2400" dirty="0">
+                <a:latin typeface="Roboto" pitchFamily="2" charset="0"/>
+                <a:ea typeface="Roboto" pitchFamily="2" charset="0"/>
+              </a:rPr>
+              <a:t>http://imasters.com.br/artigo/17043/banco-de-dados/nosql-voce-realmente-sabe-do-que-estamos-falando/</a:t>
+            </a:r>
+          </a:p>
+          <a:p>
+            <a:pPr algn="just"/>
+            <a:endParaRPr lang="pt-BR" sz="2900" b="1" dirty="0">
+              <a:latin typeface="Roboto" pitchFamily="2" charset="0"/>
+              <a:ea typeface="Roboto" pitchFamily="2" charset="0"/>
+            </a:endParaRPr>
+          </a:p>
+          <a:p>
+            <a:pPr algn="just"/>
+            <a:endParaRPr lang="pt-BR" sz="2400" dirty="0">
+              <a:latin typeface="Roboto" pitchFamily="2" charset="0"/>
+              <a:ea typeface="Roboto" pitchFamily="2" charset="0"/>
+            </a:endParaRPr>
+          </a:p>
+        </p:txBody>
+      </p:sp>
+    </p:spTree>
+    <p:extLst>
+      <p:ext uri="{BB962C8B-B14F-4D97-AF65-F5344CB8AC3E}">
+        <p14:creationId xmlns:p14="http://schemas.microsoft.com/office/powerpoint/2010/main" val="810362333"/>
       </p:ext>
     </p:extLst>
   </p:cSld>

--- a/trunk/Seminario/NoSQL v2.pptx
+++ b/trunk/Seminario/NoSQL v2.pptx
@@ -25,10 +25,12 @@
     <p:sldId id="271" r:id="rId19"/>
     <p:sldId id="272" r:id="rId20"/>
     <p:sldId id="273" r:id="rId21"/>
-    <p:sldId id="276" r:id="rId22"/>
-    <p:sldId id="277" r:id="rId23"/>
-    <p:sldId id="278" r:id="rId24"/>
-    <p:sldId id="279" r:id="rId25"/>
+    <p:sldId id="280" r:id="rId22"/>
+    <p:sldId id="281" r:id="rId23"/>
+    <p:sldId id="276" r:id="rId24"/>
+    <p:sldId id="277" r:id="rId25"/>
+    <p:sldId id="278" r:id="rId26"/>
+    <p:sldId id="279" r:id="rId27"/>
   </p:sldIdLst>
   <p:sldSz cx="12188825" cy="6858000"/>
   <p:notesSz cx="6858000" cy="9144000"/>
@@ -129,7 +131,7 @@
   </p:defaultTextStyle>
   <p:extLst>
     <p:ext uri="{EFAFB233-063F-42B5-8137-9DF3F51BA10A}">
-      <p15:sldGuideLst xmlns:p15="http://schemas.microsoft.com/office/powerpoint/2012/main"/>
+      <p15:sldGuideLst xmlns:p15="http://schemas.microsoft.com/office/powerpoint/2012/main" xmlns=""/>
     </p:ext>
   </p:extLst>
 </p:presentation>
@@ -1113,7 +1115,7 @@
             <a:fld id="{B61BEF0D-F0BB-DE4B-95CE-6DB70DBA9567}" type="datetimeFigureOut">
               <a:rPr lang="en-US"/>
               <a:pPr/>
-              <a:t>3/31/2013</a:t>
+              <a:t>4/1/2013</a:t>
             </a:fld>
             <a:endParaRPr lang="en-US"/>
           </a:p>
@@ -2326,7 +2328,7 @@
             <a:fld id="{B61BEF0D-F0BB-DE4B-95CE-6DB70DBA9567}" type="datetimeFigureOut">
               <a:rPr lang="en-US"/>
               <a:pPr/>
-              <a:t>3/31/2013</a:t>
+              <a:t>4/1/2013</a:t>
             </a:fld>
             <a:endParaRPr lang="en-US"/>
           </a:p>
@@ -2378,7 +2380,7 @@
     </p:spTree>
     <p:extLst>
       <p:ext uri="{BB962C8B-B14F-4D97-AF65-F5344CB8AC3E}">
-        <p14:creationId xmlns:p14="http://schemas.microsoft.com/office/powerpoint/2010/main" val="774026601"/>
+        <p14:creationId xmlns:p14="http://schemas.microsoft.com/office/powerpoint/2010/main" xmlns="" val="774026601"/>
       </p:ext>
     </p:extLst>
   </p:cSld>
@@ -3451,7 +3453,7 @@
             <a:fld id="{B61BEF0D-F0BB-DE4B-95CE-6DB70DBA9567}" type="datetimeFigureOut">
               <a:rPr lang="en-US"/>
               <a:pPr/>
-              <a:t>3/31/2013</a:t>
+              <a:t>4/1/2013</a:t>
             </a:fld>
             <a:endParaRPr lang="en-US"/>
           </a:p>
@@ -3824,7 +3826,7 @@
     </p:spTree>
     <p:extLst>
       <p:ext uri="{BB962C8B-B14F-4D97-AF65-F5344CB8AC3E}">
-        <p14:creationId xmlns:p14="http://schemas.microsoft.com/office/powerpoint/2010/main" val="2321308220"/>
+        <p14:creationId xmlns:p14="http://schemas.microsoft.com/office/powerpoint/2010/main" xmlns="" val="2321308220"/>
       </p:ext>
     </p:extLst>
   </p:cSld>
@@ -4897,7 +4899,7 @@
             <a:fld id="{B61BEF0D-F0BB-DE4B-95CE-6DB70DBA9567}" type="datetimeFigureOut">
               <a:rPr lang="en-US"/>
               <a:pPr/>
-              <a:t>3/31/2013</a:t>
+              <a:t>4/1/2013</a:t>
             </a:fld>
             <a:endParaRPr lang="en-US"/>
           </a:p>
@@ -4949,7 +4951,7 @@
     </p:spTree>
     <p:extLst>
       <p:ext uri="{BB962C8B-B14F-4D97-AF65-F5344CB8AC3E}">
-        <p14:creationId xmlns:p14="http://schemas.microsoft.com/office/powerpoint/2010/main" val="3634612619"/>
+        <p14:creationId xmlns:p14="http://schemas.microsoft.com/office/powerpoint/2010/main" xmlns="" val="3634612619"/>
       </p:ext>
     </p:extLst>
   </p:cSld>
@@ -6022,7 +6024,7 @@
             <a:fld id="{B61BEF0D-F0BB-DE4B-95CE-6DB70DBA9567}" type="datetimeFigureOut">
               <a:rPr lang="en-US"/>
               <a:pPr/>
-              <a:t>3/31/2013</a:t>
+              <a:t>4/1/2013</a:t>
             </a:fld>
             <a:endParaRPr lang="en-US"/>
           </a:p>
@@ -6395,7 +6397,7 @@
     </p:spTree>
     <p:extLst>
       <p:ext uri="{BB962C8B-B14F-4D97-AF65-F5344CB8AC3E}">
-        <p14:creationId xmlns:p14="http://schemas.microsoft.com/office/powerpoint/2010/main" val="1769146371"/>
+        <p14:creationId xmlns:p14="http://schemas.microsoft.com/office/powerpoint/2010/main" xmlns="" val="1769146371"/>
       </p:ext>
     </p:extLst>
   </p:cSld>
@@ -7468,7 +7470,7 @@
             <a:fld id="{B61BEF0D-F0BB-DE4B-95CE-6DB70DBA9567}" type="datetimeFigureOut">
               <a:rPr lang="en-US"/>
               <a:pPr/>
-              <a:t>3/31/2013</a:t>
+              <a:t>4/1/2013</a:t>
             </a:fld>
             <a:endParaRPr lang="en-US"/>
           </a:p>
@@ -7580,7 +7582,7 @@
     </p:spTree>
     <p:extLst>
       <p:ext uri="{BB962C8B-B14F-4D97-AF65-F5344CB8AC3E}">
-        <p14:creationId xmlns:p14="http://schemas.microsoft.com/office/powerpoint/2010/main" val="2187996292"/>
+        <p14:creationId xmlns:p14="http://schemas.microsoft.com/office/powerpoint/2010/main" xmlns="" val="2187996292"/>
       </p:ext>
     </p:extLst>
   </p:cSld>
@@ -8572,7 +8574,7 @@
             <a:fld id="{B61BEF0D-F0BB-DE4B-95CE-6DB70DBA9567}" type="datetimeFigureOut">
               <a:rPr lang="en-US"/>
               <a:pPr/>
-              <a:t>3/31/2013</a:t>
+              <a:t>4/1/2013</a:t>
             </a:fld>
             <a:endParaRPr lang="en-US"/>
           </a:p>
@@ -9621,7 +9623,7 @@
             <a:fld id="{B61BEF0D-F0BB-DE4B-95CE-6DB70DBA9567}" type="datetimeFigureOut">
               <a:rPr lang="en-US"/>
               <a:pPr/>
-              <a:t>3/31/2013</a:t>
+              <a:t>4/1/2013</a:t>
             </a:fld>
             <a:endParaRPr lang="en-US"/>
           </a:p>
@@ -9960,7 +9962,7 @@
             <a:fld id="{B61BEF0D-F0BB-DE4B-95CE-6DB70DBA9567}" type="datetimeFigureOut">
               <a:rPr lang="en-US"/>
               <a:pPr/>
-              <a:t>3/31/2013</a:t>
+              <a:t>4/1/2013</a:t>
             </a:fld>
             <a:endParaRPr lang="en-US"/>
           </a:p>
@@ -11779,7 +11781,7 @@
             <a:fld id="{B61BEF0D-F0BB-DE4B-95CE-6DB70DBA9567}" type="datetimeFigureOut">
               <a:rPr lang="en-US"/>
               <a:pPr/>
-              <a:t>3/31/2013</a:t>
+              <a:t>4/1/2013</a:t>
             </a:fld>
             <a:endParaRPr lang="en-US"/>
           </a:p>
@@ -12945,7 +12947,7 @@
             <a:fld id="{B61BEF0D-F0BB-DE4B-95CE-6DB70DBA9567}" type="datetimeFigureOut">
               <a:rPr lang="en-US"/>
               <a:pPr/>
-              <a:t>3/31/2013</a:t>
+              <a:t>4/1/2013</a:t>
             </a:fld>
             <a:endParaRPr lang="en-US"/>
           </a:p>
@@ -14244,7 +14246,7 @@
             <a:fld id="{B61BEF0D-F0BB-DE4B-95CE-6DB70DBA9567}" type="datetimeFigureOut">
               <a:rPr lang="en-US"/>
               <a:pPr/>
-              <a:t>3/31/2013</a:t>
+              <a:t>4/1/2013</a:t>
             </a:fld>
             <a:endParaRPr lang="en-US"/>
           </a:p>
@@ -15236,7 +15238,7 @@
             <a:fld id="{B61BEF0D-F0BB-DE4B-95CE-6DB70DBA9567}" type="datetimeFigureOut">
               <a:rPr lang="en-US"/>
               <a:pPr/>
-              <a:t>3/31/2013</a:t>
+              <a:t>4/1/2013</a:t>
             </a:fld>
             <a:endParaRPr lang="en-US"/>
           </a:p>
@@ -15328,7 +15330,7 @@
             <a:fld id="{B61BEF0D-F0BB-DE4B-95CE-6DB70DBA9567}" type="datetimeFigureOut">
               <a:rPr lang="en-US"/>
               <a:pPr/>
-              <a:t>3/31/2013</a:t>
+              <a:t>4/1/2013</a:t>
             </a:fld>
             <a:endParaRPr lang="en-US"/>
           </a:p>
@@ -17316,7 +17318,7 @@
             <a:fld id="{B61BEF0D-F0BB-DE4B-95CE-6DB70DBA9567}" type="datetimeFigureOut">
               <a:rPr lang="en-US"/>
               <a:pPr/>
-              <a:t>3/31/2013</a:t>
+              <a:t>4/1/2013</a:t>
             </a:fld>
             <a:endParaRPr lang="en-US"/>
           </a:p>
@@ -18480,7 +18482,7 @@
             <a:fld id="{B61BEF0D-F0BB-DE4B-95CE-6DB70DBA9567}" type="datetimeFigureOut">
               <a:rPr lang="en-US"/>
               <a:pPr/>
-              <a:t>3/31/2013</a:t>
+              <a:t>4/1/2013</a:t>
             </a:fld>
             <a:endParaRPr lang="en-US"/>
           </a:p>
@@ -18690,7 +18692,7 @@
             <a:fld id="{B61BEF0D-F0BB-DE4B-95CE-6DB70DBA9567}" type="datetimeFigureOut">
               <a:rPr lang="en-US" smtClean="0"/>
               <a:pPr/>
-              <a:t>3/31/2013</a:t>
+              <a:t>4/1/2013</a:t>
             </a:fld>
             <a:endParaRPr lang="en-US" dirty="0"/>
           </a:p>
@@ -18776,7 +18778,7 @@
     </p:spTree>
     <p:extLst>
       <p:ext uri="{BB962C8B-B14F-4D97-AF65-F5344CB8AC3E}">
-        <p14:creationId xmlns:p14="http://schemas.microsoft.com/office/powerpoint/2010/main" val="2954049795"/>
+        <p14:creationId xmlns:p14="http://schemas.microsoft.com/office/powerpoint/2010/main" xmlns="" val="2954049795"/>
       </p:ext>
     </p:extLst>
   </p:cSld>
@@ -19191,33 +19193,33 @@
           <a:lstStyle/>
           <a:p>
             <a:r>
-              <a:rPr lang="pt-BR" sz="7200" b="1" dirty="0" err="1" smtClean="0">
+              <a:rPr lang="pt-BR" sz="8800" b="1" dirty="0" err="1" smtClean="0">
                 <a:latin typeface="Roboto" pitchFamily="2" charset="0"/>
                 <a:ea typeface="Roboto" pitchFamily="2" charset="0"/>
               </a:rPr>
               <a:t>NoSQL</a:t>
             </a:r>
             <a:r>
-              <a:rPr lang="pt-BR" sz="7200" b="1" dirty="0" smtClean="0">
+              <a:rPr lang="pt-BR" sz="8800" b="1" dirty="0" smtClean="0">
                 <a:latin typeface="Roboto" pitchFamily="2" charset="0"/>
                 <a:ea typeface="Roboto" pitchFamily="2" charset="0"/>
               </a:rPr>
               <a:t/>
             </a:r>
             <a:br>
-              <a:rPr lang="pt-BR" sz="7200" b="1" dirty="0" smtClean="0">
+              <a:rPr lang="pt-BR" sz="8800" b="1" dirty="0" smtClean="0">
                 <a:latin typeface="Roboto" pitchFamily="2" charset="0"/>
                 <a:ea typeface="Roboto" pitchFamily="2" charset="0"/>
               </a:rPr>
             </a:br>
             <a:r>
-              <a:rPr lang="pt-BR" sz="2800" dirty="0" smtClean="0">
+              <a:rPr lang="pt-BR" sz="3600" dirty="0" smtClean="0">
                 <a:latin typeface="Roboto" pitchFamily="2" charset="0"/>
                 <a:ea typeface="Roboto" pitchFamily="2" charset="0"/>
               </a:rPr>
               <a:t>UFRPE</a:t>
             </a:r>
-            <a:endParaRPr lang="pt-BR" sz="2800" dirty="0">
+            <a:endParaRPr lang="pt-BR" sz="3600" dirty="0">
               <a:latin typeface="Roboto" pitchFamily="2" charset="0"/>
               <a:ea typeface="Roboto" pitchFamily="2" charset="0"/>
             </a:endParaRPr>
@@ -19227,7 +19229,7 @@
     </p:spTree>
     <p:extLst>
       <p:ext uri="{BB962C8B-B14F-4D97-AF65-F5344CB8AC3E}">
-        <p14:creationId xmlns:p14="http://schemas.microsoft.com/office/powerpoint/2010/main" val="3219356600"/>
+        <p14:creationId xmlns:p14="http://schemas.microsoft.com/office/powerpoint/2010/main" xmlns="" val="3219356600"/>
       </p:ext>
     </p:extLst>
   </p:cSld>
@@ -19290,14 +19292,7 @@
                 <a:latin typeface="Roboto" pitchFamily="2" charset="0"/>
                 <a:ea typeface="Roboto" pitchFamily="2" charset="0"/>
               </a:rPr>
-              <a:t>u escolho </a:t>
-            </a:r>
-            <a:r>
-              <a:rPr lang="pt-BR" sz="5400" b="1" dirty="0" smtClean="0">
-                <a:latin typeface="Roboto" pitchFamily="2" charset="0"/>
-                <a:ea typeface="Roboto" pitchFamily="2" charset="0"/>
-              </a:rPr>
-              <a:t>você...</a:t>
+              <a:t>u escolho você...</a:t>
             </a:r>
             <a:endParaRPr lang="pt-BR" sz="5400" b="1" dirty="0">
               <a:latin typeface="Roboto" pitchFamily="2" charset="0"/>
@@ -19318,7 +19313,7 @@
           <a:blip r:embed="rId2">
             <a:extLst>
               <a:ext uri="{28A0092B-C50C-407E-A947-70E740481C1C}">
-                <a14:useLocalDpi xmlns:a14="http://schemas.microsoft.com/office/drawing/2010/main" val="0"/>
+                <a14:useLocalDpi xmlns:a14="http://schemas.microsoft.com/office/drawing/2010/main" xmlns="" val="0"/>
               </a:ext>
             </a:extLst>
           </a:blip>
@@ -19339,7 +19334,7 @@
     </p:spTree>
     <p:extLst>
       <p:ext uri="{BB962C8B-B14F-4D97-AF65-F5344CB8AC3E}">
-        <p14:creationId xmlns:p14="http://schemas.microsoft.com/office/powerpoint/2010/main" val="3798773759"/>
+        <p14:creationId xmlns:p14="http://schemas.microsoft.com/office/powerpoint/2010/main" xmlns="" val="3798773759"/>
       </p:ext>
     </p:extLst>
   </p:cSld>
@@ -19383,7 +19378,12 @@
             <p:ph type="title"/>
           </p:nvPr>
         </p:nvSpPr>
-        <p:spPr/>
+        <p:spPr>
+          <a:xfrm>
+            <a:off x="696384" y="304800"/>
+            <a:ext cx="8596668" cy="1320800"/>
+          </a:xfrm>
+        </p:spPr>
         <p:txBody>
           <a:bodyPr>
             <a:normAutofit/>
@@ -19395,14 +19395,7 @@
                 <a:latin typeface="Roboto" pitchFamily="2" charset="0"/>
                 <a:ea typeface="Roboto" pitchFamily="2" charset="0"/>
               </a:rPr>
-              <a:t>Criado por </a:t>
-            </a:r>
-            <a:r>
-              <a:rPr lang="pt-BR" sz="5400" b="1" dirty="0" smtClean="0">
-                <a:latin typeface="Roboto" pitchFamily="2" charset="0"/>
-                <a:ea typeface="Roboto" pitchFamily="2" charset="0"/>
-              </a:rPr>
-              <a:t>quem?</a:t>
+              <a:t>Criado por quem?</a:t>
             </a:r>
             <a:endParaRPr lang="pt-BR" sz="5400" b="1" dirty="0">
               <a:latin typeface="Roboto" pitchFamily="2" charset="0"/>
@@ -19423,46 +19416,46 @@
         </p:nvSpPr>
         <p:spPr>
           <a:xfrm>
-            <a:off x="677333" y="2160589"/>
-            <a:ext cx="9187883" cy="3880773"/>
+            <a:off x="677333" y="1504950"/>
+            <a:ext cx="9187883" cy="5048249"/>
           </a:xfrm>
         </p:spPr>
         <p:txBody>
           <a:bodyPr>
-            <a:normAutofit/>
+            <a:noAutofit/>
           </a:bodyPr>
           <a:lstStyle/>
           <a:p>
             <a:r>
-              <a:rPr lang="pt-BR" sz="2400" b="1" dirty="0">
+              <a:rPr lang="pt-BR" sz="3600" b="1" dirty="0">
                 <a:latin typeface="Roboto" pitchFamily="2" charset="0"/>
                 <a:ea typeface="Roboto" pitchFamily="2" charset="0"/>
               </a:rPr>
               <a:t>D</a:t>
             </a:r>
             <a:r>
-              <a:rPr lang="pt-BR" sz="2400" b="1" dirty="0" smtClean="0">
+              <a:rPr lang="pt-BR" sz="3600" b="1" dirty="0" smtClean="0">
                 <a:latin typeface="Roboto" pitchFamily="2" charset="0"/>
                 <a:ea typeface="Roboto" pitchFamily="2" charset="0"/>
               </a:rPr>
               <a:t>esenvolvido </a:t>
             </a:r>
             <a:r>
-              <a:rPr lang="pt-BR" sz="2400" b="1" dirty="0">
+              <a:rPr lang="pt-BR" sz="3600" b="1" dirty="0">
                 <a:latin typeface="Roboto" pitchFamily="2" charset="0"/>
                 <a:ea typeface="Roboto" pitchFamily="2" charset="0"/>
               </a:rPr>
               <a:t>pelo </a:t>
             </a:r>
             <a:r>
-              <a:rPr lang="pt-BR" sz="2400" b="1" dirty="0" err="1" smtClean="0">
+              <a:rPr lang="pt-BR" sz="3600" b="1" dirty="0" err="1" smtClean="0">
                 <a:latin typeface="Roboto" pitchFamily="2" charset="0"/>
                 <a:ea typeface="Roboto" pitchFamily="2" charset="0"/>
               </a:rPr>
               <a:t>Facebook</a:t>
             </a:r>
             <a:r>
-              <a:rPr lang="pt-BR" sz="2400" b="1" dirty="0" smtClean="0">
+              <a:rPr lang="pt-BR" sz="3600" b="1" dirty="0" smtClean="0">
                 <a:latin typeface="Roboto" pitchFamily="2" charset="0"/>
                 <a:ea typeface="Roboto" pitchFamily="2" charset="0"/>
               </a:rPr>
@@ -19472,7 +19465,7 @@
           <a:p>
             <a:pPr lvl="1"/>
             <a:r>
-              <a:rPr lang="pt-BR" sz="2200" dirty="0" smtClean="0">
+              <a:rPr lang="pt-BR" sz="3200" dirty="0" smtClean="0">
                 <a:latin typeface="Roboto" pitchFamily="2" charset="0"/>
                 <a:ea typeface="Roboto" pitchFamily="2" charset="0"/>
               </a:rPr>
@@ -19482,89 +19475,89 @@
           <a:p>
             <a:pPr lvl="1"/>
             <a:r>
-              <a:rPr lang="pt-BR" sz="2200" dirty="0" smtClean="0">
+              <a:rPr lang="pt-BR" sz="3200" dirty="0" smtClean="0">
                 <a:latin typeface="Roboto" pitchFamily="2" charset="0"/>
                 <a:ea typeface="Roboto" pitchFamily="2" charset="0"/>
               </a:rPr>
               <a:t>Armazenamento de </a:t>
             </a:r>
             <a:r>
-              <a:rPr lang="pt-BR" sz="2200" dirty="0">
+              <a:rPr lang="pt-BR" sz="3200" dirty="0">
                 <a:latin typeface="Roboto" pitchFamily="2" charset="0"/>
                 <a:ea typeface="Roboto" pitchFamily="2" charset="0"/>
               </a:rPr>
               <a:t>mensagens das caixas de entrada dos </a:t>
             </a:r>
             <a:r>
-              <a:rPr lang="pt-BR" sz="2200" dirty="0" smtClean="0">
+              <a:rPr lang="pt-BR" sz="3200" dirty="0" smtClean="0">
                 <a:latin typeface="Roboto" pitchFamily="2" charset="0"/>
                 <a:ea typeface="Roboto" pitchFamily="2" charset="0"/>
               </a:rPr>
               <a:t>usuários;</a:t>
             </a:r>
-            <a:endParaRPr lang="pt-BR" sz="2400" dirty="0" smtClean="0">
+            <a:endParaRPr lang="pt-BR" sz="3600" dirty="0" smtClean="0">
               <a:latin typeface="Roboto" pitchFamily="2" charset="0"/>
               <a:ea typeface="Roboto" pitchFamily="2" charset="0"/>
             </a:endParaRPr>
           </a:p>
           <a:p>
             <a:r>
-              <a:rPr lang="pt-BR" sz="2400" dirty="0" smtClean="0">
+              <a:rPr lang="pt-BR" sz="3600" dirty="0" smtClean="0">
                 <a:latin typeface="Roboto" pitchFamily="2" charset="0"/>
                 <a:ea typeface="Roboto" pitchFamily="2" charset="0"/>
               </a:rPr>
               <a:t>Foi </a:t>
             </a:r>
             <a:r>
-              <a:rPr lang="pt-BR" sz="2400" dirty="0">
+              <a:rPr lang="pt-BR" sz="3600" dirty="0">
                 <a:latin typeface="Roboto" pitchFamily="2" charset="0"/>
                 <a:ea typeface="Roboto" pitchFamily="2" charset="0"/>
               </a:rPr>
               <a:t>liberado sob licença Open </a:t>
             </a:r>
             <a:r>
-              <a:rPr lang="pt-BR" sz="2400" dirty="0" err="1">
+              <a:rPr lang="pt-BR" sz="3600" dirty="0" err="1">
                 <a:latin typeface="Roboto" pitchFamily="2" charset="0"/>
                 <a:ea typeface="Roboto" pitchFamily="2" charset="0"/>
               </a:rPr>
               <a:t>Source</a:t>
             </a:r>
             <a:r>
-              <a:rPr lang="pt-BR" sz="2400" dirty="0">
+              <a:rPr lang="pt-BR" sz="3600" dirty="0">
                 <a:latin typeface="Roboto" pitchFamily="2" charset="0"/>
                 <a:ea typeface="Roboto" pitchFamily="2" charset="0"/>
               </a:rPr>
               <a:t> em julho de 2008. </a:t>
             </a:r>
-            <a:endParaRPr lang="pt-BR" sz="2400" dirty="0" smtClean="0">
+            <a:endParaRPr lang="pt-BR" sz="3600" dirty="0" smtClean="0">
               <a:latin typeface="Roboto" pitchFamily="2" charset="0"/>
               <a:ea typeface="Roboto" pitchFamily="2" charset="0"/>
             </a:endParaRPr>
           </a:p>
           <a:p>
             <a:r>
-              <a:rPr lang="pt-BR" sz="2400" dirty="0">
+              <a:rPr lang="pt-BR" sz="3600" dirty="0">
                 <a:latin typeface="Roboto" pitchFamily="2" charset="0"/>
                 <a:ea typeface="Roboto" pitchFamily="2" charset="0"/>
               </a:rPr>
               <a:t>P</a:t>
             </a:r>
             <a:r>
-              <a:rPr lang="pt-BR" sz="2400" dirty="0" smtClean="0">
+              <a:rPr lang="pt-BR" sz="3600" dirty="0" smtClean="0">
                 <a:latin typeface="Roboto" pitchFamily="2" charset="0"/>
                 <a:ea typeface="Roboto" pitchFamily="2" charset="0"/>
               </a:rPr>
               <a:t>rojeto </a:t>
             </a:r>
             <a:r>
-              <a:rPr lang="pt-BR" sz="2400" dirty="0">
+              <a:rPr lang="pt-BR" sz="3600" dirty="0">
                 <a:latin typeface="Roboto" pitchFamily="2" charset="0"/>
                 <a:ea typeface="Roboto" pitchFamily="2" charset="0"/>
               </a:rPr>
               <a:t>de incubação da Fundação Apache em janeiro de </a:t>
             </a:r>
             <a:r>
-              <a:rPr lang="pt-BR" sz="2400" dirty="0" smtClean="0">
+              <a:rPr lang="pt-BR" sz="3600" dirty="0" smtClean="0">
                 <a:latin typeface="Roboto" pitchFamily="2" charset="0"/>
                 <a:ea typeface="Roboto" pitchFamily="2" charset="0"/>
               </a:rPr>
@@ -19573,18 +19566,32 @@
           </a:p>
           <a:p>
             <a:r>
-              <a:rPr lang="pt-BR" sz="2400" dirty="0" smtClean="0">
+              <a:rPr lang="pt-BR" sz="3600" dirty="0" smtClean="0">
                 <a:latin typeface="Roboto" pitchFamily="2" charset="0"/>
                 <a:ea typeface="Roboto" pitchFamily="2" charset="0"/>
               </a:rPr>
               <a:t>A </a:t>
             </a:r>
             <a:r>
-              <a:rPr lang="pt-BR" sz="2400" dirty="0">
-                <a:latin typeface="Roboto" pitchFamily="2" charset="0"/>
-                <a:ea typeface="Roboto" pitchFamily="2" charset="0"/>
-              </a:rPr>
-              <a:t>primeira versão a ser lançada foi a 0.3 em março de 2010, encontrando-se atualmente na versão 1.1.6. </a:t>
+              <a:rPr lang="pt-BR" sz="3600" dirty="0">
+                <a:latin typeface="Roboto" pitchFamily="2" charset="0"/>
+                <a:ea typeface="Roboto" pitchFamily="2" charset="0"/>
+              </a:rPr>
+              <a:t>primeira versão a ser lançada foi a 0.3 em março de 2010, encontrando-se atualmente na versão </a:t>
+            </a:r>
+            <a:r>
+              <a:rPr lang="pt-BR" sz="3600" dirty="0" smtClean="0">
+                <a:latin typeface="Roboto" pitchFamily="2" charset="0"/>
+                <a:ea typeface="Roboto" pitchFamily="2" charset="0"/>
+              </a:rPr>
+              <a:t>1.2.3.</a:t>
+            </a:r>
+            <a:r>
+              <a:rPr lang="pt-BR" sz="3600" dirty="0">
+                <a:latin typeface="Roboto" pitchFamily="2" charset="0"/>
+                <a:ea typeface="Roboto" pitchFamily="2" charset="0"/>
+              </a:rPr>
+              <a:t> </a:t>
             </a:r>
           </a:p>
         </p:txBody>
@@ -19592,7 +19599,7 @@
     </p:spTree>
     <p:extLst>
       <p:ext uri="{BB962C8B-B14F-4D97-AF65-F5344CB8AC3E}">
-        <p14:creationId xmlns:p14="http://schemas.microsoft.com/office/powerpoint/2010/main" val="1994305294"/>
+        <p14:creationId xmlns:p14="http://schemas.microsoft.com/office/powerpoint/2010/main" xmlns="" val="1994305294"/>
       </p:ext>
     </p:extLst>
   </p:cSld>
@@ -19638,7 +19645,7 @@
         </p:nvSpPr>
         <p:spPr>
           <a:xfrm>
-            <a:off x="677334" y="609600"/>
+            <a:off x="696384" y="361950"/>
             <a:ext cx="8596668" cy="1320800"/>
           </a:xfrm>
         </p:spPr>
@@ -19674,189 +19681,203 @@
         </p:nvSpPr>
         <p:spPr>
           <a:xfrm>
-            <a:off x="677333" y="2160589"/>
-            <a:ext cx="9187883" cy="3880773"/>
+            <a:off x="677333" y="1581151"/>
+            <a:ext cx="9187883" cy="4460212"/>
           </a:xfrm>
         </p:spPr>
         <p:txBody>
           <a:bodyPr>
-            <a:normAutofit/>
+            <a:noAutofit/>
           </a:bodyPr>
           <a:lstStyle/>
           <a:p>
             <a:r>
-              <a:rPr lang="pt-BR" sz="2400" dirty="0" smtClean="0">
+              <a:rPr lang="pt-BR" sz="3600" dirty="0" smtClean="0">
                 <a:latin typeface="Roboto" pitchFamily="2" charset="0"/>
                 <a:ea typeface="Roboto" pitchFamily="2" charset="0"/>
               </a:rPr>
               <a:t>Reposit</a:t>
             </a:r>
             <a:r>
-              <a:rPr lang="pt-BR" sz="2400" dirty="0">
+              <a:rPr lang="pt-BR" sz="3600" dirty="0">
                 <a:latin typeface="Roboto" pitchFamily="2" charset="0"/>
                 <a:ea typeface="Roboto" pitchFamily="2" charset="0"/>
               </a:rPr>
               <a:t>ó</a:t>
             </a:r>
             <a:r>
-              <a:rPr lang="pt-BR" sz="2400" dirty="0" smtClean="0">
+              <a:rPr lang="pt-BR" sz="3600" dirty="0" smtClean="0">
                 <a:latin typeface="Roboto" pitchFamily="2" charset="0"/>
                 <a:ea typeface="Roboto" pitchFamily="2" charset="0"/>
               </a:rPr>
               <a:t>rio </a:t>
             </a:r>
             <a:r>
-              <a:rPr lang="pt-BR" sz="2400" dirty="0">
+              <a:rPr lang="pt-BR" sz="3600" dirty="0">
                 <a:latin typeface="Roboto" pitchFamily="2" charset="0"/>
                 <a:ea typeface="Roboto" pitchFamily="2" charset="0"/>
               </a:rPr>
               <a:t>de dados </a:t>
             </a:r>
             <a:r>
-              <a:rPr lang="pt-BR" sz="2400" dirty="0" smtClean="0">
+              <a:rPr lang="pt-BR" sz="3600" dirty="0" smtClean="0">
                 <a:latin typeface="Roboto" pitchFamily="2" charset="0"/>
                 <a:ea typeface="Roboto" pitchFamily="2" charset="0"/>
               </a:rPr>
               <a:t>em Java;</a:t>
             </a:r>
-            <a:endParaRPr lang="pt-BR" sz="2400" dirty="0">
+            <a:endParaRPr lang="pt-BR" sz="3600" dirty="0">
               <a:latin typeface="Roboto" pitchFamily="2" charset="0"/>
               <a:ea typeface="Roboto" pitchFamily="2" charset="0"/>
             </a:endParaRPr>
           </a:p>
           <a:p>
             <a:r>
-              <a:rPr lang="pt-BR" sz="2400" dirty="0">
+              <a:rPr lang="pt-BR" sz="3600" dirty="0">
                 <a:latin typeface="Roboto" pitchFamily="2" charset="0"/>
                 <a:ea typeface="Roboto" pitchFamily="2" charset="0"/>
               </a:rPr>
               <a:t>Dispensa a sobrecarga de recursos dos bancos de dados </a:t>
             </a:r>
             <a:r>
-              <a:rPr lang="pt-BR" sz="2400" dirty="0" smtClean="0">
+              <a:rPr lang="pt-BR" sz="3600" dirty="0" smtClean="0">
                 <a:latin typeface="Roboto" pitchFamily="2" charset="0"/>
                 <a:ea typeface="Roboto" pitchFamily="2" charset="0"/>
               </a:rPr>
               <a:t>relacionais convencionais;</a:t>
             </a:r>
-            <a:endParaRPr lang="pt-BR" sz="2400" dirty="0">
+            <a:endParaRPr lang="pt-BR" sz="3600" dirty="0">
               <a:latin typeface="Roboto" pitchFamily="2" charset="0"/>
               <a:ea typeface="Roboto" pitchFamily="2" charset="0"/>
             </a:endParaRPr>
           </a:p>
           <a:p>
             <a:r>
-              <a:rPr lang="pt-BR" sz="2400" dirty="0" smtClean="0">
+              <a:rPr lang="pt-BR" sz="3600" dirty="0" smtClean="0">
                 <a:latin typeface="Roboto" pitchFamily="2" charset="0"/>
                 <a:ea typeface="Roboto" pitchFamily="2" charset="0"/>
               </a:rPr>
               <a:t>Reúne </a:t>
             </a:r>
             <a:r>
-              <a:rPr lang="pt-BR" sz="2400" dirty="0">
+              <a:rPr lang="pt-BR" sz="3600" dirty="0">
                 <a:latin typeface="Roboto" pitchFamily="2" charset="0"/>
                 <a:ea typeface="Roboto" pitchFamily="2" charset="0"/>
               </a:rPr>
               <a:t>a arquitetura do </a:t>
             </a:r>
             <a:r>
-              <a:rPr lang="pt-BR" sz="2400" dirty="0" err="1">
+              <a:rPr lang="pt-BR" sz="3600" dirty="0" err="1">
                 <a:latin typeface="Roboto" pitchFamily="2" charset="0"/>
                 <a:ea typeface="Roboto" pitchFamily="2" charset="0"/>
               </a:rPr>
               <a:t>Dynamo</a:t>
             </a:r>
             <a:r>
-              <a:rPr lang="pt-BR" sz="2400" dirty="0">
+              <a:rPr lang="pt-BR" sz="3600" dirty="0">
                 <a:latin typeface="Roboto" pitchFamily="2" charset="0"/>
                 <a:ea typeface="Roboto" pitchFamily="2" charset="0"/>
               </a:rPr>
               <a:t>, da </a:t>
             </a:r>
             <a:r>
-              <a:rPr lang="pt-BR" sz="2400" dirty="0" err="1">
+              <a:rPr lang="pt-BR" sz="3600" dirty="0" err="1">
                 <a:latin typeface="Roboto" pitchFamily="2" charset="0"/>
                 <a:ea typeface="Roboto" pitchFamily="2" charset="0"/>
               </a:rPr>
               <a:t>Amazon</a:t>
             </a:r>
             <a:r>
-              <a:rPr lang="pt-BR" sz="2400" dirty="0">
+              <a:rPr lang="pt-BR" sz="3600" dirty="0">
                 <a:latin typeface="Roboto" pitchFamily="2" charset="0"/>
                 <a:ea typeface="Roboto" pitchFamily="2" charset="0"/>
               </a:rPr>
               <a:t> e modelo de </a:t>
             </a:r>
             <a:r>
-              <a:rPr lang="pt-BR" sz="2400" dirty="0" smtClean="0">
+              <a:rPr lang="pt-BR" sz="3600" dirty="0" smtClean="0">
                 <a:latin typeface="Roboto" pitchFamily="2" charset="0"/>
                 <a:ea typeface="Roboto" pitchFamily="2" charset="0"/>
               </a:rPr>
               <a:t>dados baseado </a:t>
             </a:r>
             <a:r>
-              <a:rPr lang="pt-BR" sz="2400" dirty="0">
+              <a:rPr lang="pt-BR" sz="3600" dirty="0">
                 <a:latin typeface="Roboto" pitchFamily="2" charset="0"/>
                 <a:ea typeface="Roboto" pitchFamily="2" charset="0"/>
               </a:rPr>
               <a:t>no </a:t>
             </a:r>
             <a:r>
-              <a:rPr lang="pt-BR" sz="2400" dirty="0" err="1">
+              <a:rPr lang="pt-BR" sz="3600" dirty="0" err="1">
                 <a:latin typeface="Roboto" pitchFamily="2" charset="0"/>
                 <a:ea typeface="Roboto" pitchFamily="2" charset="0"/>
               </a:rPr>
               <a:t>Bigtable</a:t>
             </a:r>
             <a:r>
-              <a:rPr lang="pt-BR" sz="2400" dirty="0">
+              <a:rPr lang="pt-BR" sz="3600" dirty="0">
                 <a:latin typeface="Roboto" pitchFamily="2" charset="0"/>
                 <a:ea typeface="Roboto" pitchFamily="2" charset="0"/>
               </a:rPr>
               <a:t>, do </a:t>
             </a:r>
             <a:r>
-              <a:rPr lang="pt-BR" sz="2400" dirty="0" smtClean="0">
+              <a:rPr lang="pt-BR" sz="3600" dirty="0" smtClean="0">
                 <a:latin typeface="Roboto" pitchFamily="2" charset="0"/>
                 <a:ea typeface="Roboto" pitchFamily="2" charset="0"/>
               </a:rPr>
               <a:t>Google;</a:t>
             </a:r>
-            <a:endParaRPr lang="pt-BR" sz="2400" dirty="0">
+            <a:endParaRPr lang="pt-BR" sz="3600" dirty="0">
               <a:latin typeface="Roboto" pitchFamily="2" charset="0"/>
               <a:ea typeface="Roboto" pitchFamily="2" charset="0"/>
             </a:endParaRPr>
           </a:p>
           <a:p>
             <a:r>
-              <a:rPr lang="pt-BR" sz="2400" dirty="0">
-                <a:latin typeface="Roboto" pitchFamily="2" charset="0"/>
-                <a:ea typeface="Roboto" pitchFamily="2" charset="0"/>
-              </a:rPr>
-              <a:t>Atualmente e mantido por desenvolvedores da </a:t>
-            </a:r>
-            <a:r>
-              <a:rPr lang="pt-BR" sz="2400" dirty="0" smtClean="0">
+              <a:rPr lang="pt-BR" sz="3600" dirty="0">
+                <a:latin typeface="Roboto" pitchFamily="2" charset="0"/>
+                <a:ea typeface="Roboto" pitchFamily="2" charset="0"/>
+              </a:rPr>
+              <a:t>Atualmente </a:t>
+            </a:r>
+            <a:r>
+              <a:rPr lang="pt-BR" sz="3600" dirty="0" smtClean="0">
+                <a:latin typeface="Roboto" pitchFamily="2" charset="0"/>
+                <a:ea typeface="Roboto" pitchFamily="2" charset="0"/>
+              </a:rPr>
+              <a:t>é </a:t>
+            </a:r>
+            <a:r>
+              <a:rPr lang="pt-BR" sz="3600" dirty="0">
+                <a:latin typeface="Roboto" pitchFamily="2" charset="0"/>
+                <a:ea typeface="Roboto" pitchFamily="2" charset="0"/>
+              </a:rPr>
+              <a:t>mantido por desenvolvedores da </a:t>
+            </a:r>
+            <a:r>
+              <a:rPr lang="pt-BR" sz="3600" dirty="0" smtClean="0">
                 <a:latin typeface="Roboto" pitchFamily="2" charset="0"/>
                 <a:ea typeface="Roboto" pitchFamily="2" charset="0"/>
               </a:rPr>
               <a:t>Fundação Apache e colaboradores </a:t>
             </a:r>
             <a:r>
-              <a:rPr lang="pt-BR" sz="2400" dirty="0">
+              <a:rPr lang="pt-BR" sz="3600" dirty="0">
                 <a:latin typeface="Roboto" pitchFamily="2" charset="0"/>
                 <a:ea typeface="Roboto" pitchFamily="2" charset="0"/>
               </a:rPr>
               <a:t>de muitas </a:t>
             </a:r>
             <a:r>
-              <a:rPr lang="pt-BR" sz="2400" dirty="0" smtClean="0">
+              <a:rPr lang="pt-BR" sz="3600" dirty="0" smtClean="0">
                 <a:latin typeface="Roboto" pitchFamily="2" charset="0"/>
                 <a:ea typeface="Roboto" pitchFamily="2" charset="0"/>
               </a:rPr>
               <a:t>empresas;</a:t>
             </a:r>
-            <a:endParaRPr lang="pt-BR" sz="2400" dirty="0">
+            <a:endParaRPr lang="pt-BR" sz="3600" dirty="0">
               <a:latin typeface="Roboto" pitchFamily="2" charset="0"/>
               <a:ea typeface="Roboto" pitchFamily="2" charset="0"/>
             </a:endParaRPr>
@@ -19866,7 +19887,7 @@
     </p:spTree>
     <p:extLst>
       <p:ext uri="{BB962C8B-B14F-4D97-AF65-F5344CB8AC3E}">
-        <p14:creationId xmlns:p14="http://schemas.microsoft.com/office/powerpoint/2010/main" val="2543902999"/>
+        <p14:creationId xmlns:p14="http://schemas.microsoft.com/office/powerpoint/2010/main" xmlns="" val="2543902999"/>
       </p:ext>
     </p:extLst>
   </p:cSld>
@@ -19906,7 +19927,7 @@
         <p:spPr>
           <a:xfrm>
             <a:off x="780365" y="1750075"/>
-            <a:ext cx="8596668" cy="3880773"/>
+            <a:ext cx="8596668" cy="4517375"/>
           </a:xfrm>
         </p:spPr>
         <p:txBody>
@@ -19917,76 +19938,76 @@
           <a:p>
             <a:pPr algn="just"/>
             <a:r>
-              <a:rPr lang="pt-BR" sz="2400" dirty="0" smtClean="0">
+              <a:rPr lang="pt-BR" sz="3200" dirty="0" smtClean="0">
                 <a:latin typeface="Roboto" pitchFamily="2" charset="0"/>
                 <a:ea typeface="Roboto" pitchFamily="2" charset="0"/>
               </a:rPr>
               <a:t>É </a:t>
             </a:r>
             <a:r>
-              <a:rPr lang="pt-BR" sz="2400" dirty="0">
+              <a:rPr lang="pt-BR" sz="3200" dirty="0">
                 <a:latin typeface="Roboto" pitchFamily="2" charset="0"/>
                 <a:ea typeface="Roboto" pitchFamily="2" charset="0"/>
               </a:rPr>
               <a:t>a estrutura mais externa do modelo </a:t>
             </a:r>
             <a:r>
-              <a:rPr lang="pt-BR" sz="2400" dirty="0" smtClean="0">
+              <a:rPr lang="pt-BR" sz="3200" dirty="0" smtClean="0">
                 <a:latin typeface="Roboto" pitchFamily="2" charset="0"/>
                 <a:ea typeface="Roboto" pitchFamily="2" charset="0"/>
               </a:rPr>
               <a:t>Cassandra, </a:t>
             </a:r>
             <a:r>
-              <a:rPr lang="pt-BR" sz="2400" dirty="0">
+              <a:rPr lang="pt-BR" sz="3200" dirty="0">
                 <a:latin typeface="Roboto" pitchFamily="2" charset="0"/>
                 <a:ea typeface="Roboto" pitchFamily="2" charset="0"/>
               </a:rPr>
               <a:t>s</a:t>
             </a:r>
             <a:r>
-              <a:rPr lang="pt-BR" sz="2400" dirty="0" smtClean="0">
+              <a:rPr lang="pt-BR" sz="3200" dirty="0" smtClean="0">
                 <a:latin typeface="Roboto" pitchFamily="2" charset="0"/>
                 <a:ea typeface="Roboto" pitchFamily="2" charset="0"/>
               </a:rPr>
               <a:t>endo </a:t>
             </a:r>
             <a:r>
-              <a:rPr lang="pt-BR" sz="2400" dirty="0">
+              <a:rPr lang="pt-BR" sz="3200" dirty="0">
                 <a:latin typeface="Roboto" pitchFamily="2" charset="0"/>
                 <a:ea typeface="Roboto" pitchFamily="2" charset="0"/>
               </a:rPr>
               <a:t>assim podemos entender que o cluster </a:t>
             </a:r>
             <a:r>
-              <a:rPr lang="pt-BR" sz="2400" dirty="0" smtClean="0">
+              <a:rPr lang="pt-BR" sz="3200" dirty="0" smtClean="0">
                 <a:latin typeface="Roboto" pitchFamily="2" charset="0"/>
                 <a:ea typeface="Roboto" pitchFamily="2" charset="0"/>
               </a:rPr>
               <a:t>é </a:t>
             </a:r>
             <a:r>
-              <a:rPr lang="pt-BR" sz="2400" dirty="0">
+              <a:rPr lang="pt-BR" sz="3200" dirty="0">
                 <a:latin typeface="Roboto" pitchFamily="2" charset="0"/>
                 <a:ea typeface="Roboto" pitchFamily="2" charset="0"/>
               </a:rPr>
               <a:t>o anel que faz a ligação entre todos os nós existentes para poder manter todos eles sincronizados e em </a:t>
             </a:r>
             <a:r>
-              <a:rPr lang="pt-BR" sz="2400" dirty="0" smtClean="0">
+              <a:rPr lang="pt-BR" sz="3200" dirty="0" smtClean="0">
                 <a:latin typeface="Roboto" pitchFamily="2" charset="0"/>
                 <a:ea typeface="Roboto" pitchFamily="2" charset="0"/>
               </a:rPr>
               <a:t>operação</a:t>
             </a:r>
             <a:r>
-              <a:rPr lang="pt-BR" sz="2400" dirty="0">
+              <a:rPr lang="pt-BR" sz="3200" dirty="0">
                 <a:latin typeface="Roboto" pitchFamily="2" charset="0"/>
                 <a:ea typeface="Roboto" pitchFamily="2" charset="0"/>
               </a:rPr>
               <a:t>;</a:t>
             </a:r>
-            <a:endParaRPr lang="pt-BR" sz="2400" dirty="0" smtClean="0">
+            <a:endParaRPr lang="pt-BR" sz="3200" dirty="0" smtClean="0">
               <a:latin typeface="Roboto" pitchFamily="2" charset="0"/>
               <a:ea typeface="Roboto" pitchFamily="2" charset="0"/>
             </a:endParaRPr>
@@ -19994,41 +20015,41 @@
           <a:p>
             <a:pPr algn="just"/>
             <a:r>
-              <a:rPr lang="pt-BR" sz="2400" dirty="0">
+              <a:rPr lang="pt-BR" sz="3200" dirty="0">
                 <a:latin typeface="Roboto" pitchFamily="2" charset="0"/>
                 <a:ea typeface="Roboto" pitchFamily="2" charset="0"/>
               </a:rPr>
               <a:t>Cada </a:t>
             </a:r>
             <a:r>
-              <a:rPr lang="pt-BR" sz="2400" dirty="0" smtClean="0">
+              <a:rPr lang="pt-BR" sz="3200" dirty="0" smtClean="0">
                 <a:latin typeface="Roboto" pitchFamily="2" charset="0"/>
                 <a:ea typeface="Roboto" pitchFamily="2" charset="0"/>
               </a:rPr>
               <a:t>nó do </a:t>
             </a:r>
             <a:r>
-              <a:rPr lang="pt-BR" sz="2400" dirty="0">
+              <a:rPr lang="pt-BR" sz="3200" dirty="0">
                 <a:latin typeface="Roboto" pitchFamily="2" charset="0"/>
                 <a:ea typeface="Roboto" pitchFamily="2" charset="0"/>
               </a:rPr>
               <a:t>cluster tem o mesmo </a:t>
             </a:r>
             <a:r>
-              <a:rPr lang="pt-BR" sz="2400" dirty="0" smtClean="0">
+              <a:rPr lang="pt-BR" sz="3200" dirty="0" smtClean="0">
                 <a:latin typeface="Roboto" pitchFamily="2" charset="0"/>
                 <a:ea typeface="Roboto" pitchFamily="2" charset="0"/>
               </a:rPr>
               <a:t>papel</a:t>
             </a:r>
             <a:r>
-              <a:rPr lang="pt-BR" sz="2400" dirty="0">
+              <a:rPr lang="pt-BR" sz="3200" dirty="0">
                 <a:latin typeface="Roboto" pitchFamily="2" charset="0"/>
                 <a:ea typeface="Roboto" pitchFamily="2" charset="0"/>
               </a:rPr>
               <a:t>;</a:t>
             </a:r>
-            <a:endParaRPr lang="pt-BR" sz="2400" dirty="0" smtClean="0">
+            <a:endParaRPr lang="pt-BR" sz="3200" dirty="0" smtClean="0">
               <a:latin typeface="Roboto" pitchFamily="2" charset="0"/>
               <a:ea typeface="Roboto" pitchFamily="2" charset="0"/>
             </a:endParaRPr>
@@ -20036,118 +20057,118 @@
           <a:p>
             <a:pPr algn="just"/>
             <a:r>
-              <a:rPr lang="pt-BR" sz="2400" dirty="0" smtClean="0">
+              <a:rPr lang="pt-BR" sz="3200" dirty="0" smtClean="0">
                 <a:latin typeface="Roboto" pitchFamily="2" charset="0"/>
                 <a:ea typeface="Roboto" pitchFamily="2" charset="0"/>
               </a:rPr>
               <a:t>Dados são distribu</a:t>
             </a:r>
             <a:r>
-              <a:rPr lang="pt-BR" sz="2400" dirty="0">
+              <a:rPr lang="pt-BR" sz="3200" dirty="0">
                 <a:latin typeface="Roboto" pitchFamily="2" charset="0"/>
                 <a:ea typeface="Roboto" pitchFamily="2" charset="0"/>
               </a:rPr>
               <a:t>í</a:t>
             </a:r>
             <a:r>
-              <a:rPr lang="pt-BR" sz="2400" dirty="0" smtClean="0">
+              <a:rPr lang="pt-BR" sz="3200" dirty="0" smtClean="0">
                 <a:latin typeface="Roboto" pitchFamily="2" charset="0"/>
                 <a:ea typeface="Roboto" pitchFamily="2" charset="0"/>
               </a:rPr>
               <a:t>dos </a:t>
             </a:r>
             <a:r>
-              <a:rPr lang="pt-BR" sz="2400" dirty="0">
+              <a:rPr lang="pt-BR" sz="3200" dirty="0">
                 <a:latin typeface="Roboto" pitchFamily="2" charset="0"/>
                 <a:ea typeface="Roboto" pitchFamily="2" charset="0"/>
               </a:rPr>
               <a:t>em todo o cluster (</a:t>
             </a:r>
             <a:r>
-              <a:rPr lang="pt-BR" sz="2400" dirty="0" smtClean="0">
+              <a:rPr lang="pt-BR" sz="3200" dirty="0" smtClean="0">
                 <a:latin typeface="Roboto" pitchFamily="2" charset="0"/>
                 <a:ea typeface="Roboto" pitchFamily="2" charset="0"/>
               </a:rPr>
               <a:t>então </a:t>
             </a:r>
             <a:r>
-              <a:rPr lang="pt-BR" sz="2400" dirty="0">
+              <a:rPr lang="pt-BR" sz="3200" dirty="0">
                 <a:latin typeface="Roboto" pitchFamily="2" charset="0"/>
                 <a:ea typeface="Roboto" pitchFamily="2" charset="0"/>
               </a:rPr>
               <a:t>cada </a:t>
             </a:r>
             <a:r>
-              <a:rPr lang="pt-BR" sz="2400" dirty="0" smtClean="0">
+              <a:rPr lang="pt-BR" sz="3200" dirty="0" smtClean="0">
                 <a:latin typeface="Roboto" pitchFamily="2" charset="0"/>
                 <a:ea typeface="Roboto" pitchFamily="2" charset="0"/>
               </a:rPr>
               <a:t>nó contém diferentes tipos </a:t>
             </a:r>
             <a:r>
-              <a:rPr lang="pt-BR" sz="2400" dirty="0">
+              <a:rPr lang="pt-BR" sz="3200" dirty="0">
                 <a:latin typeface="Roboto" pitchFamily="2" charset="0"/>
                 <a:ea typeface="Roboto" pitchFamily="2" charset="0"/>
               </a:rPr>
               <a:t>de dados), como </a:t>
             </a:r>
             <a:r>
-              <a:rPr lang="pt-BR" sz="2400" dirty="0" smtClean="0">
+              <a:rPr lang="pt-BR" sz="3200" dirty="0" smtClean="0">
                 <a:latin typeface="Roboto" pitchFamily="2" charset="0"/>
                 <a:ea typeface="Roboto" pitchFamily="2" charset="0"/>
               </a:rPr>
               <a:t>não há mestre </a:t>
             </a:r>
             <a:r>
-              <a:rPr lang="pt-BR" sz="2400" dirty="0">
+              <a:rPr lang="pt-BR" sz="3200" dirty="0">
                 <a:latin typeface="Roboto" pitchFamily="2" charset="0"/>
                 <a:ea typeface="Roboto" pitchFamily="2" charset="0"/>
               </a:rPr>
               <a:t>cada </a:t>
             </a:r>
             <a:r>
-              <a:rPr lang="pt-BR" sz="2400" dirty="0" smtClean="0">
+              <a:rPr lang="pt-BR" sz="3200" dirty="0" smtClean="0">
                 <a:latin typeface="Roboto" pitchFamily="2" charset="0"/>
                 <a:ea typeface="Roboto" pitchFamily="2" charset="0"/>
               </a:rPr>
               <a:t>n</a:t>
             </a:r>
             <a:r>
-              <a:rPr lang="pt-BR" sz="2400" dirty="0">
+              <a:rPr lang="pt-BR" sz="3200" dirty="0">
                 <a:latin typeface="Roboto" pitchFamily="2" charset="0"/>
                 <a:ea typeface="Roboto" pitchFamily="2" charset="0"/>
               </a:rPr>
               <a:t>ó</a:t>
             </a:r>
             <a:r>
-              <a:rPr lang="pt-BR" sz="2400" dirty="0" smtClean="0">
+              <a:rPr lang="pt-BR" sz="3200" dirty="0" smtClean="0">
                 <a:latin typeface="Roboto" pitchFamily="2" charset="0"/>
                 <a:ea typeface="Roboto" pitchFamily="2" charset="0"/>
               </a:rPr>
               <a:t> </a:t>
             </a:r>
             <a:r>
-              <a:rPr lang="pt-BR" sz="2400" dirty="0">
+              <a:rPr lang="pt-BR" sz="3200" dirty="0">
                 <a:latin typeface="Roboto" pitchFamily="2" charset="0"/>
                 <a:ea typeface="Roboto" pitchFamily="2" charset="0"/>
               </a:rPr>
               <a:t>pode atender </a:t>
             </a:r>
             <a:r>
-              <a:rPr lang="pt-BR" sz="2400" dirty="0" smtClean="0">
+              <a:rPr lang="pt-BR" sz="3200" dirty="0" smtClean="0">
                 <a:latin typeface="Roboto" pitchFamily="2" charset="0"/>
                 <a:ea typeface="Roboto" pitchFamily="2" charset="0"/>
               </a:rPr>
               <a:t>qualquer pedido</a:t>
             </a:r>
             <a:r>
-              <a:rPr lang="pt-BR" sz="2400" dirty="0">
+              <a:rPr lang="pt-BR" sz="3200" dirty="0">
                 <a:latin typeface="Roboto" pitchFamily="2" charset="0"/>
                 <a:ea typeface="Roboto" pitchFamily="2" charset="0"/>
               </a:rPr>
               <a:t>.</a:t>
             </a:r>
-            <a:endParaRPr lang="pt-BR" sz="2400" dirty="0" smtClean="0">
+            <a:endParaRPr lang="pt-BR" sz="3200" dirty="0" smtClean="0">
               <a:latin typeface="Roboto" pitchFamily="2" charset="0"/>
               <a:ea typeface="Roboto" pitchFamily="2" charset="0"/>
             </a:endParaRPr>
@@ -20179,14 +20200,7 @@
                 <a:latin typeface="Roboto" pitchFamily="2" charset="0"/>
                 <a:ea typeface="Roboto" pitchFamily="2" charset="0"/>
               </a:rPr>
-              <a:t>Modelo de </a:t>
-            </a:r>
-            <a:r>
-              <a:rPr lang="pt-BR" sz="2800" dirty="0" smtClean="0">
-                <a:latin typeface="Roboto" pitchFamily="2" charset="0"/>
-                <a:ea typeface="Roboto" pitchFamily="2" charset="0"/>
-              </a:rPr>
-              <a:t>Dados</a:t>
+              <a:t>Modelo de Dados</a:t>
             </a:r>
             <a:r>
               <a:rPr lang="pt-BR" dirty="0" smtClean="0">
@@ -20218,7 +20232,7 @@
     </p:spTree>
     <p:extLst>
       <p:ext uri="{BB962C8B-B14F-4D97-AF65-F5344CB8AC3E}">
-        <p14:creationId xmlns:p14="http://schemas.microsoft.com/office/powerpoint/2010/main" val="3833513414"/>
+        <p14:creationId xmlns:p14="http://schemas.microsoft.com/office/powerpoint/2010/main" xmlns="" val="3833513414"/>
       </p:ext>
     </p:extLst>
   </p:cSld>
@@ -20291,7 +20305,7 @@
           <a:blip r:embed="rId2">
             <a:extLst>
               <a:ext uri="{28A0092B-C50C-407E-A947-70E740481C1C}">
-                <a14:useLocalDpi xmlns:a14="http://schemas.microsoft.com/office/drawing/2010/main" val="0"/>
+                <a14:useLocalDpi xmlns:a14="http://schemas.microsoft.com/office/drawing/2010/main" xmlns="" val="0"/>
               </a:ext>
             </a:extLst>
           </a:blip>
@@ -20302,8 +20316,8 @@
         </p:blipFill>
         <p:spPr bwMode="auto">
           <a:xfrm>
-            <a:off x="780365" y="1750268"/>
-            <a:ext cx="7191658" cy="4573817"/>
+            <a:off x="780365" y="1335314"/>
+            <a:ext cx="7844112" cy="4988771"/>
           </a:xfrm>
           <a:prstGeom prst="rect">
             <a:avLst/>
@@ -20311,7 +20325,7 @@
           <a:noFill/>
           <a:extLst>
             <a:ext uri="{909E8E84-426E-40DD-AFC4-6F175D3DCCD1}">
-              <a14:hiddenFill xmlns:a14="http://schemas.microsoft.com/office/drawing/2010/main">
+              <a14:hiddenFill xmlns:a14="http://schemas.microsoft.com/office/drawing/2010/main" xmlns="">
                 <a:solidFill>
                   <a:srgbClr val="FFFFFF"/>
                 </a:solidFill>
@@ -20451,7 +20465,7 @@
     </p:spTree>
     <p:extLst>
       <p:ext uri="{BB962C8B-B14F-4D97-AF65-F5344CB8AC3E}">
-        <p14:creationId xmlns:p14="http://schemas.microsoft.com/office/powerpoint/2010/main" val="98768814"/>
+        <p14:creationId xmlns:p14="http://schemas.microsoft.com/office/powerpoint/2010/main" xmlns="" val="98768814"/>
       </p:ext>
     </p:extLst>
   </p:cSld>
@@ -20498,131 +20512,107 @@
         <p:spPr>
           <a:xfrm>
             <a:off x="677334" y="1802273"/>
-            <a:ext cx="8596668" cy="3880773"/>
-          </a:xfrm>
-        </p:spPr>
-        <p:txBody>
-          <a:bodyPr/>
+            <a:ext cx="8596668" cy="4808077"/>
+          </a:xfrm>
+        </p:spPr>
+        <p:txBody>
+          <a:bodyPr>
+            <a:normAutofit/>
+          </a:bodyPr>
           <a:lstStyle/>
           <a:p>
             <a:r>
-              <a:rPr lang="pt-BR" sz="2400" dirty="0" smtClean="0">
+              <a:rPr lang="pt-BR" sz="3200" dirty="0" smtClean="0">
                 <a:latin typeface="Roboto" pitchFamily="2" charset="0"/>
                 <a:ea typeface="Roboto" pitchFamily="2" charset="0"/>
               </a:rPr>
               <a:t>Um </a:t>
             </a:r>
             <a:r>
-              <a:rPr lang="pt-BR" sz="2400" dirty="0" err="1">
+              <a:rPr lang="pt-BR" sz="3200" dirty="0" err="1">
                 <a:latin typeface="Roboto" pitchFamily="2" charset="0"/>
                 <a:ea typeface="Roboto" pitchFamily="2" charset="0"/>
               </a:rPr>
               <a:t>keyspace</a:t>
             </a:r>
             <a:r>
-              <a:rPr lang="pt-BR" sz="2400" dirty="0">
+              <a:rPr lang="pt-BR" sz="3200" dirty="0">
                 <a:latin typeface="Roboto" pitchFamily="2" charset="0"/>
                 <a:ea typeface="Roboto" pitchFamily="2" charset="0"/>
               </a:rPr>
               <a:t> </a:t>
             </a:r>
             <a:r>
-              <a:rPr lang="pt-BR" sz="2400" dirty="0" smtClean="0">
+              <a:rPr lang="pt-BR" sz="3200" dirty="0" smtClean="0">
                 <a:latin typeface="Roboto" pitchFamily="2" charset="0"/>
                 <a:ea typeface="Roboto" pitchFamily="2" charset="0"/>
               </a:rPr>
               <a:t>corresponde a um </a:t>
             </a:r>
             <a:r>
-              <a:rPr lang="pt-BR" sz="2400" dirty="0">
+              <a:rPr lang="pt-BR" sz="3200" dirty="0">
                 <a:latin typeface="Roboto" pitchFamily="2" charset="0"/>
                 <a:ea typeface="Roboto" pitchFamily="2" charset="0"/>
               </a:rPr>
               <a:t>banco de dados </a:t>
             </a:r>
             <a:r>
-              <a:rPr lang="pt-BR" sz="2400" dirty="0" smtClean="0">
-                <a:latin typeface="Roboto" pitchFamily="2" charset="0"/>
-                <a:ea typeface="Roboto" pitchFamily="2" charset="0"/>
-              </a:rPr>
-              <a:t>no mundo relacional;</a:t>
-            </a:r>
-          </a:p>
-          <a:p>
-            <a:r>
-              <a:rPr lang="pt-BR" sz="2400" dirty="0" smtClean="0">
-                <a:latin typeface="Roboto" pitchFamily="2" charset="0"/>
-                <a:ea typeface="Roboto" pitchFamily="2" charset="0"/>
-              </a:rPr>
-              <a:t>Aqui </a:t>
-            </a:r>
-            <a:r>
-              <a:rPr lang="pt-BR" sz="2400" dirty="0">
-                <a:latin typeface="Roboto" pitchFamily="2" charset="0"/>
-                <a:ea typeface="Roboto" pitchFamily="2" charset="0"/>
-              </a:rPr>
-              <a:t>no Cassandra o </a:t>
-            </a:r>
-            <a:r>
-              <a:rPr lang="pt-BR" sz="2400" dirty="0" err="1">
-                <a:latin typeface="Roboto" pitchFamily="2" charset="0"/>
-                <a:ea typeface="Roboto" pitchFamily="2" charset="0"/>
-              </a:rPr>
-              <a:t>keyspace</a:t>
-            </a:r>
-            <a:r>
-              <a:rPr lang="pt-BR" sz="2400" dirty="0">
-                <a:latin typeface="Roboto" pitchFamily="2" charset="0"/>
-                <a:ea typeface="Roboto" pitchFamily="2" charset="0"/>
-              </a:rPr>
-              <a:t> é o recipiente mais externo dos </a:t>
-            </a:r>
-            <a:r>
-              <a:rPr lang="pt-BR" sz="2400" dirty="0" smtClean="0">
-                <a:latin typeface="Roboto" pitchFamily="2" charset="0"/>
-                <a:ea typeface="Roboto" pitchFamily="2" charset="0"/>
-              </a:rPr>
-              <a:t>dados;</a:t>
-            </a:r>
-          </a:p>
-          <a:p>
-            <a:r>
-              <a:rPr lang="pt-BR" sz="2400" dirty="0" smtClean="0">
+              <a:rPr lang="pt-BR" sz="3200" dirty="0" smtClean="0">
+                <a:latin typeface="Roboto" pitchFamily="2" charset="0"/>
+                <a:ea typeface="Roboto" pitchFamily="2" charset="0"/>
+              </a:rPr>
+              <a:t>no mundo relacional</a:t>
+            </a:r>
+            <a:r>
+              <a:rPr lang="pt-BR" sz="3200" dirty="0" smtClean="0">
+                <a:latin typeface="Roboto" pitchFamily="2" charset="0"/>
+                <a:ea typeface="Roboto" pitchFamily="2" charset="0"/>
+              </a:rPr>
+              <a:t>;</a:t>
+            </a:r>
+            <a:endParaRPr lang="pt-BR" sz="3200" dirty="0" smtClean="0">
+              <a:latin typeface="Roboto" pitchFamily="2" charset="0"/>
+              <a:ea typeface="Roboto" pitchFamily="2" charset="0"/>
+            </a:endParaRPr>
+          </a:p>
+          <a:p>
+            <a:r>
+              <a:rPr lang="pt-BR" sz="3200" dirty="0" smtClean="0">
                 <a:latin typeface="Roboto" pitchFamily="2" charset="0"/>
                 <a:ea typeface="Roboto" pitchFamily="2" charset="0"/>
               </a:rPr>
               <a:t>É possível a criação de vários </a:t>
             </a:r>
             <a:r>
-              <a:rPr lang="pt-BR" sz="2400" dirty="0" err="1" smtClean="0">
+              <a:rPr lang="pt-BR" sz="3200" dirty="0" err="1" smtClean="0">
                 <a:latin typeface="Roboto" pitchFamily="2" charset="0"/>
                 <a:ea typeface="Roboto" pitchFamily="2" charset="0"/>
               </a:rPr>
               <a:t>keyspaces</a:t>
             </a:r>
             <a:r>
-              <a:rPr lang="pt-BR" sz="2400" dirty="0" smtClean="0">
+              <a:rPr lang="pt-BR" sz="3200" dirty="0" smtClean="0">
                 <a:latin typeface="Roboto" pitchFamily="2" charset="0"/>
                 <a:ea typeface="Roboto" pitchFamily="2" charset="0"/>
               </a:rPr>
               <a:t> por cluster;</a:t>
             </a:r>
-            <a:endParaRPr lang="pt-BR" dirty="0"/>
+            <a:endParaRPr lang="pt-BR" sz="2400" dirty="0"/>
           </a:p>
           <a:p>
             <a:pPr marL="457200" lvl="1" indent="0">
               <a:buNone/>
             </a:pPr>
             <a:r>
-              <a:rPr lang="pt-BR" dirty="0"/>
+              <a:rPr lang="pt-BR" sz="2000" dirty="0"/>
               <a:t>		</a:t>
             </a:r>
           </a:p>
           <a:p>
-            <a:endParaRPr lang="pt-BR" dirty="0"/>
-          </a:p>
-          <a:p>
-            <a:endParaRPr lang="pt-BR" dirty="0"/>
+            <a:endParaRPr lang="pt-BR" sz="2400" dirty="0"/>
+          </a:p>
+          <a:p>
+            <a:endParaRPr lang="pt-BR" sz="2400" dirty="0"/>
           </a:p>
         </p:txBody>
       </p:sp>
@@ -20757,7 +20747,7 @@
     </p:spTree>
     <p:extLst>
       <p:ext uri="{BB962C8B-B14F-4D97-AF65-F5344CB8AC3E}">
-        <p14:creationId xmlns:p14="http://schemas.microsoft.com/office/powerpoint/2010/main" val="3599391131"/>
+        <p14:creationId xmlns:p14="http://schemas.microsoft.com/office/powerpoint/2010/main" xmlns="" val="3599391131"/>
       </p:ext>
     </p:extLst>
   </p:cSld>
@@ -20796,13 +20786,13 @@
         </p:nvSpPr>
         <p:spPr>
           <a:xfrm>
-            <a:off x="780365" y="1770131"/>
-            <a:ext cx="8904548" cy="4914004"/>
+            <a:off x="780365" y="1390650"/>
+            <a:ext cx="8904548" cy="5293485"/>
           </a:xfrm>
         </p:spPr>
         <p:txBody>
           <a:bodyPr>
-            <a:normAutofit/>
+            <a:noAutofit/>
           </a:bodyPr>
           <a:lstStyle/>
           <a:p>
@@ -20810,17 +20800,113 @@
               <a:buNone/>
             </a:pPr>
             <a:r>
+              <a:rPr lang="pt-BR" sz="3600" dirty="0" smtClean="0">
+                <a:latin typeface="Roboto" pitchFamily="2" charset="0"/>
+                <a:ea typeface="Roboto" pitchFamily="2" charset="0"/>
+              </a:rPr>
+              <a:t>Alguns atributos </a:t>
+            </a:r>
+            <a:r>
+              <a:rPr lang="pt-BR" sz="3600" dirty="0">
+                <a:latin typeface="Roboto" pitchFamily="2" charset="0"/>
+                <a:ea typeface="Roboto" pitchFamily="2" charset="0"/>
+              </a:rPr>
+              <a:t>que </a:t>
+            </a:r>
+            <a:r>
+              <a:rPr lang="pt-BR" sz="3600" dirty="0" smtClean="0">
+                <a:latin typeface="Roboto" pitchFamily="2" charset="0"/>
+                <a:ea typeface="Roboto" pitchFamily="2" charset="0"/>
+              </a:rPr>
+              <a:t>podem </a:t>
+            </a:r>
+            <a:r>
+              <a:rPr lang="pt-BR" sz="3600" dirty="0">
+                <a:latin typeface="Roboto" pitchFamily="2" charset="0"/>
+                <a:ea typeface="Roboto" pitchFamily="2" charset="0"/>
+              </a:rPr>
+              <a:t>ser </a:t>
+            </a:r>
+            <a:r>
+              <a:rPr lang="pt-BR" sz="3600" dirty="0" smtClean="0">
+                <a:latin typeface="Roboto" pitchFamily="2" charset="0"/>
+                <a:ea typeface="Roboto" pitchFamily="2" charset="0"/>
+              </a:rPr>
+              <a:t>declarados </a:t>
+            </a:r>
+            <a:r>
+              <a:rPr lang="pt-BR" sz="3600" dirty="0">
+                <a:latin typeface="Roboto" pitchFamily="2" charset="0"/>
+                <a:ea typeface="Roboto" pitchFamily="2" charset="0"/>
+              </a:rPr>
+              <a:t>para um </a:t>
+            </a:r>
+            <a:r>
+              <a:rPr lang="pt-BR" sz="3600" dirty="0" err="1">
+                <a:latin typeface="Roboto" pitchFamily="2" charset="0"/>
+                <a:ea typeface="Roboto" pitchFamily="2" charset="0"/>
+              </a:rPr>
+              <a:t>keyspace</a:t>
+            </a:r>
+            <a:r>
+              <a:rPr lang="pt-BR" sz="3600" dirty="0">
+                <a:latin typeface="Roboto" pitchFamily="2" charset="0"/>
+                <a:ea typeface="Roboto" pitchFamily="2" charset="0"/>
+              </a:rPr>
+              <a:t>:</a:t>
+            </a:r>
+          </a:p>
+          <a:p>
+            <a:r>
+              <a:rPr lang="pt-BR" sz="3200" b="1" dirty="0" smtClean="0">
+                <a:latin typeface="Roboto" pitchFamily="2" charset="0"/>
+                <a:ea typeface="Roboto" pitchFamily="2" charset="0"/>
+              </a:rPr>
+              <a:t>Fator </a:t>
+            </a:r>
+            <a:r>
+              <a:rPr lang="pt-BR" sz="3200" b="1" dirty="0">
+                <a:latin typeface="Roboto" pitchFamily="2" charset="0"/>
+                <a:ea typeface="Roboto" pitchFamily="2" charset="0"/>
+              </a:rPr>
+              <a:t>de replicação</a:t>
+            </a:r>
+            <a:r>
+              <a:rPr lang="pt-BR" sz="3200" b="1" dirty="0" smtClean="0">
+                <a:latin typeface="Roboto" pitchFamily="2" charset="0"/>
+                <a:ea typeface="Roboto" pitchFamily="2" charset="0"/>
+              </a:rPr>
+              <a:t>:</a:t>
+            </a:r>
+          </a:p>
+          <a:p>
+            <a:pPr lvl="1"/>
+            <a:r>
               <a:rPr lang="pt-BR" sz="2400" dirty="0" smtClean="0">
                 <a:latin typeface="Roboto" pitchFamily="2" charset="0"/>
                 <a:ea typeface="Roboto" pitchFamily="2" charset="0"/>
               </a:rPr>
-              <a:t>Alguns atributos </a:t>
+              <a:t>É </a:t>
             </a:r>
             <a:r>
               <a:rPr lang="pt-BR" sz="2400" dirty="0">
                 <a:latin typeface="Roboto" pitchFamily="2" charset="0"/>
                 <a:ea typeface="Roboto" pitchFamily="2" charset="0"/>
               </a:rPr>
+              <a:t>responsável por declarar a quantidade de </a:t>
+            </a:r>
+            <a:r>
+              <a:rPr lang="pt-BR" sz="2400" dirty="0" smtClean="0">
+                <a:latin typeface="Roboto" pitchFamily="2" charset="0"/>
+                <a:ea typeface="Roboto" pitchFamily="2" charset="0"/>
+              </a:rPr>
+              <a:t>réplicas </a:t>
+            </a:r>
+            <a:r>
+              <a:rPr lang="pt-BR" sz="2400" dirty="0">
+                <a:latin typeface="Roboto" pitchFamily="2" charset="0"/>
+                <a:ea typeface="Roboto" pitchFamily="2" charset="0"/>
+              </a:rPr>
               <a:t>que </a:t>
             </a:r>
             <a:r>
@@ -20828,28 +20914,139 @@
                 <a:latin typeface="Roboto" pitchFamily="2" charset="0"/>
                 <a:ea typeface="Roboto" pitchFamily="2" charset="0"/>
               </a:rPr>
-              <a:t>podem </a:t>
+              <a:t>existirá </a:t>
             </a:r>
             <a:r>
               <a:rPr lang="pt-BR" sz="2400" dirty="0">
                 <a:latin typeface="Roboto" pitchFamily="2" charset="0"/>
                 <a:ea typeface="Roboto" pitchFamily="2" charset="0"/>
               </a:rPr>
-              <a:t>ser </a:t>
+              <a:t>entre os nós de um </a:t>
             </a:r>
             <a:r>
               <a:rPr lang="pt-BR" sz="2400" dirty="0" smtClean="0">
                 <a:latin typeface="Roboto" pitchFamily="2" charset="0"/>
                 <a:ea typeface="Roboto" pitchFamily="2" charset="0"/>
               </a:rPr>
-              <a:t>declarados </a:t>
+              <a:t>cluster;</a:t>
+            </a:r>
+          </a:p>
+          <a:p>
+            <a:pPr lvl="1"/>
+            <a:r>
+              <a:rPr lang="pt-BR" sz="2400" dirty="0" smtClean="0">
+                <a:latin typeface="Roboto" pitchFamily="2" charset="0"/>
+                <a:ea typeface="Roboto" pitchFamily="2" charset="0"/>
+              </a:rPr>
+              <a:t>É </a:t>
             </a:r>
             <a:r>
               <a:rPr lang="pt-BR" sz="2400" dirty="0">
                 <a:latin typeface="Roboto" pitchFamily="2" charset="0"/>
                 <a:ea typeface="Roboto" pitchFamily="2" charset="0"/>
               </a:rPr>
-              <a:t>para um </a:t>
+              <a:t>nesse ponto que temos que analisar o que vale mais para nosso projeto, desempenho ou consistência.</a:t>
+            </a:r>
+          </a:p>
+          <a:p>
+            <a:r>
+              <a:rPr lang="pt-BR" sz="3200" b="1" dirty="0" smtClean="0">
+                <a:latin typeface="Roboto" pitchFamily="2" charset="0"/>
+                <a:ea typeface="Roboto" pitchFamily="2" charset="0"/>
+              </a:rPr>
+              <a:t>Estratégia </a:t>
+            </a:r>
+            <a:r>
+              <a:rPr lang="pt-BR" sz="3200" b="1" dirty="0">
+                <a:latin typeface="Roboto" pitchFamily="2" charset="0"/>
+                <a:ea typeface="Roboto" pitchFamily="2" charset="0"/>
+              </a:rPr>
+              <a:t>de </a:t>
+            </a:r>
+            <a:r>
+              <a:rPr lang="pt-BR" sz="3200" b="1" dirty="0" smtClean="0">
+                <a:latin typeface="Roboto" pitchFamily="2" charset="0"/>
+                <a:ea typeface="Roboto" pitchFamily="2" charset="0"/>
+              </a:rPr>
+              <a:t>colocação</a:t>
+            </a:r>
+          </a:p>
+          <a:p>
+            <a:pPr lvl="1"/>
+            <a:r>
+              <a:rPr lang="pt-BR" sz="2400" dirty="0" smtClean="0">
+                <a:latin typeface="Roboto" pitchFamily="2" charset="0"/>
+                <a:ea typeface="Roboto" pitchFamily="2" charset="0"/>
+              </a:rPr>
+              <a:t>Pode </a:t>
+            </a:r>
+            <a:r>
+              <a:rPr lang="pt-BR" sz="2400" dirty="0">
+                <a:latin typeface="Roboto" pitchFamily="2" charset="0"/>
+                <a:ea typeface="Roboto" pitchFamily="2" charset="0"/>
+              </a:rPr>
+              <a:t>ser configurado o tipo da </a:t>
+            </a:r>
+            <a:r>
+              <a:rPr lang="pt-BR" sz="2400" dirty="0" smtClean="0">
+                <a:latin typeface="Roboto" pitchFamily="2" charset="0"/>
+                <a:ea typeface="Roboto" pitchFamily="2" charset="0"/>
+              </a:rPr>
+              <a:t>réplica </a:t>
+            </a:r>
+            <a:r>
+              <a:rPr lang="pt-BR" sz="2400" dirty="0">
+                <a:latin typeface="Roboto" pitchFamily="2" charset="0"/>
+                <a:ea typeface="Roboto" pitchFamily="2" charset="0"/>
+              </a:rPr>
+              <a:t>como dito </a:t>
+            </a:r>
+            <a:r>
+              <a:rPr lang="pt-BR" sz="2400" dirty="0" smtClean="0">
+                <a:latin typeface="Roboto" pitchFamily="2" charset="0"/>
+                <a:ea typeface="Roboto" pitchFamily="2" charset="0"/>
+              </a:rPr>
+              <a:t>acima;</a:t>
+            </a:r>
+            <a:r>
+              <a:rPr lang="pt-BR" sz="2400" b="1" dirty="0">
+                <a:latin typeface="Roboto" pitchFamily="2" charset="0"/>
+                <a:ea typeface="Roboto" pitchFamily="2" charset="0"/>
+              </a:rPr>
+              <a:t> </a:t>
+            </a:r>
+          </a:p>
+          <a:p>
+            <a:r>
+              <a:rPr lang="pt-BR" sz="3200" b="1" dirty="0" smtClean="0">
+                <a:latin typeface="Roboto" pitchFamily="2" charset="0"/>
+                <a:ea typeface="Roboto" pitchFamily="2" charset="0"/>
+              </a:rPr>
+              <a:t>Família </a:t>
+            </a:r>
+            <a:r>
+              <a:rPr lang="pt-BR" sz="3200" b="1" dirty="0">
+                <a:latin typeface="Roboto" pitchFamily="2" charset="0"/>
+                <a:ea typeface="Roboto" pitchFamily="2" charset="0"/>
+              </a:rPr>
+              <a:t>de </a:t>
+            </a:r>
+            <a:r>
+              <a:rPr lang="pt-BR" sz="3200" b="1" dirty="0" smtClean="0">
+                <a:latin typeface="Roboto" pitchFamily="2" charset="0"/>
+                <a:ea typeface="Roboto" pitchFamily="2" charset="0"/>
+              </a:rPr>
+              <a:t>coluna</a:t>
+            </a:r>
+          </a:p>
+          <a:p>
+            <a:pPr lvl="1"/>
+            <a:r>
+              <a:rPr lang="pt-BR" sz="2400" dirty="0" smtClean="0">
+                <a:latin typeface="Roboto" pitchFamily="2" charset="0"/>
+                <a:ea typeface="Roboto" pitchFamily="2" charset="0"/>
+              </a:rPr>
+              <a:t>Um </a:t>
             </a:r>
             <a:r>
               <a:rPr lang="pt-BR" sz="2400" dirty="0" err="1">
@@ -20863,247 +21060,36 @@
                 <a:latin typeface="Roboto" pitchFamily="2" charset="0"/>
                 <a:ea typeface="Roboto" pitchFamily="2" charset="0"/>
               </a:rPr>
-              <a:t>:</a:t>
-            </a:r>
-          </a:p>
-          <a:p>
-            <a:r>
-              <a:rPr lang="pt-BR" sz="2000" b="1" dirty="0" smtClean="0">
-                <a:latin typeface="Roboto" pitchFamily="2" charset="0"/>
-                <a:ea typeface="Roboto" pitchFamily="2" charset="0"/>
-              </a:rPr>
-              <a:t>Fator </a:t>
-            </a:r>
-            <a:r>
-              <a:rPr lang="pt-BR" sz="2000" b="1" dirty="0">
-                <a:latin typeface="Roboto" pitchFamily="2" charset="0"/>
-                <a:ea typeface="Roboto" pitchFamily="2" charset="0"/>
-              </a:rPr>
-              <a:t>de replicação</a:t>
-            </a:r>
-            <a:r>
-              <a:rPr lang="pt-BR" sz="2000" b="1" dirty="0" smtClean="0">
-                <a:latin typeface="Roboto" pitchFamily="2" charset="0"/>
-                <a:ea typeface="Roboto" pitchFamily="2" charset="0"/>
-              </a:rPr>
-              <a:t>:</a:t>
-            </a:r>
-          </a:p>
-          <a:p>
-            <a:pPr lvl="1"/>
-            <a:r>
-              <a:rPr lang="pt-BR" dirty="0" smtClean="0">
-                <a:latin typeface="Roboto" pitchFamily="2" charset="0"/>
-                <a:ea typeface="Roboto" pitchFamily="2" charset="0"/>
-              </a:rPr>
-              <a:t>É </a:t>
-            </a:r>
-            <a:r>
-              <a:rPr lang="pt-BR" dirty="0">
-                <a:latin typeface="Roboto" pitchFamily="2" charset="0"/>
-                <a:ea typeface="Roboto" pitchFamily="2" charset="0"/>
-              </a:rPr>
-              <a:t>responsável por declarar a quantidade de </a:t>
-            </a:r>
-            <a:r>
-              <a:rPr lang="pt-BR" dirty="0" smtClean="0">
-                <a:latin typeface="Roboto" pitchFamily="2" charset="0"/>
-                <a:ea typeface="Roboto" pitchFamily="2" charset="0"/>
-              </a:rPr>
-              <a:t>réplicas </a:t>
-            </a:r>
-            <a:r>
-              <a:rPr lang="pt-BR" dirty="0">
-                <a:latin typeface="Roboto" pitchFamily="2" charset="0"/>
-                <a:ea typeface="Roboto" pitchFamily="2" charset="0"/>
-              </a:rPr>
-              <a:t>que </a:t>
-            </a:r>
-            <a:r>
-              <a:rPr lang="pt-BR" dirty="0" smtClean="0">
-                <a:latin typeface="Roboto" pitchFamily="2" charset="0"/>
-                <a:ea typeface="Roboto" pitchFamily="2" charset="0"/>
-              </a:rPr>
-              <a:t>existirá </a:t>
-            </a:r>
-            <a:r>
-              <a:rPr lang="pt-BR" dirty="0">
-                <a:latin typeface="Roboto" pitchFamily="2" charset="0"/>
-                <a:ea typeface="Roboto" pitchFamily="2" charset="0"/>
-              </a:rPr>
-              <a:t>entre os nós de um </a:t>
-            </a:r>
-            <a:r>
-              <a:rPr lang="pt-BR" dirty="0" smtClean="0">
-                <a:latin typeface="Roboto" pitchFamily="2" charset="0"/>
-                <a:ea typeface="Roboto" pitchFamily="2" charset="0"/>
-              </a:rPr>
-              <a:t>cluster;</a:t>
-            </a:r>
-          </a:p>
-          <a:p>
-            <a:pPr lvl="1"/>
-            <a:r>
-              <a:rPr lang="pt-BR" dirty="0" smtClean="0">
-                <a:latin typeface="Roboto" pitchFamily="2" charset="0"/>
-                <a:ea typeface="Roboto" pitchFamily="2" charset="0"/>
-              </a:rPr>
-              <a:t>É </a:t>
-            </a:r>
-            <a:r>
-              <a:rPr lang="pt-BR" dirty="0">
-                <a:latin typeface="Roboto" pitchFamily="2" charset="0"/>
-                <a:ea typeface="Roboto" pitchFamily="2" charset="0"/>
-              </a:rPr>
-              <a:t>nesse ponto que temos que analisar o que vale mais para nosso projeto, desempenho ou consistência.</a:t>
-            </a:r>
-          </a:p>
-          <a:p>
-            <a:r>
-              <a:rPr lang="pt-BR" sz="2000" b="1" dirty="0" smtClean="0">
-                <a:latin typeface="Roboto" pitchFamily="2" charset="0"/>
-                <a:ea typeface="Roboto" pitchFamily="2" charset="0"/>
-              </a:rPr>
-              <a:t>Estratégia </a:t>
-            </a:r>
-            <a:r>
-              <a:rPr lang="pt-BR" sz="2000" b="1" dirty="0">
-                <a:latin typeface="Roboto" pitchFamily="2" charset="0"/>
-                <a:ea typeface="Roboto" pitchFamily="2" charset="0"/>
-              </a:rPr>
-              <a:t>de </a:t>
-            </a:r>
-            <a:r>
-              <a:rPr lang="pt-BR" sz="2000" b="1" dirty="0" smtClean="0">
-                <a:latin typeface="Roboto" pitchFamily="2" charset="0"/>
-                <a:ea typeface="Roboto" pitchFamily="2" charset="0"/>
-              </a:rPr>
-              <a:t>colocação</a:t>
-            </a:r>
-          </a:p>
-          <a:p>
-            <a:pPr lvl="1"/>
-            <a:r>
-              <a:rPr lang="pt-BR" dirty="0" smtClean="0">
-                <a:latin typeface="Roboto" pitchFamily="2" charset="0"/>
-                <a:ea typeface="Roboto" pitchFamily="2" charset="0"/>
-              </a:rPr>
-              <a:t>Pode </a:t>
-            </a:r>
-            <a:r>
-              <a:rPr lang="pt-BR" dirty="0">
-                <a:latin typeface="Roboto" pitchFamily="2" charset="0"/>
-                <a:ea typeface="Roboto" pitchFamily="2" charset="0"/>
-              </a:rPr>
-              <a:t>ser configurado o tipo da </a:t>
-            </a:r>
-            <a:r>
-              <a:rPr lang="pt-BR" dirty="0" smtClean="0">
-                <a:latin typeface="Roboto" pitchFamily="2" charset="0"/>
-                <a:ea typeface="Roboto" pitchFamily="2" charset="0"/>
-              </a:rPr>
-              <a:t>réplica </a:t>
-            </a:r>
-            <a:r>
-              <a:rPr lang="pt-BR" dirty="0">
-                <a:latin typeface="Roboto" pitchFamily="2" charset="0"/>
-                <a:ea typeface="Roboto" pitchFamily="2" charset="0"/>
-              </a:rPr>
-              <a:t>como dito </a:t>
-            </a:r>
-            <a:r>
-              <a:rPr lang="pt-BR" dirty="0" smtClean="0">
-                <a:latin typeface="Roboto" pitchFamily="2" charset="0"/>
-                <a:ea typeface="Roboto" pitchFamily="2" charset="0"/>
-              </a:rPr>
-              <a:t>acima;</a:t>
-            </a:r>
-            <a:r>
-              <a:rPr lang="pt-BR" b="1" dirty="0">
-                <a:latin typeface="Roboto" pitchFamily="2" charset="0"/>
-                <a:ea typeface="Roboto" pitchFamily="2" charset="0"/>
-              </a:rPr>
-              <a:t> </a:t>
-            </a:r>
-            <a:endParaRPr lang="pt-BR" b="1" dirty="0">
+              <a:t> pode conter uma ou </a:t>
+            </a:r>
+            <a:r>
+              <a:rPr lang="pt-BR" sz="2400" dirty="0" smtClean="0">
+                <a:latin typeface="Roboto" pitchFamily="2" charset="0"/>
+                <a:ea typeface="Roboto" pitchFamily="2" charset="0"/>
+              </a:rPr>
+              <a:t>várias </a:t>
+            </a:r>
+            <a:r>
+              <a:rPr lang="pt-BR" sz="2400" dirty="0">
+                <a:latin typeface="Roboto" pitchFamily="2" charset="0"/>
+                <a:ea typeface="Roboto" pitchFamily="2" charset="0"/>
+              </a:rPr>
+              <a:t>famílias de </a:t>
+            </a:r>
+            <a:r>
+              <a:rPr lang="pt-BR" sz="2400" dirty="0" smtClean="0">
+                <a:latin typeface="Roboto" pitchFamily="2" charset="0"/>
+                <a:ea typeface="Roboto" pitchFamily="2" charset="0"/>
+              </a:rPr>
+              <a:t>colunas;</a:t>
+            </a:r>
+            <a:endParaRPr lang="pt-BR" sz="2400" dirty="0">
               <a:latin typeface="Roboto" pitchFamily="2" charset="0"/>
               <a:ea typeface="Roboto" pitchFamily="2" charset="0"/>
             </a:endParaRPr>
           </a:p>
           <a:p>
-            <a:r>
-              <a:rPr lang="pt-BR" sz="2000" b="1" dirty="0" smtClean="0">
-                <a:latin typeface="Roboto" pitchFamily="2" charset="0"/>
-                <a:ea typeface="Roboto" pitchFamily="2" charset="0"/>
-              </a:rPr>
-              <a:t>Família </a:t>
-            </a:r>
-            <a:r>
-              <a:rPr lang="pt-BR" sz="2000" b="1" dirty="0">
-                <a:latin typeface="Roboto" pitchFamily="2" charset="0"/>
-                <a:ea typeface="Roboto" pitchFamily="2" charset="0"/>
-              </a:rPr>
-              <a:t>de </a:t>
-            </a:r>
-            <a:r>
-              <a:rPr lang="pt-BR" sz="2000" b="1" dirty="0" smtClean="0">
-                <a:latin typeface="Roboto" pitchFamily="2" charset="0"/>
-                <a:ea typeface="Roboto" pitchFamily="2" charset="0"/>
-              </a:rPr>
-              <a:t>coluna</a:t>
-            </a:r>
-          </a:p>
-          <a:p>
-            <a:pPr lvl="1"/>
-            <a:r>
-              <a:rPr lang="pt-BR" dirty="0" smtClean="0">
-                <a:latin typeface="Roboto" pitchFamily="2" charset="0"/>
-                <a:ea typeface="Roboto" pitchFamily="2" charset="0"/>
-              </a:rPr>
-              <a:t>Um </a:t>
-            </a:r>
-            <a:r>
-              <a:rPr lang="pt-BR" dirty="0" err="1">
-                <a:latin typeface="Roboto" pitchFamily="2" charset="0"/>
-                <a:ea typeface="Roboto" pitchFamily="2" charset="0"/>
-              </a:rPr>
-              <a:t>keyspace</a:t>
-            </a:r>
-            <a:r>
-              <a:rPr lang="pt-BR" dirty="0">
-                <a:latin typeface="Roboto" pitchFamily="2" charset="0"/>
-                <a:ea typeface="Roboto" pitchFamily="2" charset="0"/>
-              </a:rPr>
-              <a:t> pode conter uma ou </a:t>
-            </a:r>
-            <a:r>
-              <a:rPr lang="pt-BR" dirty="0" smtClean="0">
-                <a:latin typeface="Roboto" pitchFamily="2" charset="0"/>
-                <a:ea typeface="Roboto" pitchFamily="2" charset="0"/>
-              </a:rPr>
-              <a:t>várias </a:t>
-            </a:r>
-            <a:r>
-              <a:rPr lang="pt-BR" dirty="0">
-                <a:latin typeface="Roboto" pitchFamily="2" charset="0"/>
-                <a:ea typeface="Roboto" pitchFamily="2" charset="0"/>
-              </a:rPr>
-              <a:t>famílias de </a:t>
-            </a:r>
-            <a:r>
-              <a:rPr lang="pt-BR" dirty="0" smtClean="0">
-                <a:latin typeface="Roboto" pitchFamily="2" charset="0"/>
-                <a:ea typeface="Roboto" pitchFamily="2" charset="0"/>
-              </a:rPr>
-              <a:t>colunas;</a:t>
-            </a:r>
-            <a:endParaRPr lang="pt-BR" dirty="0">
-              <a:latin typeface="Roboto" pitchFamily="2" charset="0"/>
-              <a:ea typeface="Roboto" pitchFamily="2" charset="0"/>
-            </a:endParaRPr>
-          </a:p>
-          <a:p>
-            <a:endParaRPr lang="pt-BR" dirty="0"/>
+            <a:endParaRPr lang="pt-BR" sz="2800" dirty="0"/>
           </a:p>
         </p:txBody>
       </p:sp>
@@ -21238,7 +21224,7 @@
     </p:spTree>
     <p:extLst>
       <p:ext uri="{BB962C8B-B14F-4D97-AF65-F5344CB8AC3E}">
-        <p14:creationId xmlns:p14="http://schemas.microsoft.com/office/powerpoint/2010/main" val="1805970655"/>
+        <p14:creationId xmlns:p14="http://schemas.microsoft.com/office/powerpoint/2010/main" xmlns="" val="1805970655"/>
       </p:ext>
     </p:extLst>
   </p:cSld>
@@ -21277,100 +21263,102 @@
         </p:nvSpPr>
         <p:spPr>
           <a:xfrm>
-            <a:off x="780365" y="1864375"/>
-            <a:ext cx="8801517" cy="3880773"/>
-          </a:xfrm>
-        </p:spPr>
-        <p:txBody>
-          <a:bodyPr/>
+            <a:off x="780365" y="1562101"/>
+            <a:ext cx="8801517" cy="4183048"/>
+          </a:xfrm>
+        </p:spPr>
+        <p:txBody>
+          <a:bodyPr>
+            <a:normAutofit/>
+          </a:bodyPr>
           <a:lstStyle/>
           <a:p>
             <a:pPr algn="just"/>
             <a:r>
-              <a:rPr lang="pt-BR" sz="2000" dirty="0" smtClean="0">
+              <a:rPr lang="pt-BR" sz="2800" dirty="0" smtClean="0">
                 <a:latin typeface="Roboto" pitchFamily="2" charset="0"/>
                 <a:ea typeface="Roboto" pitchFamily="2" charset="0"/>
               </a:rPr>
               <a:t>Comparando </a:t>
             </a:r>
             <a:r>
-              <a:rPr lang="pt-BR" sz="2000" dirty="0">
+              <a:rPr lang="pt-BR" sz="2800" dirty="0">
                 <a:latin typeface="Roboto" pitchFamily="2" charset="0"/>
                 <a:ea typeface="Roboto" pitchFamily="2" charset="0"/>
               </a:rPr>
               <a:t>ao mundo </a:t>
             </a:r>
             <a:r>
-              <a:rPr lang="pt-BR" sz="2000" dirty="0" smtClean="0">
+              <a:rPr lang="pt-BR" sz="2800" dirty="0" smtClean="0">
                 <a:latin typeface="Roboto" pitchFamily="2" charset="0"/>
                 <a:ea typeface="Roboto" pitchFamily="2" charset="0"/>
               </a:rPr>
               <a:t>relacional seria </a:t>
             </a:r>
             <a:r>
-              <a:rPr lang="pt-BR" sz="2000" dirty="0">
+              <a:rPr lang="pt-BR" sz="2800" dirty="0">
                 <a:latin typeface="Roboto" pitchFamily="2" charset="0"/>
                 <a:ea typeface="Roboto" pitchFamily="2" charset="0"/>
               </a:rPr>
               <a:t>uma </a:t>
             </a:r>
             <a:r>
-              <a:rPr lang="pt-BR" sz="2000" dirty="0" smtClean="0">
+              <a:rPr lang="pt-BR" sz="2800" dirty="0" smtClean="0">
                 <a:latin typeface="Roboto" pitchFamily="2" charset="0"/>
                 <a:ea typeface="Roboto" pitchFamily="2" charset="0"/>
               </a:rPr>
               <a:t>tabela, </a:t>
             </a:r>
             <a:r>
-              <a:rPr lang="pt-BR" sz="2000" dirty="0">
+              <a:rPr lang="pt-BR" sz="2800" dirty="0">
                 <a:latin typeface="Roboto" pitchFamily="2" charset="0"/>
                 <a:ea typeface="Roboto" pitchFamily="2" charset="0"/>
               </a:rPr>
               <a:t>onde </a:t>
             </a:r>
             <a:r>
-              <a:rPr lang="pt-BR" sz="2000" dirty="0" smtClean="0">
+              <a:rPr lang="pt-BR" sz="2800" dirty="0" smtClean="0">
                 <a:latin typeface="Roboto" pitchFamily="2" charset="0"/>
                 <a:ea typeface="Roboto" pitchFamily="2" charset="0"/>
               </a:rPr>
               <a:t>esta pode </a:t>
             </a:r>
             <a:r>
-              <a:rPr lang="pt-BR" sz="2000" dirty="0">
+              <a:rPr lang="pt-BR" sz="2800" dirty="0">
                 <a:latin typeface="Roboto" pitchFamily="2" charset="0"/>
                 <a:ea typeface="Roboto" pitchFamily="2" charset="0"/>
               </a:rPr>
               <a:t>receber </a:t>
             </a:r>
             <a:r>
-              <a:rPr lang="pt-BR" sz="2000" dirty="0" smtClean="0">
+              <a:rPr lang="pt-BR" sz="2800" dirty="0" smtClean="0">
                 <a:latin typeface="Roboto" pitchFamily="2" charset="0"/>
                 <a:ea typeface="Roboto" pitchFamily="2" charset="0"/>
               </a:rPr>
               <a:t>várias </a:t>
             </a:r>
             <a:r>
-              <a:rPr lang="pt-BR" sz="2000" dirty="0">
+              <a:rPr lang="pt-BR" sz="2800" dirty="0">
                 <a:latin typeface="Roboto" pitchFamily="2" charset="0"/>
                 <a:ea typeface="Roboto" pitchFamily="2" charset="0"/>
               </a:rPr>
               <a:t>linhas de registros com </a:t>
             </a:r>
             <a:r>
-              <a:rPr lang="pt-BR" sz="2000" dirty="0" smtClean="0">
+              <a:rPr lang="pt-BR" sz="2800" dirty="0" smtClean="0">
                 <a:latin typeface="Roboto" pitchFamily="2" charset="0"/>
                 <a:ea typeface="Roboto" pitchFamily="2" charset="0"/>
               </a:rPr>
               <a:t>várias colunas</a:t>
             </a:r>
             <a:r>
-              <a:rPr lang="pt-BR" sz="2000" dirty="0">
+              <a:rPr lang="pt-BR" sz="2800" dirty="0">
                 <a:latin typeface="Roboto" pitchFamily="2" charset="0"/>
                 <a:ea typeface="Roboto" pitchFamily="2" charset="0"/>
               </a:rPr>
               <a:t>;</a:t>
             </a:r>
-            <a:endParaRPr lang="pt-BR" sz="2000" dirty="0" smtClean="0">
+            <a:endParaRPr lang="pt-BR" sz="2800" dirty="0" smtClean="0">
               <a:latin typeface="Roboto" pitchFamily="2" charset="0"/>
               <a:ea typeface="Roboto" pitchFamily="2" charset="0"/>
             </a:endParaRPr>
@@ -21378,77 +21366,84 @@
           <a:p>
             <a:pPr algn="just"/>
             <a:r>
-              <a:rPr lang="pt-BR" sz="2000" dirty="0">
+              <a:rPr lang="pt-BR" sz="2800" dirty="0">
                 <a:latin typeface="Roboto" pitchFamily="2" charset="0"/>
                 <a:ea typeface="Roboto" pitchFamily="2" charset="0"/>
               </a:rPr>
               <a:t>A</a:t>
             </a:r>
             <a:r>
-              <a:rPr lang="pt-BR" sz="2000" dirty="0" smtClean="0">
+              <a:rPr lang="pt-BR" sz="2800" dirty="0" smtClean="0">
                 <a:latin typeface="Roboto" pitchFamily="2" charset="0"/>
                 <a:ea typeface="Roboto" pitchFamily="2" charset="0"/>
               </a:rPr>
               <a:t> </a:t>
             </a:r>
             <a:r>
-              <a:rPr lang="pt-BR" sz="2000" dirty="0">
+              <a:rPr lang="pt-BR" sz="2800" dirty="0">
                 <a:latin typeface="Roboto" pitchFamily="2" charset="0"/>
                 <a:ea typeface="Roboto" pitchFamily="2" charset="0"/>
               </a:rPr>
               <a:t>maior diferença </a:t>
             </a:r>
             <a:r>
-              <a:rPr lang="pt-BR" sz="2000" dirty="0" smtClean="0">
+              <a:rPr lang="pt-BR" sz="2800" dirty="0" smtClean="0">
                 <a:latin typeface="Roboto" pitchFamily="2" charset="0"/>
                 <a:ea typeface="Roboto" pitchFamily="2" charset="0"/>
               </a:rPr>
               <a:t>é </a:t>
             </a:r>
             <a:r>
-              <a:rPr lang="pt-BR" sz="2000" dirty="0">
-                <a:latin typeface="Roboto" pitchFamily="2" charset="0"/>
-                <a:ea typeface="Roboto" pitchFamily="2" charset="0"/>
-              </a:rPr>
-              <a:t>a capacidade de não ser declarado quais colunas essa tabela </a:t>
-            </a:r>
-            <a:r>
-              <a:rPr lang="pt-BR" sz="2000" dirty="0" smtClean="0">
-                <a:latin typeface="Roboto" pitchFamily="2" charset="0"/>
-                <a:ea typeface="Roboto" pitchFamily="2" charset="0"/>
-              </a:rPr>
-              <a:t>terá,</a:t>
-            </a:r>
-            <a:r>
-              <a:rPr lang="pt-BR" sz="2000" dirty="0" smtClean="0">
-                <a:latin typeface="Roboto" pitchFamily="2" charset="0"/>
-                <a:ea typeface="Roboto" pitchFamily="2" charset="0"/>
-              </a:rPr>
-              <a:t> </a:t>
-            </a:r>
-            <a:r>
-              <a:rPr lang="pt-BR" sz="2000" dirty="0">
+              <a:rPr lang="pt-BR" sz="2800" dirty="0">
+                <a:latin typeface="Roboto" pitchFamily="2" charset="0"/>
+                <a:ea typeface="Roboto" pitchFamily="2" charset="0"/>
+              </a:rPr>
+              <a:t>a capacidade de não ser declarado quais colunas </a:t>
+            </a:r>
+            <a:r>
+              <a:rPr lang="pt-BR" sz="2800" dirty="0" smtClean="0">
+                <a:latin typeface="Roboto" pitchFamily="2" charset="0"/>
+                <a:ea typeface="Roboto" pitchFamily="2" charset="0"/>
+              </a:rPr>
+              <a:t>que essa </a:t>
+            </a:r>
+            <a:r>
+              <a:rPr lang="pt-BR" sz="2800" dirty="0">
+                <a:latin typeface="Roboto" pitchFamily="2" charset="0"/>
+                <a:ea typeface="Roboto" pitchFamily="2" charset="0"/>
+              </a:rPr>
+              <a:t>tabela </a:t>
+            </a:r>
+            <a:r>
+              <a:rPr lang="pt-BR" sz="2800" dirty="0" smtClean="0">
+                <a:latin typeface="Roboto" pitchFamily="2" charset="0"/>
+                <a:ea typeface="Roboto" pitchFamily="2" charset="0"/>
+              </a:rPr>
+              <a:t>terá, </a:t>
+            </a:r>
+            <a:r>
+              <a:rPr lang="pt-BR" sz="2800" dirty="0">
                 <a:latin typeface="Roboto" pitchFamily="2" charset="0"/>
                 <a:ea typeface="Roboto" pitchFamily="2" charset="0"/>
               </a:rPr>
               <a:t>pois cada </a:t>
             </a:r>
             <a:r>
-              <a:rPr lang="pt-BR" sz="2000" dirty="0" smtClean="0">
+              <a:rPr lang="pt-BR" sz="2800" dirty="0" smtClean="0">
                 <a:latin typeface="Roboto" pitchFamily="2" charset="0"/>
                 <a:ea typeface="Roboto" pitchFamily="2" charset="0"/>
               </a:rPr>
               <a:t>linha </a:t>
             </a:r>
             <a:r>
-              <a:rPr lang="pt-BR" sz="2000" dirty="0">
+              <a:rPr lang="pt-BR" sz="2800" dirty="0">
                 <a:latin typeface="Roboto" pitchFamily="2" charset="0"/>
                 <a:ea typeface="Roboto" pitchFamily="2" charset="0"/>
               </a:rPr>
               <a:t>pode ter uma ou mais colunas e uma linha não precisa ser igual a </a:t>
             </a:r>
             <a:r>
-              <a:rPr lang="pt-BR" sz="2000" dirty="0" smtClean="0">
+              <a:rPr lang="pt-BR" sz="2800" dirty="0" smtClean="0">
                 <a:latin typeface="Roboto" pitchFamily="2" charset="0"/>
                 <a:ea typeface="Roboto" pitchFamily="2" charset="0"/>
               </a:rPr>
@@ -21458,48 +21453,48 @@
           <a:p>
             <a:pPr algn="just"/>
             <a:r>
-              <a:rPr lang="pt-BR" sz="2000" dirty="0" smtClean="0">
+              <a:rPr lang="pt-BR" sz="2800" dirty="0" smtClean="0">
                 <a:latin typeface="Roboto" pitchFamily="2" charset="0"/>
                 <a:ea typeface="Roboto" pitchFamily="2" charset="0"/>
               </a:rPr>
               <a:t>No Cassandra você </a:t>
             </a:r>
             <a:r>
-              <a:rPr lang="pt-BR" sz="2000" dirty="0">
+              <a:rPr lang="pt-BR" sz="2800" dirty="0">
                 <a:latin typeface="Roboto" pitchFamily="2" charset="0"/>
                 <a:ea typeface="Roboto" pitchFamily="2" charset="0"/>
               </a:rPr>
               <a:t>só declara a família, e as colunas </a:t>
             </a:r>
             <a:r>
-              <a:rPr lang="pt-BR" sz="2000" dirty="0" smtClean="0">
+              <a:rPr lang="pt-BR" sz="2800" dirty="0" smtClean="0">
                 <a:latin typeface="Roboto" pitchFamily="2" charset="0"/>
                 <a:ea typeface="Roboto" pitchFamily="2" charset="0"/>
               </a:rPr>
               <a:t>são </a:t>
             </a:r>
             <a:r>
-              <a:rPr lang="pt-BR" sz="2000" dirty="0">
+              <a:rPr lang="pt-BR" sz="2800" dirty="0">
                 <a:latin typeface="Roboto" pitchFamily="2" charset="0"/>
                 <a:ea typeface="Roboto" pitchFamily="2" charset="0"/>
               </a:rPr>
               <a:t>criadas no momento </a:t>
             </a:r>
             <a:r>
-              <a:rPr lang="pt-BR" sz="2000" dirty="0" smtClean="0">
+              <a:rPr lang="pt-BR" sz="2800" dirty="0" smtClean="0">
                 <a:latin typeface="Roboto" pitchFamily="2" charset="0"/>
                 <a:ea typeface="Roboto" pitchFamily="2" charset="0"/>
               </a:rPr>
               <a:t>que os dados forem inseridos.</a:t>
             </a:r>
-            <a:endParaRPr lang="pt-BR" sz="2000" dirty="0">
+            <a:endParaRPr lang="pt-BR" sz="2800" dirty="0">
               <a:latin typeface="Roboto" pitchFamily="2" charset="0"/>
               <a:ea typeface="Roboto" pitchFamily="2" charset="0"/>
             </a:endParaRPr>
           </a:p>
           <a:p>
             <a:pPr algn="just"/>
-            <a:endParaRPr lang="pt-BR" dirty="0"/>
+            <a:endParaRPr lang="pt-BR" sz="2400" dirty="0"/>
           </a:p>
         </p:txBody>
       </p:sp>
@@ -21515,7 +21510,7 @@
           <a:blip r:embed="rId2">
             <a:extLst>
               <a:ext uri="{28A0092B-C50C-407E-A947-70E740481C1C}">
-                <a14:useLocalDpi xmlns:a14="http://schemas.microsoft.com/office/drawing/2010/main" val="0"/>
+                <a14:useLocalDpi xmlns:a14="http://schemas.microsoft.com/office/drawing/2010/main" xmlns="" val="0"/>
               </a:ext>
             </a:extLst>
           </a:blip>
@@ -21526,7 +21521,7 @@
         </p:blipFill>
         <p:spPr bwMode="auto">
           <a:xfrm>
-            <a:off x="2363002" y="4730640"/>
+            <a:off x="2382052" y="5054490"/>
             <a:ext cx="5431394" cy="1340573"/>
           </a:xfrm>
           <a:prstGeom prst="rect">
@@ -21535,7 +21530,7 @@
           <a:noFill/>
           <a:extLst>
             <a:ext uri="{909E8E84-426E-40DD-AFC4-6F175D3DCCD1}">
-              <a14:hiddenFill xmlns:a14="http://schemas.microsoft.com/office/drawing/2010/main">
+              <a14:hiddenFill xmlns:a14="http://schemas.microsoft.com/office/drawing/2010/main" xmlns="">
                 <a:solidFill>
                   <a:srgbClr val="FFFFFF"/>
                 </a:solidFill>
@@ -21675,7 +21670,7 @@
     </p:spTree>
     <p:extLst>
       <p:ext uri="{BB962C8B-B14F-4D97-AF65-F5344CB8AC3E}">
-        <p14:creationId xmlns:p14="http://schemas.microsoft.com/office/powerpoint/2010/main" val="338341345"/>
+        <p14:creationId xmlns:p14="http://schemas.microsoft.com/office/powerpoint/2010/main" xmlns="" val="338341345"/>
       </p:ext>
     </p:extLst>
   </p:cSld>
@@ -21726,129 +21721,118 @@
           <a:p>
             <a:pPr algn="just"/>
             <a:r>
-              <a:rPr lang="pt-BR" sz="2400" dirty="0" smtClean="0">
+              <a:rPr lang="pt-BR" sz="3600" dirty="0" smtClean="0">
                 <a:latin typeface="Roboto" pitchFamily="2" charset="0"/>
                 <a:ea typeface="Roboto" pitchFamily="2" charset="0"/>
               </a:rPr>
               <a:t>É </a:t>
             </a:r>
             <a:r>
-              <a:rPr lang="pt-BR" sz="2400" dirty="0">
+              <a:rPr lang="pt-BR" sz="3600" dirty="0">
                 <a:latin typeface="Roboto" pitchFamily="2" charset="0"/>
                 <a:ea typeface="Roboto" pitchFamily="2" charset="0"/>
               </a:rPr>
               <a:t>a unidade mais básica da estrutura </a:t>
             </a:r>
             <a:r>
-              <a:rPr lang="pt-BR" sz="2400" dirty="0" smtClean="0">
+              <a:rPr lang="pt-BR" sz="3600" dirty="0" smtClean="0">
                 <a:latin typeface="Roboto" pitchFamily="2" charset="0"/>
                 <a:ea typeface="Roboto" pitchFamily="2" charset="0"/>
               </a:rPr>
               <a:t>Cassandra, </a:t>
             </a:r>
             <a:r>
-              <a:rPr lang="pt-BR" sz="2400" dirty="0">
+              <a:rPr lang="pt-BR" sz="3600" dirty="0">
                 <a:latin typeface="Roboto" pitchFamily="2" charset="0"/>
                 <a:ea typeface="Roboto" pitchFamily="2" charset="0"/>
               </a:rPr>
               <a:t>contendo um nome, um valor e um registro de data e </a:t>
             </a:r>
             <a:r>
-              <a:rPr lang="pt-BR" sz="2400" dirty="0" smtClean="0">
+              <a:rPr lang="pt-BR" sz="3600" dirty="0" smtClean="0">
                 <a:latin typeface="Roboto" pitchFamily="2" charset="0"/>
                 <a:ea typeface="Roboto" pitchFamily="2" charset="0"/>
               </a:rPr>
               <a:t>hora;</a:t>
             </a:r>
-            <a:endParaRPr lang="pt-BR" sz="2400" dirty="0" smtClean="0">
-              <a:latin typeface="Roboto" pitchFamily="2" charset="0"/>
-              <a:ea typeface="Roboto" pitchFamily="2" charset="0"/>
-            </a:endParaRPr>
           </a:p>
           <a:p>
             <a:pPr algn="just"/>
             <a:r>
-              <a:rPr lang="pt-BR" sz="2400" dirty="0">
+              <a:rPr lang="pt-BR" sz="3600" dirty="0">
                 <a:latin typeface="Roboto" pitchFamily="2" charset="0"/>
                 <a:ea typeface="Roboto" pitchFamily="2" charset="0"/>
               </a:rPr>
               <a:t>A</a:t>
             </a:r>
             <a:r>
-              <a:rPr lang="pt-BR" sz="2400" dirty="0" smtClean="0">
+              <a:rPr lang="pt-BR" sz="3600" dirty="0" smtClean="0">
                 <a:latin typeface="Roboto" pitchFamily="2" charset="0"/>
                 <a:ea typeface="Roboto" pitchFamily="2" charset="0"/>
               </a:rPr>
               <a:t>pesar </a:t>
             </a:r>
             <a:r>
-              <a:rPr lang="pt-BR" sz="2400" dirty="0">
+              <a:rPr lang="pt-BR" sz="3600" dirty="0">
                 <a:latin typeface="Roboto" pitchFamily="2" charset="0"/>
                 <a:ea typeface="Roboto" pitchFamily="2" charset="0"/>
               </a:rPr>
               <a:t>do nome, não podemos pensar </a:t>
             </a:r>
             <a:r>
-              <a:rPr lang="pt-BR" sz="2400" dirty="0" smtClean="0">
+              <a:rPr lang="pt-BR" sz="3600" dirty="0" smtClean="0">
                 <a:latin typeface="Roboto" pitchFamily="2" charset="0"/>
                 <a:ea typeface="Roboto" pitchFamily="2" charset="0"/>
               </a:rPr>
               <a:t>que é </a:t>
             </a:r>
             <a:r>
-              <a:rPr lang="pt-BR" sz="2400" dirty="0">
+              <a:rPr lang="pt-BR" sz="3600" dirty="0">
                 <a:latin typeface="Roboto" pitchFamily="2" charset="0"/>
                 <a:ea typeface="Roboto" pitchFamily="2" charset="0"/>
               </a:rPr>
               <a:t>igual ao de um banco de dados </a:t>
             </a:r>
             <a:r>
-              <a:rPr lang="pt-BR" sz="2400" dirty="0" smtClean="0">
-                <a:latin typeface="Roboto" pitchFamily="2" charset="0"/>
-                <a:ea typeface="Roboto" pitchFamily="2" charset="0"/>
-              </a:rPr>
-              <a:t>relacional</a:t>
-            </a:r>
-            <a:r>
-              <a:rPr lang="pt-BR" sz="2400" dirty="0" smtClean="0">
-                <a:latin typeface="Roboto" pitchFamily="2" charset="0"/>
-                <a:ea typeface="Roboto" pitchFamily="2" charset="0"/>
-              </a:rPr>
-              <a:t>.</a:t>
+              <a:rPr lang="pt-BR" sz="3600" dirty="0" smtClean="0">
+                <a:latin typeface="Roboto" pitchFamily="2" charset="0"/>
+                <a:ea typeface="Roboto" pitchFamily="2" charset="0"/>
+              </a:rPr>
+              <a:t>relacional.</a:t>
             </a:r>
           </a:p>
           <a:p>
             <a:pPr algn="just"/>
             <a:r>
-              <a:rPr lang="pt-BR" sz="2400" dirty="0" smtClean="0">
+              <a:rPr lang="pt-BR" sz="3600" dirty="0" smtClean="0">
                 <a:latin typeface="Roboto" pitchFamily="2" charset="0"/>
                 <a:ea typeface="Roboto" pitchFamily="2" charset="0"/>
               </a:rPr>
               <a:t>No </a:t>
             </a:r>
             <a:r>
-              <a:rPr lang="pt-BR" sz="2400" dirty="0">
+              <a:rPr lang="pt-BR" sz="3600" dirty="0">
                 <a:latin typeface="Roboto" pitchFamily="2" charset="0"/>
                 <a:ea typeface="Roboto" pitchFamily="2" charset="0"/>
               </a:rPr>
               <a:t>Cassandra não é declarado tamanho de coluna, </a:t>
             </a:r>
             <a:r>
-              <a:rPr lang="pt-BR" sz="2400" dirty="0" smtClean="0">
+              <a:rPr lang="pt-BR" sz="3600" dirty="0" smtClean="0">
                 <a:latin typeface="Roboto" pitchFamily="2" charset="0"/>
                 <a:ea typeface="Roboto" pitchFamily="2" charset="0"/>
               </a:rPr>
               <a:t>mas sua </a:t>
             </a:r>
             <a:r>
-              <a:rPr lang="pt-BR" sz="2400" dirty="0">
+              <a:rPr lang="pt-BR" sz="3600" dirty="0">
                 <a:latin typeface="Roboto" pitchFamily="2" charset="0"/>
                 <a:ea typeface="Roboto" pitchFamily="2" charset="0"/>
               </a:rPr>
               <a:t>classificação e </a:t>
             </a:r>
             <a:r>
-              <a:rPr lang="pt-BR" sz="2400" dirty="0" smtClean="0">
+              <a:rPr lang="pt-BR" sz="3600" dirty="0" smtClean="0">
                 <a:latin typeface="Roboto" pitchFamily="2" charset="0"/>
                 <a:ea typeface="Roboto" pitchFamily="2" charset="0"/>
               </a:rPr>
@@ -21857,7 +21841,7 @@
           </a:p>
           <a:p>
             <a:pPr algn="just"/>
-            <a:endParaRPr lang="pt-BR" dirty="0">
+            <a:endParaRPr lang="pt-BR" sz="2800" dirty="0">
               <a:latin typeface="Roboto" pitchFamily="2" charset="0"/>
               <a:ea typeface="Roboto" pitchFamily="2" charset="0"/>
             </a:endParaRPr>
@@ -21995,7 +21979,7 @@
     </p:spTree>
     <p:extLst>
       <p:ext uri="{BB962C8B-B14F-4D97-AF65-F5344CB8AC3E}">
-        <p14:creationId xmlns:p14="http://schemas.microsoft.com/office/powerpoint/2010/main" val="2229143163"/>
+        <p14:creationId xmlns:p14="http://schemas.microsoft.com/office/powerpoint/2010/main" xmlns="" val="2229143163"/>
       </p:ext>
     </p:extLst>
   </p:cSld>
@@ -22022,89 +22006,6 @@
           <a:chExt cx="0" cy="0"/>
         </a:xfrm>
       </p:grpSpPr>
-      <p:sp>
-        <p:nvSpPr>
-          <p:cNvPr id="5" name="Rectangle 1"/>
-          <p:cNvSpPr>
-            <a:spLocks noChangeArrowheads="1"/>
-          </p:cNvSpPr>
-          <p:nvPr/>
-        </p:nvSpPr>
-        <p:spPr bwMode="auto">
-          <a:xfrm>
-            <a:off x="3826608" y="-5900239"/>
-            <a:ext cx="27843007" cy="246221"/>
-          </a:xfrm>
-          <a:prstGeom prst="rect">
-            <a:avLst/>
-          </a:prstGeom>
-          <a:ln/>
-        </p:spPr>
-        <p:style>
-          <a:lnRef idx="2">
-            <a:schemeClr val="accent2"/>
-          </a:lnRef>
-          <a:fillRef idx="1">
-            <a:schemeClr val="lt1"/>
-          </a:fillRef>
-          <a:effectRef idx="0">
-            <a:schemeClr val="accent2"/>
-          </a:effectRef>
-          <a:fontRef idx="minor">
-            <a:schemeClr val="dk1"/>
-          </a:fontRef>
-        </p:style>
-        <p:txBody>
-          <a:bodyPr vert="horz" wrap="square" lIns="91440" tIns="45720" rIns="91440" bIns="45720" numCol="1" anchor="ctr" anchorCtr="0" compatLnSpc="1">
-            <a:prstTxWarp prst="textNoShape">
-              <a:avLst/>
-            </a:prstTxWarp>
-            <a:spAutoFit/>
-          </a:bodyPr>
-          <a:lstStyle/>
-          <a:p>
-            <a:pPr marL="0" marR="0" lvl="0" indent="0" algn="l" defTabSz="914400" rtl="0" eaLnBrk="0" fontAlgn="base" latinLnBrk="0" hangingPunct="0">
-              <a:lnSpc>
-                <a:spcPct val="100000"/>
-              </a:lnSpc>
-              <a:spcBef>
-                <a:spcPct val="0"/>
-              </a:spcBef>
-              <a:spcAft>
-                <a:spcPct val="0"/>
-              </a:spcAft>
-              <a:buClrTx/>
-              <a:buSzTx/>
-              <a:buFontTx/>
-              <a:buNone/>
-              <a:tabLst/>
-            </a:pPr>
-            <a:r>
-              <a:rPr kumimoji="0" lang="pt-BR" sz="1000" b="0" i="0" u="none" strike="noStrike" cap="none" normalizeH="0" baseline="0" smtClean="0">
-                <a:ln>
-                  <a:noFill/>
-                </a:ln>
-                <a:solidFill>
-                  <a:srgbClr val="ACAC9D"/>
-                </a:solidFill>
-                <a:effectLst/>
-                <a:latin typeface="Sanchez"/>
-              </a:rPr>
-              <a:t>Classificações:</a:t>
-            </a:r>
-            <a:endParaRPr kumimoji="0" lang="pt-BR" sz="1800" b="0" i="0" u="none" strike="noStrike" cap="none" normalizeH="0" baseline="0" smtClean="0">
-              <a:ln>
-                <a:noFill/>
-              </a:ln>
-              <a:solidFill>
-                <a:schemeClr val="tx1"/>
-              </a:solidFill>
-              <a:effectLst/>
-              <a:latin typeface="Arial" panose="020B0604020202020204" pitchFamily="34" charset="0"/>
-            </a:endParaRPr>
-          </a:p>
-        </p:txBody>
-      </p:sp>
       <p:graphicFrame>
         <p:nvGraphicFramePr>
           <p:cNvPr id="10" name="Tabela 9"/>
@@ -22114,14 +22015,14 @@
           <p:nvPr>
             <p:extLst>
               <p:ext uri="{D42A27DB-BD31-4B8C-83A1-F6EECF244321}">
-                <p14:modId xmlns:p14="http://schemas.microsoft.com/office/powerpoint/2010/main" val="3765756533"/>
+                <p14:modId xmlns:p14="http://schemas.microsoft.com/office/powerpoint/2010/main" xmlns="" val="3765756533"/>
               </p:ext>
             </p:extLst>
           </p:nvPr>
         </p:nvGraphicFramePr>
         <p:xfrm>
-          <a:off x="4001485" y="504518"/>
-          <a:ext cx="5287356" cy="5916160"/>
+          <a:off x="3124199" y="183021"/>
+          <a:ext cx="9064626" cy="6674979"/>
         </p:xfrm>
         <a:graphic>
           <a:graphicData uri="http://schemas.openxmlformats.org/drawingml/2006/table">
@@ -22130,10 +22031,10 @@
                 <a:tableStyleId>{5C22544A-7EE6-4342-B048-85BDC9FD1C3A}</a:tableStyleId>
               </a:tblPr>
               <a:tblGrid>
-                <a:gridCol w="2643678"/>
-                <a:gridCol w="2643678"/>
+                <a:gridCol w="4532313"/>
+                <a:gridCol w="4532313"/>
               </a:tblGrid>
-              <a:tr h="221398">
+              <a:tr h="343423">
                 <a:tc>
                   <a:txBody>
                     <a:bodyPr/>
@@ -22141,14 +22042,14 @@
                     <a:p>
                       <a:pPr algn="ctr"/>
                       <a:r>
-                        <a:rPr lang="pt-BR" sz="1500" b="1" dirty="0">
+                        <a:rPr lang="pt-BR" sz="2400" b="1" dirty="0">
                           <a:effectLst/>
                           <a:latin typeface="Roboto" pitchFamily="2" charset="0"/>
                           <a:ea typeface="Roboto" pitchFamily="2" charset="0"/>
                         </a:rPr>
                         <a:t>Tipo</a:t>
                       </a:r>
-                      <a:endParaRPr lang="pt-BR" sz="1500" b="1" dirty="0">
+                      <a:endParaRPr lang="pt-BR" sz="2400" b="1" dirty="0">
                         <a:latin typeface="Roboto" pitchFamily="2" charset="0"/>
                         <a:ea typeface="Roboto" pitchFamily="2" charset="0"/>
                       </a:endParaRPr>
@@ -22162,14 +22063,14 @@
                     <a:lstStyle/>
                     <a:p>
                       <a:r>
-                        <a:rPr lang="pt-BR" sz="1500" b="1" dirty="0">
+                        <a:rPr lang="pt-BR" sz="2400" b="1" dirty="0">
                           <a:effectLst/>
                           <a:latin typeface="Roboto" pitchFamily="2" charset="0"/>
                           <a:ea typeface="Roboto" pitchFamily="2" charset="0"/>
                         </a:rPr>
                         <a:t>Descrição</a:t>
                       </a:r>
-                      <a:endParaRPr lang="pt-BR" sz="1500" b="1" dirty="0">
+                      <a:endParaRPr lang="pt-BR" sz="2400" b="1" dirty="0">
                         <a:latin typeface="Roboto" pitchFamily="2" charset="0"/>
                         <a:ea typeface="Roboto" pitchFamily="2" charset="0"/>
                       </a:endParaRPr>
@@ -22178,7 +22079,7 @@
                   <a:tcPr marL="0" marR="0" marT="0" marB="0"/>
                 </a:tc>
               </a:tr>
-              <a:tr h="950974">
+              <a:tr h="977071">
                 <a:tc>
                   <a:txBody>
                     <a:bodyPr/>
@@ -22186,13 +22087,13 @@
                     <a:p>
                       <a:pPr algn="ctr"/>
                       <a:r>
-                        <a:rPr lang="pt-BR" sz="1500" b="1" dirty="0" err="1">
+                        <a:rPr lang="pt-BR" sz="2400" b="1" dirty="0" err="1">
                           <a:latin typeface="Roboto" pitchFamily="2" charset="0"/>
                           <a:ea typeface="Roboto" pitchFamily="2" charset="0"/>
                         </a:rPr>
                         <a:t>BytesType</a:t>
                       </a:r>
-                      <a:endParaRPr lang="pt-BR" sz="1500" b="1" dirty="0">
+                      <a:endParaRPr lang="pt-BR" sz="2400" b="1" dirty="0">
                         <a:latin typeface="Roboto" pitchFamily="2" charset="0"/>
                         <a:ea typeface="Roboto" pitchFamily="2" charset="0"/>
                       </a:endParaRPr>
@@ -22206,14 +22107,14 @@
                     <a:lstStyle/>
                     <a:p>
                       <a:r>
-                        <a:rPr lang="pt-BR" sz="1500" dirty="0" err="1">
+                        <a:rPr lang="pt-BR" sz="2400" dirty="0" err="1">
                           <a:latin typeface="Roboto" pitchFamily="2" charset="0"/>
                           <a:ea typeface="Roboto" pitchFamily="2" charset="0"/>
                         </a:rPr>
                         <a:t>Exadecimais</a:t>
                       </a:r>
                       <a:r>
-                        <a:rPr lang="pt-BR" sz="1500" dirty="0">
+                        <a:rPr lang="pt-BR" sz="2400" dirty="0">
                           <a:latin typeface="Roboto" pitchFamily="2" charset="0"/>
                           <a:ea typeface="Roboto" pitchFamily="2" charset="0"/>
                         </a:rPr>
@@ -22224,7 +22125,7 @@
                   <a:tcPr marL="0" marR="0" marT="0" marB="0"/>
                 </a:tc>
               </a:tr>
-              <a:tr h="792479">
+              <a:tr h="705661">
                 <a:tc>
                   <a:txBody>
                     <a:bodyPr/>
@@ -22232,7 +22133,7 @@
                     <a:p>
                       <a:pPr algn="ctr"/>
                       <a:r>
-                        <a:rPr lang="pt-BR" sz="1500" b="1">
+                        <a:rPr lang="pt-BR" sz="2400" b="1">
                           <a:latin typeface="Roboto" pitchFamily="2" charset="0"/>
                           <a:ea typeface="Roboto" pitchFamily="2" charset="0"/>
                         </a:rPr>
@@ -22248,7 +22149,7 @@
                     <a:lstStyle/>
                     <a:p>
                       <a:r>
-                        <a:rPr lang="pt-BR" sz="1500" dirty="0">
+                        <a:rPr lang="pt-BR" sz="2400" dirty="0">
                           <a:latin typeface="Roboto" pitchFamily="2" charset="0"/>
                           <a:ea typeface="Roboto" pitchFamily="2" charset="0"/>
                         </a:rPr>
@@ -22259,7 +22160,7 @@
                   <a:tcPr marL="0" marR="0" marT="0" marB="0"/>
                 </a:tc>
               </a:tr>
-              <a:tr h="475488">
+              <a:tr h="423397">
                 <a:tc>
                   <a:txBody>
                     <a:bodyPr/>
@@ -22267,7 +22168,7 @@
                     <a:p>
                       <a:pPr algn="ctr"/>
                       <a:r>
-                        <a:rPr lang="pt-BR" sz="1500" b="1" dirty="0">
+                        <a:rPr lang="pt-BR" sz="2400" b="1" dirty="0">
                           <a:latin typeface="Roboto" pitchFamily="2" charset="0"/>
                           <a:ea typeface="Roboto" pitchFamily="2" charset="0"/>
                         </a:rPr>
@@ -22283,7 +22184,7 @@
                     <a:lstStyle/>
                     <a:p>
                       <a:r>
-                        <a:rPr lang="pt-BR" sz="1500" dirty="0">
+                        <a:rPr lang="pt-BR" sz="2400" dirty="0">
                           <a:latin typeface="Roboto" pitchFamily="2" charset="0"/>
                           <a:ea typeface="Roboto" pitchFamily="2" charset="0"/>
                         </a:rPr>
@@ -22294,7 +22195,7 @@
                   <a:tcPr marL="0" marR="0" marT="0" marB="0"/>
                 </a:tc>
               </a:tr>
-              <a:tr h="316991">
+              <a:tr h="343423">
                 <a:tc>
                   <a:txBody>
                     <a:bodyPr/>
@@ -22302,7 +22203,7 @@
                     <a:p>
                       <a:pPr algn="ctr"/>
                       <a:r>
-                        <a:rPr lang="pt-BR" sz="1500" b="1">
+                        <a:rPr lang="pt-BR" sz="2400" b="1">
                           <a:latin typeface="Roboto" pitchFamily="2" charset="0"/>
                           <a:ea typeface="Roboto" pitchFamily="2" charset="0"/>
                         </a:rPr>
@@ -22318,7 +22219,7 @@
                     <a:lstStyle/>
                     <a:p>
                       <a:r>
-                        <a:rPr lang="pt-BR" sz="1500">
+                        <a:rPr lang="pt-BR" sz="2400">
                           <a:latin typeface="Roboto" pitchFamily="2" charset="0"/>
                           <a:ea typeface="Roboto" pitchFamily="2" charset="0"/>
                         </a:rPr>
@@ -22329,7 +22230,7 @@
                   <a:tcPr marL="0" marR="0" marT="0" marB="0"/>
                 </a:tc>
               </a:tr>
-              <a:tr h="442797">
+              <a:tr h="394288">
                 <a:tc>
                   <a:txBody>
                     <a:bodyPr/>
@@ -22337,7 +22238,7 @@
                     <a:p>
                       <a:pPr algn="ctr"/>
                       <a:r>
-                        <a:rPr lang="pt-BR" sz="1500" b="1">
+                        <a:rPr lang="pt-BR" sz="2400" b="1">
                           <a:latin typeface="Roboto" pitchFamily="2" charset="0"/>
                           <a:ea typeface="Roboto" pitchFamily="2" charset="0"/>
                         </a:rPr>
@@ -22353,7 +22254,7 @@
                     <a:lstStyle/>
                     <a:p>
                       <a:r>
-                        <a:rPr lang="pt-BR" sz="1500">
+                        <a:rPr lang="pt-BR" sz="2400">
                           <a:latin typeface="Roboto" pitchFamily="2" charset="0"/>
                           <a:ea typeface="Roboto" pitchFamily="2" charset="0"/>
                         </a:rPr>
@@ -22364,7 +22265,7 @@
                   <a:tcPr marL="0" marR="0" marT="0" marB="0"/>
                 </a:tc>
               </a:tr>
-              <a:tr h="316991">
+              <a:tr h="343423">
                 <a:tc>
                   <a:txBody>
                     <a:bodyPr/>
@@ -22372,13 +22273,13 @@
                     <a:p>
                       <a:pPr algn="ctr"/>
                       <a:r>
-                        <a:rPr lang="pt-BR" sz="1500" b="1" dirty="0" err="1">
+                        <a:rPr lang="pt-BR" sz="2400" b="1" dirty="0" err="1">
                           <a:latin typeface="Roboto" pitchFamily="2" charset="0"/>
                           <a:ea typeface="Roboto" pitchFamily="2" charset="0"/>
                         </a:rPr>
                         <a:t>UUIDType</a:t>
                       </a:r>
-                      <a:endParaRPr lang="pt-BR" sz="1500" b="1" dirty="0">
+                      <a:endParaRPr lang="pt-BR" sz="2400" b="1" dirty="0">
                         <a:latin typeface="Roboto" pitchFamily="2" charset="0"/>
                         <a:ea typeface="Roboto" pitchFamily="2" charset="0"/>
                       </a:endParaRPr>
@@ -22392,7 +22293,7 @@
                     <a:lstStyle/>
                     <a:p>
                       <a:r>
-                        <a:rPr lang="pt-BR" sz="1500">
+                        <a:rPr lang="pt-BR" sz="2400">
                           <a:latin typeface="Roboto" pitchFamily="2" charset="0"/>
                           <a:ea typeface="Roboto" pitchFamily="2" charset="0"/>
                         </a:rPr>
@@ -22403,7 +22304,7 @@
                   <a:tcPr marL="0" marR="0" marT="0" marB="0"/>
                 </a:tc>
               </a:tr>
-              <a:tr h="316991">
+              <a:tr h="343423">
                 <a:tc>
                   <a:txBody>
                     <a:bodyPr/>
@@ -22411,7 +22312,7 @@
                     <a:p>
                       <a:pPr algn="ctr"/>
                       <a:r>
-                        <a:rPr lang="pt-BR" sz="1500" b="1">
+                        <a:rPr lang="pt-BR" sz="2400" b="1">
                           <a:latin typeface="Roboto" pitchFamily="2" charset="0"/>
                           <a:ea typeface="Roboto" pitchFamily="2" charset="0"/>
                         </a:rPr>
@@ -22427,7 +22328,7 @@
                     <a:lstStyle/>
                     <a:p>
                       <a:r>
-                        <a:rPr lang="pt-BR" sz="1500">
+                        <a:rPr lang="pt-BR" sz="2400">
                           <a:latin typeface="Roboto" pitchFamily="2" charset="0"/>
                           <a:ea typeface="Roboto" pitchFamily="2" charset="0"/>
                         </a:rPr>
@@ -22438,7 +22339,7 @@
                   <a:tcPr marL="0" marR="0" marT="0" marB="0"/>
                 </a:tc>
               </a:tr>
-              <a:tr h="316991">
+              <a:tr h="343423">
                 <a:tc>
                   <a:txBody>
                     <a:bodyPr/>
@@ -22446,7 +22347,7 @@
                     <a:p>
                       <a:pPr algn="ctr"/>
                       <a:r>
-                        <a:rPr lang="pt-BR" sz="1500" b="1">
+                        <a:rPr lang="pt-BR" sz="2400" b="1">
                           <a:latin typeface="Roboto" pitchFamily="2" charset="0"/>
                           <a:ea typeface="Roboto" pitchFamily="2" charset="0"/>
                         </a:rPr>
@@ -22462,7 +22363,7 @@
                     <a:lstStyle/>
                     <a:p>
                       <a:r>
-                        <a:rPr lang="pt-BR" sz="1500">
+                        <a:rPr lang="pt-BR" sz="2400">
                           <a:latin typeface="Roboto" pitchFamily="2" charset="0"/>
                           <a:ea typeface="Roboto" pitchFamily="2" charset="0"/>
                         </a:rPr>
@@ -22473,7 +22374,7 @@
                   <a:tcPr marL="0" marR="0" marT="0" marB="0"/>
                 </a:tc>
               </a:tr>
-              <a:tr h="475488">
+              <a:tr h="651381">
                 <a:tc>
                   <a:txBody>
                     <a:bodyPr/>
@@ -22481,12 +22382,16 @@
                     <a:p>
                       <a:pPr algn="ctr"/>
                       <a:r>
-                        <a:rPr lang="pt-BR" sz="1500" b="1">
+                        <a:rPr lang="pt-BR" sz="2400" b="1" dirty="0" err="1">
                           <a:latin typeface="Roboto" pitchFamily="2" charset="0"/>
                           <a:ea typeface="Roboto" pitchFamily="2" charset="0"/>
                         </a:rPr>
                         <a:t>FloatType</a:t>
                       </a:r>
+                      <a:endParaRPr lang="pt-BR" sz="2400" b="1" dirty="0">
+                        <a:latin typeface="Roboto" pitchFamily="2" charset="0"/>
+                        <a:ea typeface="Roboto" pitchFamily="2" charset="0"/>
+                      </a:endParaRPr>
                     </a:p>
                   </a:txBody>
                   <a:tcPr marL="0" marR="0" marT="0" marB="0"/>
@@ -22497,7 +22402,7 @@
                     <a:lstStyle/>
                     <a:p>
                       <a:r>
-                        <a:rPr lang="pt-BR" sz="1500">
+                        <a:rPr lang="pt-BR" sz="2400">
                           <a:latin typeface="Roboto" pitchFamily="2" charset="0"/>
                           <a:ea typeface="Roboto" pitchFamily="2" charset="0"/>
                         </a:rPr>
@@ -22508,7 +22413,7 @@
                   <a:tcPr marL="0" marR="0" marT="0" marB="0"/>
                 </a:tc>
               </a:tr>
-              <a:tr h="475488">
+              <a:tr h="651381">
                 <a:tc>
                   <a:txBody>
                     <a:bodyPr/>
@@ -22516,7 +22421,7 @@
                     <a:p>
                       <a:pPr algn="ctr"/>
                       <a:r>
-                        <a:rPr lang="pt-BR" sz="1500" b="1">
+                        <a:rPr lang="pt-BR" sz="2400" b="1">
                           <a:latin typeface="Roboto" pitchFamily="2" charset="0"/>
                           <a:ea typeface="Roboto" pitchFamily="2" charset="0"/>
                         </a:rPr>
@@ -22532,7 +22437,7 @@
                     <a:lstStyle/>
                     <a:p>
                       <a:r>
-                        <a:rPr lang="pt-BR" sz="1500">
+                        <a:rPr lang="pt-BR" sz="2400">
                           <a:latin typeface="Roboto" pitchFamily="2" charset="0"/>
                           <a:ea typeface="Roboto" pitchFamily="2" charset="0"/>
                         </a:rPr>
@@ -22543,7 +22448,7 @@
                   <a:tcPr marL="0" marR="0" marT="0" marB="0"/>
                 </a:tc>
               </a:tr>
-              <a:tr h="316991">
+              <a:tr h="343423">
                 <a:tc>
                   <a:txBody>
                     <a:bodyPr/>
@@ -22551,13 +22456,13 @@
                     <a:p>
                       <a:pPr algn="ctr"/>
                       <a:r>
-                        <a:rPr lang="pt-BR" sz="1500" b="1" dirty="0" err="1">
+                        <a:rPr lang="pt-BR" sz="2400" b="1" dirty="0" err="1">
                           <a:latin typeface="Roboto" pitchFamily="2" charset="0"/>
                           <a:ea typeface="Roboto" pitchFamily="2" charset="0"/>
                         </a:rPr>
                         <a:t>DecimalType</a:t>
                       </a:r>
-                      <a:endParaRPr lang="pt-BR" sz="1500" b="1" dirty="0">
+                      <a:endParaRPr lang="pt-BR" sz="2400" b="1" dirty="0">
                         <a:latin typeface="Roboto" pitchFamily="2" charset="0"/>
                         <a:ea typeface="Roboto" pitchFamily="2" charset="0"/>
                       </a:endParaRPr>
@@ -22571,7 +22476,7 @@
                     <a:lstStyle/>
                     <a:p>
                       <a:r>
-                        <a:rPr lang="pt-BR" sz="1500">
+                        <a:rPr lang="pt-BR" sz="2400">
                           <a:latin typeface="Roboto" pitchFamily="2" charset="0"/>
                           <a:ea typeface="Roboto" pitchFamily="2" charset="0"/>
                         </a:rPr>
@@ -22582,7 +22487,7 @@
                   <a:tcPr marL="0" marR="0" marT="0" marB="0"/>
                 </a:tc>
               </a:tr>
-              <a:tr h="475488">
+              <a:tr h="651381">
                 <a:tc>
                   <a:txBody>
                     <a:bodyPr/>
@@ -22590,13 +22495,13 @@
                     <a:p>
                       <a:pPr algn="ctr"/>
                       <a:r>
-                        <a:rPr lang="pt-BR" sz="1500" b="1" dirty="0" err="1">
+                        <a:rPr lang="pt-BR" sz="2400" b="1" dirty="0" err="1">
                           <a:latin typeface="Roboto" pitchFamily="2" charset="0"/>
                           <a:ea typeface="Roboto" pitchFamily="2" charset="0"/>
                         </a:rPr>
                         <a:t>CounterColumnType</a:t>
                       </a:r>
-                      <a:endParaRPr lang="pt-BR" sz="1500" b="1" dirty="0">
+                      <a:endParaRPr lang="pt-BR" sz="2400" b="1" dirty="0">
                         <a:latin typeface="Roboto" pitchFamily="2" charset="0"/>
                         <a:ea typeface="Roboto" pitchFamily="2" charset="0"/>
                       </a:endParaRPr>
@@ -22610,7 +22515,7 @@
                     <a:lstStyle/>
                     <a:p>
                       <a:r>
-                        <a:rPr lang="pt-BR" sz="1500" dirty="0">
+                        <a:rPr lang="pt-BR" sz="2400" dirty="0">
                           <a:latin typeface="Roboto" pitchFamily="2" charset="0"/>
                           <a:ea typeface="Roboto" pitchFamily="2" charset="0"/>
                         </a:rPr>
@@ -22756,7 +22661,7 @@
     </p:spTree>
     <p:extLst>
       <p:ext uri="{BB962C8B-B14F-4D97-AF65-F5344CB8AC3E}">
-        <p14:creationId xmlns:p14="http://schemas.microsoft.com/office/powerpoint/2010/main" val="541831983"/>
+        <p14:creationId xmlns:p14="http://schemas.microsoft.com/office/powerpoint/2010/main" xmlns="" val="541831983"/>
       </p:ext>
     </p:extLst>
   </p:cSld>
@@ -22795,17 +22700,19 @@
         </p:nvSpPr>
         <p:spPr>
           <a:xfrm>
-            <a:off x="677333" y="2160589"/>
-            <a:ext cx="9136367" cy="3880773"/>
-          </a:xfrm>
-        </p:spPr>
-        <p:txBody>
-          <a:bodyPr/>
+            <a:off x="677333" y="1390650"/>
+            <a:ext cx="9136367" cy="5467350"/>
+          </a:xfrm>
+        </p:spPr>
+        <p:txBody>
+          <a:bodyPr>
+            <a:noAutofit/>
+          </a:bodyPr>
           <a:lstStyle/>
           <a:p>
             <a:pPr lvl="0"/>
             <a:r>
-              <a:rPr lang="pt-BR" sz="2400" dirty="0" smtClean="0">
+              <a:rPr lang="pt-BR" sz="3600" dirty="0" smtClean="0">
                 <a:latin typeface="Roboto" pitchFamily="2" charset="0"/>
                 <a:ea typeface="Roboto" pitchFamily="2" charset="0"/>
               </a:rPr>
@@ -22815,7 +22722,7 @@
           <a:p>
             <a:pPr lvl="0"/>
             <a:r>
-              <a:rPr lang="pt-BR" sz="2400" dirty="0" smtClean="0">
+              <a:rPr lang="pt-BR" sz="3600" dirty="0" smtClean="0">
                 <a:latin typeface="Roboto" pitchFamily="2" charset="0"/>
                 <a:ea typeface="Roboto" pitchFamily="2" charset="0"/>
               </a:rPr>
@@ -22825,7 +22732,7 @@
           <a:p>
             <a:pPr lvl="0"/>
             <a:r>
-              <a:rPr lang="pt-BR" sz="2400" dirty="0" smtClean="0">
+              <a:rPr lang="pt-BR" sz="3600" dirty="0" smtClean="0">
                 <a:latin typeface="Roboto" pitchFamily="2" charset="0"/>
                 <a:ea typeface="Roboto" pitchFamily="2" charset="0"/>
               </a:rPr>
@@ -22835,7 +22742,7 @@
           <a:p>
             <a:pPr lvl="0"/>
             <a:r>
-              <a:rPr lang="pt-BR" sz="2400" b="1" dirty="0" smtClean="0">
+              <a:rPr lang="pt-BR" sz="3600" b="1" dirty="0" smtClean="0">
                 <a:latin typeface="Roboto" pitchFamily="2" charset="0"/>
                 <a:ea typeface="Roboto" pitchFamily="2" charset="0"/>
               </a:rPr>
@@ -22845,7 +22752,7 @@
           <a:p>
             <a:pPr lvl="0"/>
             <a:r>
-              <a:rPr lang="pt-BR" sz="2400" b="1" dirty="0" smtClean="0">
+              <a:rPr lang="pt-BR" sz="3600" b="1" dirty="0" smtClean="0">
                 <a:latin typeface="Roboto" pitchFamily="2" charset="0"/>
                 <a:ea typeface="Roboto" pitchFamily="2" charset="0"/>
               </a:rPr>
@@ -22855,7 +22762,7 @@
           <a:p>
             <a:pPr lvl="0"/>
             <a:r>
-              <a:rPr lang="pt-BR" sz="2400" b="1" dirty="0" smtClean="0">
+              <a:rPr lang="pt-BR" sz="3600" b="1" dirty="0" smtClean="0">
                 <a:latin typeface="Roboto" pitchFamily="2" charset="0"/>
                 <a:ea typeface="Roboto" pitchFamily="2" charset="0"/>
               </a:rPr>
@@ -22865,7 +22772,7 @@
           <a:p>
             <a:pPr lvl="0"/>
             <a:r>
-              <a:rPr lang="pt-BR" sz="2400" b="1" dirty="0" smtClean="0">
+              <a:rPr lang="pt-BR" sz="3600" b="1" dirty="0" smtClean="0">
                 <a:latin typeface="Roboto" pitchFamily="2" charset="0"/>
                 <a:ea typeface="Roboto" pitchFamily="2" charset="0"/>
               </a:rPr>
@@ -22873,7 +22780,7 @@
             </a:r>
           </a:p>
           <a:p>
-            <a:endParaRPr lang="pt-BR" dirty="0"/>
+            <a:endParaRPr lang="pt-BR" sz="2800" dirty="0"/>
           </a:p>
         </p:txBody>
       </p:sp>
@@ -22889,7 +22796,7 @@
         </p:nvSpPr>
         <p:spPr>
           <a:xfrm>
-            <a:off x="587182" y="635358"/>
+            <a:off x="549082" y="254358"/>
             <a:ext cx="8596668" cy="1320800"/>
           </a:xfrm>
         </p:spPr>
@@ -22916,7 +22823,7 @@
     </p:spTree>
     <p:extLst>
       <p:ext uri="{BB962C8B-B14F-4D97-AF65-F5344CB8AC3E}">
-        <p14:creationId xmlns:p14="http://schemas.microsoft.com/office/powerpoint/2010/main" val="193815880"/>
+        <p14:creationId xmlns:p14="http://schemas.microsoft.com/office/powerpoint/2010/main" xmlns="" val="193815880"/>
       </p:ext>
     </p:extLst>
   </p:cSld>
@@ -22960,88 +22867,90 @@
           </a:xfrm>
         </p:spPr>
         <p:txBody>
-          <a:bodyPr/>
+          <a:bodyPr>
+            <a:normAutofit/>
+          </a:bodyPr>
           <a:lstStyle/>
           <a:p>
             <a:pPr algn="just"/>
             <a:r>
-              <a:rPr lang="pt-BR" sz="2400" dirty="0">
+              <a:rPr lang="pt-BR" sz="3600" dirty="0">
                 <a:latin typeface="Roboto" pitchFamily="2" charset="0"/>
                 <a:ea typeface="Roboto" pitchFamily="2" charset="0"/>
               </a:rPr>
               <a:t>Uma </a:t>
             </a:r>
             <a:r>
-              <a:rPr lang="pt-BR" sz="2400" dirty="0" err="1" smtClean="0">
+              <a:rPr lang="pt-BR" sz="3600" dirty="0" err="1" smtClean="0">
                 <a:latin typeface="Roboto" pitchFamily="2" charset="0"/>
                 <a:ea typeface="Roboto" pitchFamily="2" charset="0"/>
               </a:rPr>
               <a:t>supercoluna</a:t>
             </a:r>
             <a:r>
-              <a:rPr lang="pt-BR" sz="2400" dirty="0" smtClean="0">
+              <a:rPr lang="pt-BR" sz="3600" dirty="0" smtClean="0">
                 <a:latin typeface="Roboto" pitchFamily="2" charset="0"/>
                 <a:ea typeface="Roboto" pitchFamily="2" charset="0"/>
               </a:rPr>
               <a:t> </a:t>
             </a:r>
             <a:r>
-              <a:rPr lang="pt-BR" sz="2400" dirty="0">
+              <a:rPr lang="pt-BR" sz="3600" dirty="0">
                 <a:latin typeface="Roboto" pitchFamily="2" charset="0"/>
                 <a:ea typeface="Roboto" pitchFamily="2" charset="0"/>
               </a:rPr>
               <a:t>pode receber outra coluna como valor, sendo </a:t>
             </a:r>
             <a:r>
-              <a:rPr lang="pt-BR" sz="2400" dirty="0" smtClean="0">
+              <a:rPr lang="pt-BR" sz="3600" dirty="0" smtClean="0">
                 <a:latin typeface="Roboto" pitchFamily="2" charset="0"/>
                 <a:ea typeface="Roboto" pitchFamily="2" charset="0"/>
               </a:rPr>
               <a:t>esse </a:t>
             </a:r>
             <a:r>
-              <a:rPr lang="pt-BR" sz="2400" dirty="0">
+              <a:rPr lang="pt-BR" sz="3600" dirty="0">
                 <a:latin typeface="Roboto" pitchFamily="2" charset="0"/>
                 <a:ea typeface="Roboto" pitchFamily="2" charset="0"/>
               </a:rPr>
               <a:t>o limite máximo </a:t>
             </a:r>
             <a:r>
-              <a:rPr lang="pt-BR" sz="2400" dirty="0" smtClean="0">
+              <a:rPr lang="pt-BR" sz="3600" dirty="0" smtClean="0">
                 <a:latin typeface="Roboto" pitchFamily="2" charset="0"/>
                 <a:ea typeface="Roboto" pitchFamily="2" charset="0"/>
               </a:rPr>
               <a:t>na </a:t>
             </a:r>
             <a:r>
-              <a:rPr lang="pt-BR" sz="2400" dirty="0">
+              <a:rPr lang="pt-BR" sz="3600" dirty="0">
                 <a:latin typeface="Roboto" pitchFamily="2" charset="0"/>
                 <a:ea typeface="Roboto" pitchFamily="2" charset="0"/>
               </a:rPr>
               <a:t>estrutura de </a:t>
             </a:r>
             <a:r>
-              <a:rPr lang="pt-BR" sz="2400" dirty="0" smtClean="0">
+              <a:rPr lang="pt-BR" sz="3600" dirty="0" smtClean="0">
                 <a:latin typeface="Roboto" pitchFamily="2" charset="0"/>
                 <a:ea typeface="Roboto" pitchFamily="2" charset="0"/>
               </a:rPr>
               <a:t>colunas </a:t>
             </a:r>
             <a:r>
-              <a:rPr lang="pt-BR" sz="2400" dirty="0">
+              <a:rPr lang="pt-BR" sz="3600" dirty="0">
                 <a:latin typeface="Roboto" pitchFamily="2" charset="0"/>
                 <a:ea typeface="Roboto" pitchFamily="2" charset="0"/>
               </a:rPr>
               <a:t>que o </a:t>
             </a:r>
             <a:r>
-              <a:rPr lang="pt-BR" sz="2400" dirty="0" smtClean="0">
+              <a:rPr lang="pt-BR" sz="3600" dirty="0" smtClean="0">
                 <a:latin typeface="Roboto" pitchFamily="2" charset="0"/>
                 <a:ea typeface="Roboto" pitchFamily="2" charset="0"/>
               </a:rPr>
               <a:t>Cassandra suporta;</a:t>
             </a:r>
-            <a:endParaRPr lang="pt-BR" dirty="0"/>
+            <a:endParaRPr lang="pt-BR" sz="2800" dirty="0"/>
           </a:p>
         </p:txBody>
       </p:sp>
@@ -23057,7 +22966,7 @@
           <a:blip r:embed="rId2">
             <a:extLst>
               <a:ext uri="{28A0092B-C50C-407E-A947-70E740481C1C}">
-                <a14:useLocalDpi xmlns:a14="http://schemas.microsoft.com/office/drawing/2010/main" val="0"/>
+                <a14:useLocalDpi xmlns:a14="http://schemas.microsoft.com/office/drawing/2010/main" xmlns="" val="0"/>
               </a:ext>
             </a:extLst>
           </a:blip>
@@ -23077,7 +22986,7 @@
           <a:noFill/>
           <a:extLst>
             <a:ext uri="{909E8E84-426E-40DD-AFC4-6F175D3DCCD1}">
-              <a14:hiddenFill xmlns:a14="http://schemas.microsoft.com/office/drawing/2010/main">
+              <a14:hiddenFill xmlns:a14="http://schemas.microsoft.com/office/drawing/2010/main" xmlns="">
                 <a:solidFill>
                   <a:srgbClr val="FFFFFF"/>
                 </a:solidFill>
@@ -23217,7 +23126,7 @@
     </p:spTree>
     <p:extLst>
       <p:ext uri="{BB962C8B-B14F-4D97-AF65-F5344CB8AC3E}">
-        <p14:creationId xmlns:p14="http://schemas.microsoft.com/office/powerpoint/2010/main" val="3181598086"/>
+        <p14:creationId xmlns:p14="http://schemas.microsoft.com/office/powerpoint/2010/main" xmlns="" val="3181598086"/>
       </p:ext>
     </p:extLst>
   </p:cSld>
@@ -23246,7 +23155,7 @@
       </p:grpSpPr>
       <p:sp>
         <p:nvSpPr>
-          <p:cNvPr id="5" name="Title 1"/>
+          <p:cNvPr id="2" name="Title 1"/>
           <p:cNvSpPr>
             <a:spLocks noGrp="1"/>
           </p:cNvSpPr>
@@ -23256,33 +23165,25 @@
         </p:nvSpPr>
         <p:spPr>
           <a:xfrm>
-            <a:off x="677334" y="609600"/>
-            <a:ext cx="8596668" cy="1320800"/>
-          </a:xfrm>
-        </p:spPr>
-        <p:txBody>
-          <a:bodyPr>
-            <a:normAutofit/>
-          </a:bodyPr>
+            <a:off x="639234" y="152400"/>
+            <a:ext cx="8596668" cy="723900"/>
+          </a:xfrm>
+        </p:spPr>
+        <p:txBody>
+          <a:bodyPr/>
           <a:lstStyle/>
           <a:p>
             <a:r>
-              <a:rPr lang="pt-BR" sz="5400" b="1" dirty="0" smtClean="0">
-                <a:latin typeface="Roboto" pitchFamily="2" charset="0"/>
-                <a:ea typeface="Roboto" pitchFamily="2" charset="0"/>
-              </a:rPr>
-              <a:t>Considerações</a:t>
-            </a:r>
-            <a:endParaRPr lang="pt-BR" sz="5400" b="1" dirty="0">
-              <a:latin typeface="Roboto" pitchFamily="2" charset="0"/>
-              <a:ea typeface="Roboto" pitchFamily="2" charset="0"/>
-            </a:endParaRPr>
-          </a:p>
-        </p:txBody>
-      </p:sp>
-      <p:sp>
-        <p:nvSpPr>
-          <p:cNvPr id="7" name="Content Placeholder 2"/>
+              <a:rPr lang="pt-BR" dirty="0" smtClean="0"/>
+              <a:t>Instalação</a:t>
+            </a:r>
+            <a:endParaRPr lang="pt-BR" dirty="0"/>
+          </a:p>
+        </p:txBody>
+      </p:sp>
+      <p:sp>
+        <p:nvSpPr>
+          <p:cNvPr id="6" name="Content Placeholder 2"/>
           <p:cNvSpPr>
             <a:spLocks noGrp="1"/>
           </p:cNvSpPr>
@@ -23292,154 +23193,157 @@
         </p:nvSpPr>
         <p:spPr>
           <a:xfrm>
-            <a:off x="780364" y="1838618"/>
-            <a:ext cx="8917427" cy="3880773"/>
+            <a:off x="658284" y="941389"/>
+            <a:ext cx="8596668" cy="3880773"/>
           </a:xfrm>
         </p:spPr>
         <p:txBody>
           <a:bodyPr>
-            <a:normAutofit lnSpcReduction="10000"/>
+            <a:normAutofit/>
           </a:bodyPr>
           <a:lstStyle/>
           <a:p>
-            <a:pPr algn="just"/>
-            <a:r>
-              <a:rPr lang="pt-BR" sz="2400" dirty="0">
-                <a:latin typeface="Roboto" pitchFamily="2" charset="0"/>
-                <a:ea typeface="Roboto" pitchFamily="2" charset="0"/>
-              </a:rPr>
-              <a:t>Altas escalabilidade e disponibilidade, sem um ponto único de </a:t>
-            </a:r>
-            <a:r>
-              <a:rPr lang="pt-BR" sz="2400" dirty="0" smtClean="0">
-                <a:latin typeface="Roboto" pitchFamily="2" charset="0"/>
-                <a:ea typeface="Roboto" pitchFamily="2" charset="0"/>
-              </a:rPr>
-              <a:t>falha;</a:t>
-            </a:r>
-            <a:endParaRPr lang="pt-BR" sz="2400" dirty="0">
-              <a:latin typeface="Roboto" pitchFamily="2" charset="0"/>
-              <a:ea typeface="Roboto" pitchFamily="2" charset="0"/>
-            </a:endParaRPr>
-          </a:p>
-          <a:p>
-            <a:pPr algn="just"/>
-            <a:r>
-              <a:rPr lang="pt-BR" sz="2400" dirty="0">
-                <a:latin typeface="Roboto" pitchFamily="2" charset="0"/>
-                <a:ea typeface="Roboto" pitchFamily="2" charset="0"/>
-              </a:rPr>
-              <a:t>Implementação da família de colunas </a:t>
-            </a:r>
-            <a:r>
-              <a:rPr lang="pt-BR" sz="2400" dirty="0" err="1" smtClean="0">
-                <a:latin typeface="Roboto" pitchFamily="2" charset="0"/>
-                <a:ea typeface="Roboto" pitchFamily="2" charset="0"/>
-              </a:rPr>
-              <a:t>NoSQL</a:t>
-            </a:r>
-            <a:r>
-              <a:rPr lang="pt-BR" sz="2400" dirty="0" smtClean="0">
-                <a:latin typeface="Roboto" pitchFamily="2" charset="0"/>
-                <a:ea typeface="Roboto" pitchFamily="2" charset="0"/>
-              </a:rPr>
-              <a:t>;</a:t>
-            </a:r>
-            <a:endParaRPr lang="pt-BR" sz="2400" dirty="0">
-              <a:latin typeface="Roboto" pitchFamily="2" charset="0"/>
-              <a:ea typeface="Roboto" pitchFamily="2" charset="0"/>
-            </a:endParaRPr>
-          </a:p>
-          <a:p>
-            <a:pPr algn="just"/>
-            <a:r>
-              <a:rPr lang="pt-BR" sz="2400" dirty="0">
-                <a:latin typeface="Roboto" pitchFamily="2" charset="0"/>
-                <a:ea typeface="Roboto" pitchFamily="2" charset="0"/>
-              </a:rPr>
-              <a:t>Rendimento de gravação muito alto e bom rendimento de </a:t>
-            </a:r>
-            <a:r>
-              <a:rPr lang="pt-BR" sz="2400" dirty="0" smtClean="0">
-                <a:latin typeface="Roboto" pitchFamily="2" charset="0"/>
-                <a:ea typeface="Roboto" pitchFamily="2" charset="0"/>
-              </a:rPr>
-              <a:t>leitura;</a:t>
-            </a:r>
-            <a:endParaRPr lang="pt-BR" sz="2400" dirty="0">
-              <a:latin typeface="Roboto" pitchFamily="2" charset="0"/>
-              <a:ea typeface="Roboto" pitchFamily="2" charset="0"/>
-            </a:endParaRPr>
-          </a:p>
-          <a:p>
-            <a:pPr algn="just"/>
-            <a:r>
-              <a:rPr lang="pt-BR" sz="2400" dirty="0">
-                <a:latin typeface="Roboto" pitchFamily="2" charset="0"/>
-                <a:ea typeface="Roboto" pitchFamily="2" charset="0"/>
-              </a:rPr>
-              <a:t>Linguagem de consulta semelhante a SQL (desde 0.8) e suporte para procura por índices </a:t>
-            </a:r>
-            <a:r>
-              <a:rPr lang="pt-BR" sz="2400" dirty="0" smtClean="0">
-                <a:latin typeface="Roboto" pitchFamily="2" charset="0"/>
-                <a:ea typeface="Roboto" pitchFamily="2" charset="0"/>
-              </a:rPr>
-              <a:t>secundários;</a:t>
-            </a:r>
-            <a:endParaRPr lang="pt-BR" sz="2400" dirty="0">
-              <a:latin typeface="Roboto" pitchFamily="2" charset="0"/>
-              <a:ea typeface="Roboto" pitchFamily="2" charset="0"/>
-            </a:endParaRPr>
-          </a:p>
-          <a:p>
-            <a:pPr algn="just"/>
-            <a:r>
-              <a:rPr lang="pt-BR" sz="2400" dirty="0">
-                <a:latin typeface="Roboto" pitchFamily="2" charset="0"/>
-                <a:ea typeface="Roboto" pitchFamily="2" charset="0"/>
-              </a:rPr>
-              <a:t>Consistência ajustável e suporte para </a:t>
-            </a:r>
-            <a:r>
-              <a:rPr lang="pt-BR" sz="2400" dirty="0" smtClean="0">
-                <a:latin typeface="Roboto" pitchFamily="2" charset="0"/>
-                <a:ea typeface="Roboto" pitchFamily="2" charset="0"/>
-              </a:rPr>
-              <a:t>replicação;</a:t>
-            </a:r>
-            <a:endParaRPr lang="pt-BR" sz="2400" dirty="0">
-              <a:latin typeface="Roboto" pitchFamily="2" charset="0"/>
-              <a:ea typeface="Roboto" pitchFamily="2" charset="0"/>
-            </a:endParaRPr>
-          </a:p>
-          <a:p>
-            <a:pPr algn="just"/>
-            <a:r>
-              <a:rPr lang="pt-BR" sz="2400" dirty="0">
-                <a:latin typeface="Roboto" pitchFamily="2" charset="0"/>
-                <a:ea typeface="Roboto" pitchFamily="2" charset="0"/>
-              </a:rPr>
-              <a:t>Esquema </a:t>
-            </a:r>
-            <a:r>
-              <a:rPr lang="pt-BR" sz="2400" dirty="0" smtClean="0">
-                <a:latin typeface="Roboto" pitchFamily="2" charset="0"/>
-                <a:ea typeface="Roboto" pitchFamily="2" charset="0"/>
-              </a:rPr>
-              <a:t>flexível;</a:t>
-            </a:r>
-            <a:endParaRPr lang="pt-BR" sz="2400" dirty="0">
-              <a:latin typeface="Roboto" pitchFamily="2" charset="0"/>
-              <a:ea typeface="Roboto" pitchFamily="2" charset="0"/>
-            </a:endParaRPr>
-          </a:p>
-        </p:txBody>
-      </p:sp>
+            <a:r>
+              <a:rPr lang="pt-BR" dirty="0" smtClean="0"/>
+              <a:t>Instalar o JRE (Java </a:t>
+            </a:r>
+            <a:r>
+              <a:rPr lang="pt-BR" dirty="0" err="1" smtClean="0"/>
+              <a:t>Runtime</a:t>
+            </a:r>
+            <a:r>
+              <a:rPr lang="pt-BR" dirty="0" smtClean="0"/>
+              <a:t> </a:t>
+            </a:r>
+            <a:r>
+              <a:rPr lang="pt-BR" dirty="0" err="1" smtClean="0"/>
+              <a:t>Environment</a:t>
+            </a:r>
+            <a:r>
+              <a:rPr lang="pt-BR" dirty="0" smtClean="0"/>
+              <a:t>)  e criar uma variável de ambiente JAVA_HOME;</a:t>
+            </a:r>
+          </a:p>
+          <a:p>
+            <a:endParaRPr lang="pt-BR" dirty="0" smtClean="0"/>
+          </a:p>
+          <a:p>
+            <a:endParaRPr lang="pt-BR" dirty="0" smtClean="0"/>
+          </a:p>
+          <a:p>
+            <a:endParaRPr lang="pt-BR" dirty="0" smtClean="0"/>
+          </a:p>
+          <a:p>
+            <a:endParaRPr lang="pt-BR" dirty="0" smtClean="0"/>
+          </a:p>
+          <a:p>
+            <a:endParaRPr lang="pt-BR" dirty="0" smtClean="0"/>
+          </a:p>
+          <a:p>
+            <a:r>
+              <a:rPr lang="pt-BR" dirty="0" smtClean="0"/>
+              <a:t>Baixar o pacote Apache Cassandra (</a:t>
+            </a:r>
+            <a:r>
+              <a:rPr lang="pt-BR" dirty="0" smtClean="0">
+                <a:hlinkClick r:id="rId2"/>
+              </a:rPr>
+              <a:t>http://cassandra.apache.org/download/</a:t>
+            </a:r>
+            <a:r>
+              <a:rPr lang="pt-BR" dirty="0" smtClean="0"/>
+              <a:t>)</a:t>
+            </a:r>
+          </a:p>
+          <a:p>
+            <a:pPr lvl="1"/>
+            <a:r>
+              <a:rPr lang="pt-BR" dirty="0" smtClean="0"/>
+              <a:t>Extrair e executar o “</a:t>
+            </a:r>
+            <a:r>
+              <a:rPr lang="pt-BR" dirty="0" err="1" smtClean="0"/>
+              <a:t>cassandra</a:t>
+            </a:r>
+            <a:r>
+              <a:rPr lang="pt-BR" dirty="0" smtClean="0"/>
+              <a:t>.</a:t>
+            </a:r>
+            <a:r>
+              <a:rPr lang="pt-BR" dirty="0" err="1" smtClean="0"/>
+              <a:t>bat</a:t>
+            </a:r>
+            <a:r>
+              <a:rPr lang="pt-BR" dirty="0" smtClean="0"/>
+              <a:t>” da pasta </a:t>
+            </a:r>
+            <a:r>
+              <a:rPr lang="pt-BR" dirty="0" err="1" smtClean="0"/>
+              <a:t>bin</a:t>
+            </a:r>
+            <a:r>
+              <a:rPr lang="pt-BR" dirty="0" smtClean="0"/>
+              <a:t>:</a:t>
+            </a:r>
+          </a:p>
+        </p:txBody>
+      </p:sp>
+      <p:pic>
+        <p:nvPicPr>
+          <p:cNvPr id="1026" name="Picture 2" descr="C:\Users\Rodrigo\Desktop\011011_1239_nosqlinstal7.png"/>
+          <p:cNvPicPr>
+            <a:picLocks noChangeAspect="1" noChangeArrowheads="1"/>
+          </p:cNvPicPr>
+          <p:nvPr/>
+        </p:nvPicPr>
+        <p:blipFill>
+          <a:blip r:embed="rId3"/>
+          <a:srcRect/>
+          <a:stretch>
+            <a:fillRect/>
+          </a:stretch>
+        </p:blipFill>
+        <p:spPr bwMode="auto">
+          <a:xfrm>
+            <a:off x="2490788" y="1624013"/>
+            <a:ext cx="3400425" cy="1457325"/>
+          </a:xfrm>
+          <a:prstGeom prst="rect">
+            <a:avLst/>
+          </a:prstGeom>
+          <a:noFill/>
+        </p:spPr>
+      </p:pic>
+      <p:pic>
+        <p:nvPicPr>
+          <p:cNvPr id="1027" name="Picture 3" descr="C:\Users\Rodrigo\Desktop\011011_1239_nosqlinstal2.png"/>
+          <p:cNvPicPr>
+            <a:picLocks noChangeAspect="1" noChangeArrowheads="1"/>
+          </p:cNvPicPr>
+          <p:nvPr/>
+        </p:nvPicPr>
+        <p:blipFill>
+          <a:blip r:embed="rId4"/>
+          <a:srcRect b="41854"/>
+          <a:stretch>
+            <a:fillRect/>
+          </a:stretch>
+        </p:blipFill>
+        <p:spPr bwMode="auto">
+          <a:xfrm>
+            <a:off x="1452562" y="4438650"/>
+            <a:ext cx="5610226" cy="1971675"/>
+          </a:xfrm>
+          <a:prstGeom prst="rect">
+            <a:avLst/>
+          </a:prstGeom>
+          <a:noFill/>
+        </p:spPr>
+      </p:pic>
     </p:spTree>
     <p:extLst>
       <p:ext uri="{BB962C8B-B14F-4D97-AF65-F5344CB8AC3E}">
-        <p14:creationId xmlns:p14="http://schemas.microsoft.com/office/powerpoint/2010/main" val="3841440733"/>
+        <p14:creationId xmlns="" xmlns:p14="http://schemas.microsoft.com/office/powerpoint/2010/main" val="3181598086"/>
       </p:ext>
     </p:extLst>
   </p:cSld>
@@ -23466,9 +23370,41 @@
           <a:chExt cx="0" cy="0"/>
         </a:xfrm>
       </p:grpSpPr>
-      <p:sp>
-        <p:nvSpPr>
-          <p:cNvPr id="4" name="Title 1"/>
+      <p:pic>
+        <p:nvPicPr>
+          <p:cNvPr id="2050" name="Picture 2"/>
+          <p:cNvPicPr>
+            <a:picLocks noChangeAspect="1" noChangeArrowheads="1"/>
+          </p:cNvPicPr>
+          <p:nvPr/>
+        </p:nvPicPr>
+        <p:blipFill>
+          <a:blip r:embed="rId2"/>
+          <a:srcRect/>
+          <a:stretch>
+            <a:fillRect/>
+          </a:stretch>
+        </p:blipFill>
+        <p:spPr bwMode="auto">
+          <a:xfrm>
+            <a:off x="1803400" y="1276350"/>
+            <a:ext cx="6448425" cy="3257550"/>
+          </a:xfrm>
+          <a:prstGeom prst="rect">
+            <a:avLst/>
+          </a:prstGeom>
+          <a:noFill/>
+          <a:ln w="9525">
+            <a:noFill/>
+            <a:miter lim="800000"/>
+            <a:headEnd/>
+            <a:tailEnd/>
+          </a:ln>
+        </p:spPr>
+      </p:pic>
+      <p:sp>
+        <p:nvSpPr>
+          <p:cNvPr id="9" name="Title 1"/>
           <p:cNvSpPr>
             <a:spLocks noGrp="1"/>
           </p:cNvSpPr>
@@ -23478,204 +23414,26 @@
         </p:nvSpPr>
         <p:spPr>
           <a:xfrm>
-            <a:off x="677334" y="609600"/>
-            <a:ext cx="8596668" cy="1320800"/>
-          </a:xfrm>
-        </p:spPr>
-        <p:txBody>
-          <a:bodyPr>
-            <a:normAutofit/>
-          </a:bodyPr>
+            <a:off x="639234" y="152400"/>
+            <a:ext cx="8596668" cy="723900"/>
+          </a:xfrm>
+        </p:spPr>
+        <p:txBody>
+          <a:bodyPr/>
           <a:lstStyle/>
           <a:p>
             <a:r>
-              <a:rPr lang="pt-BR" sz="5400" b="1" dirty="0" smtClean="0">
-                <a:latin typeface="Roboto" pitchFamily="2" charset="0"/>
-                <a:ea typeface="Roboto" pitchFamily="2" charset="0"/>
-              </a:rPr>
-              <a:t>Considerações</a:t>
-            </a:r>
-            <a:endParaRPr lang="pt-BR" sz="5400" b="1" dirty="0">
-              <a:latin typeface="Roboto" pitchFamily="2" charset="0"/>
-              <a:ea typeface="Roboto" pitchFamily="2" charset="0"/>
-            </a:endParaRPr>
-          </a:p>
-        </p:txBody>
-      </p:sp>
-      <p:sp>
-        <p:nvSpPr>
-          <p:cNvPr id="5" name="Content Placeholder 2"/>
-          <p:cNvSpPr>
-            <a:spLocks noGrp="1"/>
-          </p:cNvSpPr>
-          <p:nvPr>
-            <p:ph idx="1"/>
-          </p:nvPr>
-        </p:nvSpPr>
-        <p:spPr>
-          <a:xfrm>
-            <a:off x="780364" y="1838618"/>
-            <a:ext cx="8917427" cy="4716728"/>
-          </a:xfrm>
-        </p:spPr>
-        <p:txBody>
-          <a:bodyPr>
-            <a:normAutofit/>
-          </a:bodyPr>
-          <a:lstStyle/>
-          <a:p>
-            <a:pPr algn="just"/>
-            <a:r>
-              <a:rPr lang="pt-BR" sz="2400" dirty="0">
-                <a:latin typeface="Roboto" pitchFamily="2" charset="0"/>
-                <a:ea typeface="Roboto" pitchFamily="2" charset="0"/>
-              </a:rPr>
-              <a:t>Sem transações, sem </a:t>
-            </a:r>
-            <a:r>
-              <a:rPr lang="pt-BR" sz="2400" dirty="0" err="1" smtClean="0">
-                <a:latin typeface="Roboto" pitchFamily="2" charset="0"/>
-                <a:ea typeface="Roboto" pitchFamily="2" charset="0"/>
-              </a:rPr>
-              <a:t>JOINs</a:t>
-            </a:r>
-            <a:r>
-              <a:rPr lang="pt-BR" sz="2400" dirty="0" smtClean="0">
-                <a:latin typeface="Roboto" pitchFamily="2" charset="0"/>
-                <a:ea typeface="Roboto" pitchFamily="2" charset="0"/>
-              </a:rPr>
-              <a:t>;</a:t>
-            </a:r>
-          </a:p>
-          <a:p>
-            <a:pPr algn="just"/>
-            <a:r>
-              <a:rPr lang="pt-BR" sz="2400" dirty="0">
-                <a:latin typeface="Roboto" pitchFamily="2" charset="0"/>
-                <a:ea typeface="Roboto" pitchFamily="2" charset="0"/>
-              </a:rPr>
-              <a:t>Sem chaves estrangeiras. As chaves são </a:t>
-            </a:r>
-            <a:r>
-              <a:rPr lang="pt-BR" sz="2400" dirty="0" smtClean="0">
-                <a:latin typeface="Roboto" pitchFamily="2" charset="0"/>
-                <a:ea typeface="Roboto" pitchFamily="2" charset="0"/>
-              </a:rPr>
-              <a:t>imutáveis;</a:t>
-            </a:r>
-          </a:p>
-          <a:p>
-            <a:pPr algn="just"/>
-            <a:r>
-              <a:rPr lang="pt-BR" sz="2400" dirty="0">
-                <a:latin typeface="Roboto" pitchFamily="2" charset="0"/>
-                <a:ea typeface="Roboto" pitchFamily="2" charset="0"/>
-              </a:rPr>
-              <a:t>As chaves devem ser </a:t>
-            </a:r>
-            <a:r>
-              <a:rPr lang="pt-BR" sz="2400" dirty="0" smtClean="0">
-                <a:latin typeface="Roboto" pitchFamily="2" charset="0"/>
-                <a:ea typeface="Roboto" pitchFamily="2" charset="0"/>
-              </a:rPr>
-              <a:t>exclusivas;</a:t>
-            </a:r>
-          </a:p>
-          <a:p>
-            <a:pPr algn="just"/>
-            <a:r>
-              <a:rPr lang="pt-BR" sz="2400" dirty="0">
-                <a:latin typeface="Roboto" pitchFamily="2" charset="0"/>
-                <a:ea typeface="Roboto" pitchFamily="2" charset="0"/>
-              </a:rPr>
-              <a:t>Operações com falha podem deixar </a:t>
-            </a:r>
-            <a:r>
-              <a:rPr lang="pt-BR" sz="2400" dirty="0" smtClean="0">
-                <a:latin typeface="Roboto" pitchFamily="2" charset="0"/>
-                <a:ea typeface="Roboto" pitchFamily="2" charset="0"/>
-              </a:rPr>
-              <a:t>mudanças;</a:t>
-            </a:r>
-          </a:p>
-          <a:p>
-            <a:pPr algn="just"/>
-            <a:r>
-              <a:rPr lang="pt-BR" sz="2400" dirty="0">
-                <a:latin typeface="Roboto" pitchFamily="2" charset="0"/>
-                <a:ea typeface="Roboto" pitchFamily="2" charset="0"/>
-              </a:rPr>
-              <a:t>A procura é </a:t>
-            </a:r>
-            <a:r>
-              <a:rPr lang="pt-BR" sz="2400" dirty="0" smtClean="0">
-                <a:latin typeface="Roboto" pitchFamily="2" charset="0"/>
-                <a:ea typeface="Roboto" pitchFamily="2" charset="0"/>
-              </a:rPr>
-              <a:t>complicada;</a:t>
-            </a:r>
-          </a:p>
-          <a:p>
-            <a:pPr algn="just"/>
-            <a:r>
-              <a:rPr lang="pt-BR" sz="2400" dirty="0">
-                <a:latin typeface="Roboto" pitchFamily="2" charset="0"/>
-                <a:ea typeface="Roboto" pitchFamily="2" charset="0"/>
-              </a:rPr>
-              <a:t>Recomenda-se não usar </a:t>
-            </a:r>
-            <a:r>
-              <a:rPr lang="pt-BR" sz="2400" dirty="0" err="1">
-                <a:latin typeface="Roboto" pitchFamily="2" charset="0"/>
-                <a:ea typeface="Roboto" pitchFamily="2" charset="0"/>
-              </a:rPr>
-              <a:t>supercolunas</a:t>
-            </a:r>
-            <a:r>
-              <a:rPr lang="pt-BR" sz="2400" dirty="0">
-                <a:latin typeface="Roboto" pitchFamily="2" charset="0"/>
-                <a:ea typeface="Roboto" pitchFamily="2" charset="0"/>
-              </a:rPr>
-              <a:t> e particionadores de </a:t>
-            </a:r>
-            <a:r>
-              <a:rPr lang="pt-BR" sz="2400" dirty="0" smtClean="0">
-                <a:latin typeface="Roboto" pitchFamily="2" charset="0"/>
-                <a:ea typeface="Roboto" pitchFamily="2" charset="0"/>
-              </a:rPr>
-              <a:t>preservação;</a:t>
-            </a:r>
-          </a:p>
-          <a:p>
-            <a:pPr algn="just"/>
-            <a:r>
-              <a:rPr lang="pt-BR" sz="2400" dirty="0">
-                <a:latin typeface="Roboto" pitchFamily="2" charset="0"/>
-                <a:ea typeface="Roboto" pitchFamily="2" charset="0"/>
-              </a:rPr>
-              <a:t>A recuperação da falha é </a:t>
-            </a:r>
-            <a:r>
-              <a:rPr lang="pt-BR" sz="2400" dirty="0" smtClean="0">
-                <a:latin typeface="Roboto" pitchFamily="2" charset="0"/>
-                <a:ea typeface="Roboto" pitchFamily="2" charset="0"/>
-              </a:rPr>
-              <a:t>manual.</a:t>
-            </a:r>
-          </a:p>
-          <a:p>
-            <a:pPr algn="just"/>
-            <a:endParaRPr lang="pt-BR" sz="2400" dirty="0">
-              <a:latin typeface="Roboto" pitchFamily="2" charset="0"/>
-              <a:ea typeface="Roboto" pitchFamily="2" charset="0"/>
-            </a:endParaRPr>
+              <a:rPr lang="pt-BR" dirty="0" smtClean="0"/>
+              <a:t>Instalação</a:t>
+            </a:r>
+            <a:endParaRPr lang="pt-BR" dirty="0"/>
           </a:p>
         </p:txBody>
       </p:sp>
     </p:spTree>
     <p:extLst>
       <p:ext uri="{BB962C8B-B14F-4D97-AF65-F5344CB8AC3E}">
-        <p14:creationId xmlns:p14="http://schemas.microsoft.com/office/powerpoint/2010/main" val="176991499"/>
+        <p14:creationId xmlns="" xmlns:p14="http://schemas.microsoft.com/office/powerpoint/2010/main" val="3181598086"/>
       </p:ext>
     </p:extLst>
   </p:cSld>
@@ -23704,7 +23462,43 @@
       </p:grpSpPr>
       <p:sp>
         <p:nvSpPr>
-          <p:cNvPr id="5" name="Content Placeholder 2"/>
+          <p:cNvPr id="5" name="Title 1"/>
+          <p:cNvSpPr>
+            <a:spLocks noGrp="1"/>
+          </p:cNvSpPr>
+          <p:nvPr>
+            <p:ph type="title"/>
+          </p:nvPr>
+        </p:nvSpPr>
+        <p:spPr>
+          <a:xfrm>
+            <a:off x="677334" y="609600"/>
+            <a:ext cx="8596668" cy="1320800"/>
+          </a:xfrm>
+        </p:spPr>
+        <p:txBody>
+          <a:bodyPr>
+            <a:normAutofit/>
+          </a:bodyPr>
+          <a:lstStyle/>
+          <a:p>
+            <a:r>
+              <a:rPr lang="pt-BR" sz="5400" b="1" dirty="0" smtClean="0">
+                <a:latin typeface="Roboto" pitchFamily="2" charset="0"/>
+                <a:ea typeface="Roboto" pitchFamily="2" charset="0"/>
+              </a:rPr>
+              <a:t>Considerações</a:t>
+            </a:r>
+            <a:endParaRPr lang="pt-BR" sz="5400" b="1" dirty="0">
+              <a:latin typeface="Roboto" pitchFamily="2" charset="0"/>
+              <a:ea typeface="Roboto" pitchFamily="2" charset="0"/>
+            </a:endParaRPr>
+          </a:p>
+        </p:txBody>
+      </p:sp>
+      <p:sp>
+        <p:nvSpPr>
+          <p:cNvPr id="7" name="Content Placeholder 2"/>
           <p:cNvSpPr>
             <a:spLocks noGrp="1"/>
           </p:cNvSpPr>
@@ -23714,93 +23508,32 @@
         </p:nvSpPr>
         <p:spPr>
           <a:xfrm>
-            <a:off x="643945" y="1687132"/>
-            <a:ext cx="8100810" cy="5170868"/>
+            <a:off x="780364" y="1524000"/>
+            <a:ext cx="8917427" cy="4347791"/>
           </a:xfrm>
         </p:spPr>
         <p:txBody>
           <a:bodyPr>
-            <a:normAutofit fontScale="55000" lnSpcReduction="20000"/>
+            <a:noAutofit/>
           </a:bodyPr>
           <a:lstStyle/>
           <a:p>
             <a:pPr algn="just"/>
             <a:r>
-              <a:rPr lang="pt-BR" sz="2900" b="1" dirty="0">
-                <a:latin typeface="Roboto" pitchFamily="2" charset="0"/>
-                <a:ea typeface="Roboto" pitchFamily="2" charset="0"/>
-              </a:rPr>
-              <a:t>Python:</a:t>
-            </a:r>
-          </a:p>
-          <a:p>
-            <a:pPr lvl="1" algn="just"/>
-            <a:r>
-              <a:rPr lang="pt-BR" sz="2500" dirty="0" err="1">
-                <a:latin typeface="Roboto" pitchFamily="2" charset="0"/>
-                <a:ea typeface="Roboto" pitchFamily="2" charset="0"/>
-              </a:rPr>
-              <a:t>Pycassa</a:t>
-            </a:r>
-            <a:r>
-              <a:rPr lang="pt-BR" sz="2500" dirty="0">
-                <a:latin typeface="Roboto" pitchFamily="2" charset="0"/>
-                <a:ea typeface="Roboto" pitchFamily="2" charset="0"/>
-              </a:rPr>
-              <a:t>: http://github.com/pycassa/pycassa</a:t>
-            </a:r>
-          </a:p>
-          <a:p>
-            <a:pPr algn="just"/>
-            <a:r>
-              <a:rPr lang="pt-BR" sz="3100" b="1" dirty="0" smtClean="0">
-                <a:latin typeface="Roboto" pitchFamily="2" charset="0"/>
-                <a:ea typeface="Roboto" pitchFamily="2" charset="0"/>
-              </a:rPr>
-              <a:t>Java</a:t>
-            </a:r>
-            <a:r>
-              <a:rPr lang="pt-BR" sz="3100" b="1" dirty="0">
-                <a:latin typeface="Roboto" pitchFamily="2" charset="0"/>
-                <a:ea typeface="Roboto" pitchFamily="2" charset="0"/>
-              </a:rPr>
-              <a:t>:</a:t>
-            </a:r>
-          </a:p>
-          <a:p>
-            <a:pPr lvl="1" algn="just"/>
-            <a:r>
-              <a:rPr lang="pt-BR" sz="2500" dirty="0">
-                <a:latin typeface="Roboto" pitchFamily="2" charset="0"/>
-                <a:ea typeface="Roboto" pitchFamily="2" charset="0"/>
-              </a:rPr>
-              <a:t>Hector: http://hector-client.org</a:t>
-            </a:r>
-          </a:p>
-          <a:p>
-            <a:pPr lvl="1" algn="just"/>
-            <a:r>
-              <a:rPr lang="pt-BR" sz="2500" dirty="0" err="1">
-                <a:latin typeface="Roboto" pitchFamily="2" charset="0"/>
-                <a:ea typeface="Roboto" pitchFamily="2" charset="0"/>
-              </a:rPr>
-              <a:t>EasyCassandra</a:t>
-            </a:r>
-            <a:r>
-              <a:rPr lang="pt-BR" sz="2500" dirty="0">
-                <a:latin typeface="Roboto" pitchFamily="2" charset="0"/>
-                <a:ea typeface="Roboto" pitchFamily="2" charset="0"/>
-              </a:rPr>
-              <a:t>: https://</a:t>
-            </a:r>
-            <a:r>
-              <a:rPr lang="pt-BR" sz="2500" dirty="0" smtClean="0">
-                <a:latin typeface="Roboto" pitchFamily="2" charset="0"/>
-                <a:ea typeface="Roboto" pitchFamily="2" charset="0"/>
-              </a:rPr>
-              <a:t>github.com/otaviojava/Easy-Cassandra</a:t>
-            </a:r>
-            <a:endParaRPr lang="pt-BR" sz="2500" b="1" dirty="0">
+              <a:rPr lang="pt-BR" sz="3200" dirty="0">
+                <a:latin typeface="Roboto" pitchFamily="2" charset="0"/>
+                <a:ea typeface="Roboto" pitchFamily="2" charset="0"/>
+              </a:rPr>
+              <a:t>Altas escalabilidade e disponibilidade, sem um ponto único de </a:t>
+            </a:r>
+            <a:r>
+              <a:rPr lang="pt-BR" sz="3200" dirty="0" smtClean="0">
+                <a:latin typeface="Roboto" pitchFamily="2" charset="0"/>
+                <a:ea typeface="Roboto" pitchFamily="2" charset="0"/>
+              </a:rPr>
+              <a:t>falha;</a:t>
+            </a:r>
+            <a:endParaRPr lang="pt-BR" sz="3200" dirty="0">
               <a:latin typeface="Roboto" pitchFamily="2" charset="0"/>
               <a:ea typeface="Roboto" pitchFamily="2" charset="0"/>
             </a:endParaRPr>
@@ -23808,211 +23541,121 @@
           <a:p>
             <a:pPr algn="just"/>
             <a:r>
-              <a:rPr lang="pt-BR" sz="2900" b="1" dirty="0">
-                <a:latin typeface="Roboto" pitchFamily="2" charset="0"/>
-                <a:ea typeface="Roboto" pitchFamily="2" charset="0"/>
-              </a:rPr>
-              <a:t>. NET</a:t>
-            </a:r>
-          </a:p>
-          <a:p>
-            <a:pPr lvl="1" algn="just"/>
-            <a:r>
-              <a:rPr lang="pt-BR" sz="2500" dirty="0">
-                <a:latin typeface="Roboto" pitchFamily="2" charset="0"/>
-                <a:ea typeface="Roboto" pitchFamily="2" charset="0"/>
-              </a:rPr>
-              <a:t>Aquiles: http://aquiles.codeplex.com/</a:t>
-            </a:r>
-          </a:p>
-          <a:p>
-            <a:pPr lvl="1" algn="just"/>
-            <a:r>
-              <a:rPr lang="pt-BR" sz="2500" dirty="0" err="1">
-                <a:latin typeface="Roboto" pitchFamily="2" charset="0"/>
-                <a:ea typeface="Roboto" pitchFamily="2" charset="0"/>
-              </a:rPr>
-              <a:t>Cassandraemon</a:t>
-            </a:r>
-            <a:r>
-              <a:rPr lang="pt-BR" sz="2500" dirty="0">
-                <a:latin typeface="Roboto" pitchFamily="2" charset="0"/>
-                <a:ea typeface="Roboto" pitchFamily="2" charset="0"/>
-              </a:rPr>
-              <a:t>: http://cassandraemon.codeplex.com/</a:t>
-            </a:r>
-          </a:p>
-          <a:p>
-            <a:pPr algn="just"/>
-            <a:r>
-              <a:rPr lang="pt-BR" sz="2500" b="1" dirty="0">
-                <a:latin typeface="Roboto" pitchFamily="2" charset="0"/>
-                <a:ea typeface="Roboto" pitchFamily="2" charset="0"/>
-              </a:rPr>
-              <a:t> </a:t>
-            </a:r>
-            <a:r>
-              <a:rPr lang="pt-BR" sz="2900" b="1" dirty="0" err="1">
-                <a:latin typeface="Roboto" pitchFamily="2" charset="0"/>
-                <a:ea typeface="Roboto" pitchFamily="2" charset="0"/>
-              </a:rPr>
-              <a:t>Ruby</a:t>
-            </a:r>
-            <a:r>
-              <a:rPr lang="pt-BR" sz="2900" b="1" dirty="0">
-                <a:latin typeface="Roboto" pitchFamily="2" charset="0"/>
-                <a:ea typeface="Roboto" pitchFamily="2" charset="0"/>
-              </a:rPr>
-              <a:t>:</a:t>
-            </a:r>
-          </a:p>
-          <a:p>
-            <a:pPr lvl="1" algn="just"/>
-            <a:r>
-              <a:rPr lang="pt-BR" sz="2500" dirty="0">
-                <a:latin typeface="Roboto" pitchFamily="2" charset="0"/>
-                <a:ea typeface="Roboto" pitchFamily="2" charset="0"/>
-              </a:rPr>
-              <a:t>Fauna: https://github.com/twitter/cassandra</a:t>
-            </a:r>
-          </a:p>
-          <a:p>
-            <a:pPr algn="just"/>
-            <a:r>
-              <a:rPr lang="pt-BR" sz="2900" b="1" dirty="0">
-                <a:latin typeface="Roboto" pitchFamily="2" charset="0"/>
-                <a:ea typeface="Roboto" pitchFamily="2" charset="0"/>
-              </a:rPr>
-              <a:t> PHP:</a:t>
-            </a:r>
-          </a:p>
-          <a:p>
-            <a:pPr lvl="1" algn="just"/>
-            <a:r>
-              <a:rPr lang="pt-BR" sz="2500" dirty="0">
-                <a:latin typeface="Roboto" pitchFamily="2" charset="0"/>
-                <a:ea typeface="Roboto" pitchFamily="2" charset="0"/>
-              </a:rPr>
-              <a:t>Biblioteca do Cliente Cassandra PHP: https://github.com/kallaspriit/Cassandra-PHP-Client-Library</a:t>
-            </a:r>
-          </a:p>
-          <a:p>
-            <a:pPr lvl="1" algn="just"/>
-            <a:r>
-              <a:rPr lang="pt-BR" sz="2500" dirty="0" err="1">
-                <a:latin typeface="Roboto" pitchFamily="2" charset="0"/>
-                <a:ea typeface="Roboto" pitchFamily="2" charset="0"/>
-              </a:rPr>
-              <a:t>phpcassa</a:t>
-            </a:r>
-            <a:r>
-              <a:rPr lang="pt-BR" sz="2500" dirty="0">
-                <a:latin typeface="Roboto" pitchFamily="2" charset="0"/>
-                <a:ea typeface="Roboto" pitchFamily="2" charset="0"/>
-              </a:rPr>
-              <a:t>: http://github.com/thobbs/phpcassa</a:t>
-            </a:r>
-          </a:p>
-          <a:p>
-            <a:pPr algn="just"/>
-            <a:r>
-              <a:rPr lang="pt-BR" sz="3100" b="1" dirty="0" smtClean="0">
-                <a:latin typeface="Roboto" pitchFamily="2" charset="0"/>
-                <a:ea typeface="Roboto" pitchFamily="2" charset="0"/>
-              </a:rPr>
-              <a:t>C </a:t>
-            </a:r>
-            <a:r>
-              <a:rPr lang="pt-BR" sz="3100" b="1" dirty="0">
-                <a:latin typeface="Roboto" pitchFamily="2" charset="0"/>
-                <a:ea typeface="Roboto" pitchFamily="2" charset="0"/>
-              </a:rPr>
-              <a:t>+ +</a:t>
-            </a:r>
-          </a:p>
-          <a:p>
-            <a:pPr lvl="1" algn="just"/>
-            <a:r>
-              <a:rPr lang="pt-BR" sz="2500" dirty="0">
-                <a:latin typeface="Roboto" pitchFamily="2" charset="0"/>
-                <a:ea typeface="Roboto" pitchFamily="2" charset="0"/>
-              </a:rPr>
-              <a:t>repositório </a:t>
-            </a:r>
-            <a:r>
-              <a:rPr lang="pt-BR" sz="2500" dirty="0" err="1">
-                <a:latin typeface="Roboto" pitchFamily="2" charset="0"/>
-                <a:ea typeface="Roboto" pitchFamily="2" charset="0"/>
-              </a:rPr>
-              <a:t>libQtCassandra</a:t>
-            </a:r>
-            <a:r>
-              <a:rPr lang="pt-BR" sz="2500" dirty="0">
-                <a:latin typeface="Roboto" pitchFamily="2" charset="0"/>
-                <a:ea typeface="Roboto" pitchFamily="2" charset="0"/>
-              </a:rPr>
-              <a:t>: http://sf.net/p/libqtcassandra/</a:t>
-            </a:r>
-          </a:p>
-          <a:p>
-            <a:pPr lvl="1" algn="just"/>
-            <a:r>
-              <a:rPr lang="pt-BR" sz="2500" dirty="0">
-                <a:latin typeface="Roboto" pitchFamily="2" charset="0"/>
-                <a:ea typeface="Roboto" pitchFamily="2" charset="0"/>
-              </a:rPr>
-              <a:t>Home Page, Guia do desenvolvedor: http://snapwebsites.org/project/libqtcassandra</a:t>
-            </a:r>
-          </a:p>
-          <a:p>
-            <a:pPr algn="just"/>
-            <a:endParaRPr lang="pt-BR" sz="2400" dirty="0">
+              <a:rPr lang="pt-BR" sz="3200" dirty="0">
+                <a:latin typeface="Roboto" pitchFamily="2" charset="0"/>
+                <a:ea typeface="Roboto" pitchFamily="2" charset="0"/>
+              </a:rPr>
+              <a:t>Implementação da família de colunas </a:t>
+            </a:r>
+            <a:r>
+              <a:rPr lang="pt-BR" sz="3200" dirty="0" err="1" smtClean="0">
+                <a:latin typeface="Roboto" pitchFamily="2" charset="0"/>
+                <a:ea typeface="Roboto" pitchFamily="2" charset="0"/>
+              </a:rPr>
+              <a:t>NoSQL</a:t>
+            </a:r>
+            <a:r>
+              <a:rPr lang="pt-BR" sz="3200" dirty="0" smtClean="0">
+                <a:latin typeface="Roboto" pitchFamily="2" charset="0"/>
+                <a:ea typeface="Roboto" pitchFamily="2" charset="0"/>
+              </a:rPr>
+              <a:t>;</a:t>
+            </a:r>
+            <a:endParaRPr lang="pt-BR" sz="3200" dirty="0">
               <a:latin typeface="Roboto" pitchFamily="2" charset="0"/>
               <a:ea typeface="Roboto" pitchFamily="2" charset="0"/>
             </a:endParaRPr>
           </a:p>
-        </p:txBody>
-      </p:sp>
-      <p:sp>
-        <p:nvSpPr>
-          <p:cNvPr id="8" name="Title 1"/>
-          <p:cNvSpPr>
-            <a:spLocks noGrp="1"/>
-          </p:cNvSpPr>
-          <p:nvPr>
-            <p:ph type="title"/>
-          </p:nvPr>
-        </p:nvSpPr>
-        <p:spPr>
-          <a:xfrm>
-            <a:off x="677334" y="609600"/>
-            <a:ext cx="8596668" cy="1320800"/>
-          </a:xfrm>
-        </p:spPr>
-        <p:txBody>
-          <a:bodyPr>
-            <a:normAutofit/>
-          </a:bodyPr>
-          <a:lstStyle/>
-          <a:p>
-            <a:r>
-              <a:rPr lang="pt-BR" sz="5400" b="1" dirty="0" smtClean="0">
-                <a:latin typeface="Roboto" pitchFamily="2" charset="0"/>
-                <a:ea typeface="Roboto" pitchFamily="2" charset="0"/>
-              </a:rPr>
-              <a:t>Clientes de alto nível</a:t>
-            </a:r>
-            <a:endParaRPr lang="pt-BR" sz="5400" b="1" dirty="0">
+          <a:p>
+            <a:pPr algn="just"/>
+            <a:r>
+              <a:rPr lang="pt-BR" sz="3200" dirty="0">
+                <a:latin typeface="Roboto" pitchFamily="2" charset="0"/>
+                <a:ea typeface="Roboto" pitchFamily="2" charset="0"/>
+              </a:rPr>
+              <a:t>Rendimento de gravação muito alto e bom rendimento de </a:t>
+            </a:r>
+            <a:r>
+              <a:rPr lang="pt-BR" sz="3200" dirty="0" smtClean="0">
+                <a:latin typeface="Roboto" pitchFamily="2" charset="0"/>
+                <a:ea typeface="Roboto" pitchFamily="2" charset="0"/>
+              </a:rPr>
+              <a:t>leitura;</a:t>
+            </a:r>
+            <a:endParaRPr lang="pt-BR" sz="3200" dirty="0">
               <a:latin typeface="Roboto" pitchFamily="2" charset="0"/>
               <a:ea typeface="Roboto" pitchFamily="2" charset="0"/>
             </a:endParaRPr>
           </a:p>
+          <a:p>
+            <a:pPr algn="just"/>
+            <a:r>
+              <a:rPr lang="pt-BR" sz="3200" dirty="0">
+                <a:latin typeface="Roboto" pitchFamily="2" charset="0"/>
+                <a:ea typeface="Roboto" pitchFamily="2" charset="0"/>
+              </a:rPr>
+              <a:t>Linguagem de consulta semelhante a SQL (desde 0.8) e suporte para procura por índices </a:t>
+            </a:r>
+            <a:r>
+              <a:rPr lang="pt-BR" sz="3200" dirty="0" smtClean="0">
+                <a:latin typeface="Roboto" pitchFamily="2" charset="0"/>
+                <a:ea typeface="Roboto" pitchFamily="2" charset="0"/>
+              </a:rPr>
+              <a:t>secundários;</a:t>
+            </a:r>
+            <a:endParaRPr lang="pt-BR" sz="3200" dirty="0">
+              <a:latin typeface="Roboto" pitchFamily="2" charset="0"/>
+              <a:ea typeface="Roboto" pitchFamily="2" charset="0"/>
+            </a:endParaRPr>
+          </a:p>
+          <a:p>
+            <a:pPr algn="just"/>
+            <a:r>
+              <a:rPr lang="pt-BR" sz="3200" dirty="0">
+                <a:latin typeface="Roboto" pitchFamily="2" charset="0"/>
+                <a:ea typeface="Roboto" pitchFamily="2" charset="0"/>
+              </a:rPr>
+              <a:t>Consistência ajustável e suporte para </a:t>
+            </a:r>
+            <a:r>
+              <a:rPr lang="pt-BR" sz="3200" dirty="0" smtClean="0">
+                <a:latin typeface="Roboto" pitchFamily="2" charset="0"/>
+                <a:ea typeface="Roboto" pitchFamily="2" charset="0"/>
+              </a:rPr>
+              <a:t>replicação;</a:t>
+            </a:r>
+            <a:endParaRPr lang="pt-BR" sz="3200" dirty="0">
+              <a:latin typeface="Roboto" pitchFamily="2" charset="0"/>
+              <a:ea typeface="Roboto" pitchFamily="2" charset="0"/>
+            </a:endParaRPr>
+          </a:p>
+          <a:p>
+            <a:pPr algn="just"/>
+            <a:r>
+              <a:rPr lang="pt-BR" sz="3200" dirty="0">
+                <a:latin typeface="Roboto" pitchFamily="2" charset="0"/>
+                <a:ea typeface="Roboto" pitchFamily="2" charset="0"/>
+              </a:rPr>
+              <a:t>Esquema </a:t>
+            </a:r>
+            <a:r>
+              <a:rPr lang="pt-BR" sz="3200" dirty="0" smtClean="0">
+                <a:latin typeface="Roboto" pitchFamily="2" charset="0"/>
+                <a:ea typeface="Roboto" pitchFamily="2" charset="0"/>
+              </a:rPr>
+              <a:t>flexível;</a:t>
+            </a:r>
+            <a:endParaRPr lang="pt-BR" sz="3200" dirty="0">
+              <a:latin typeface="Roboto" pitchFamily="2" charset="0"/>
+              <a:ea typeface="Roboto" pitchFamily="2" charset="0"/>
+            </a:endParaRPr>
+          </a:p>
         </p:txBody>
       </p:sp>
     </p:spTree>
     <p:extLst>
       <p:ext uri="{BB962C8B-B14F-4D97-AF65-F5344CB8AC3E}">
-        <p14:creationId xmlns:p14="http://schemas.microsoft.com/office/powerpoint/2010/main" val="3369168268"/>
+        <p14:creationId xmlns:p14="http://schemas.microsoft.com/office/powerpoint/2010/main" xmlns="" val="3841440733"/>
       </p:ext>
     </p:extLst>
   </p:cSld>
@@ -24066,7 +23709,7 @@
                 <a:latin typeface="Roboto" pitchFamily="2" charset="0"/>
                 <a:ea typeface="Roboto" pitchFamily="2" charset="0"/>
               </a:rPr>
-              <a:t>Bibliografia</a:t>
+              <a:t>Considerações</a:t>
             </a:r>
             <a:endParaRPr lang="pt-BR" sz="5400" b="1" dirty="0">
               <a:latin typeface="Roboto" pitchFamily="2" charset="0"/>
@@ -24087,8 +23730,8 @@
         </p:nvSpPr>
         <p:spPr>
           <a:xfrm>
-            <a:off x="643945" y="1687132"/>
-            <a:ext cx="8384146" cy="5170868"/>
+            <a:off x="780364" y="1524000"/>
+            <a:ext cx="8917427" cy="5031346"/>
           </a:xfrm>
         </p:spPr>
         <p:txBody>
@@ -24099,11 +23742,442 @@
           <a:p>
             <a:pPr algn="just"/>
             <a:r>
-              <a:rPr lang="pt-BR" sz="2400" dirty="0">
-                <a:latin typeface="Roboto" pitchFamily="2" charset="0"/>
-                <a:ea typeface="Roboto" pitchFamily="2" charset="0"/>
-              </a:rPr>
-              <a:t>http://cadmintool.blogspot.com.br/2012/09/o-que-e-nosql.html</a:t>
+              <a:rPr lang="pt-BR" sz="3200" dirty="0">
+                <a:latin typeface="Roboto" pitchFamily="2" charset="0"/>
+                <a:ea typeface="Roboto" pitchFamily="2" charset="0"/>
+              </a:rPr>
+              <a:t>Sem transações, sem </a:t>
+            </a:r>
+            <a:r>
+              <a:rPr lang="pt-BR" sz="3200" dirty="0" err="1" smtClean="0">
+                <a:latin typeface="Roboto" pitchFamily="2" charset="0"/>
+                <a:ea typeface="Roboto" pitchFamily="2" charset="0"/>
+              </a:rPr>
+              <a:t>JOINs</a:t>
+            </a:r>
+            <a:r>
+              <a:rPr lang="pt-BR" sz="3200" dirty="0" smtClean="0">
+                <a:latin typeface="Roboto" pitchFamily="2" charset="0"/>
+                <a:ea typeface="Roboto" pitchFamily="2" charset="0"/>
+              </a:rPr>
+              <a:t>;</a:t>
+            </a:r>
+          </a:p>
+          <a:p>
+            <a:pPr algn="just"/>
+            <a:r>
+              <a:rPr lang="pt-BR" sz="3200" dirty="0">
+                <a:latin typeface="Roboto" pitchFamily="2" charset="0"/>
+                <a:ea typeface="Roboto" pitchFamily="2" charset="0"/>
+              </a:rPr>
+              <a:t>Sem chaves estrangeiras. As chaves são </a:t>
+            </a:r>
+            <a:r>
+              <a:rPr lang="pt-BR" sz="3200" dirty="0" smtClean="0">
+                <a:latin typeface="Roboto" pitchFamily="2" charset="0"/>
+                <a:ea typeface="Roboto" pitchFamily="2" charset="0"/>
+              </a:rPr>
+              <a:t>imutáveis;</a:t>
+            </a:r>
+          </a:p>
+          <a:p>
+            <a:pPr algn="just"/>
+            <a:r>
+              <a:rPr lang="pt-BR" sz="3200" dirty="0">
+                <a:latin typeface="Roboto" pitchFamily="2" charset="0"/>
+                <a:ea typeface="Roboto" pitchFamily="2" charset="0"/>
+              </a:rPr>
+              <a:t>As chaves devem ser </a:t>
+            </a:r>
+            <a:r>
+              <a:rPr lang="pt-BR" sz="3200" dirty="0" smtClean="0">
+                <a:latin typeface="Roboto" pitchFamily="2" charset="0"/>
+                <a:ea typeface="Roboto" pitchFamily="2" charset="0"/>
+              </a:rPr>
+              <a:t>exclusivas;</a:t>
+            </a:r>
+          </a:p>
+          <a:p>
+            <a:pPr algn="just"/>
+            <a:r>
+              <a:rPr lang="pt-BR" sz="3200" dirty="0">
+                <a:latin typeface="Roboto" pitchFamily="2" charset="0"/>
+                <a:ea typeface="Roboto" pitchFamily="2" charset="0"/>
+              </a:rPr>
+              <a:t>Operações com falha podem deixar </a:t>
+            </a:r>
+            <a:r>
+              <a:rPr lang="pt-BR" sz="3200" dirty="0" smtClean="0">
+                <a:latin typeface="Roboto" pitchFamily="2" charset="0"/>
+                <a:ea typeface="Roboto" pitchFamily="2" charset="0"/>
+              </a:rPr>
+              <a:t>mudanças;</a:t>
+            </a:r>
+          </a:p>
+          <a:p>
+            <a:pPr algn="just"/>
+            <a:r>
+              <a:rPr lang="pt-BR" sz="3200" dirty="0">
+                <a:latin typeface="Roboto" pitchFamily="2" charset="0"/>
+                <a:ea typeface="Roboto" pitchFamily="2" charset="0"/>
+              </a:rPr>
+              <a:t>A procura é </a:t>
+            </a:r>
+            <a:r>
+              <a:rPr lang="pt-BR" sz="3200" dirty="0" smtClean="0">
+                <a:latin typeface="Roboto" pitchFamily="2" charset="0"/>
+                <a:ea typeface="Roboto" pitchFamily="2" charset="0"/>
+              </a:rPr>
+              <a:t>complicada;</a:t>
+            </a:r>
+          </a:p>
+          <a:p>
+            <a:pPr algn="just"/>
+            <a:r>
+              <a:rPr lang="pt-BR" sz="3200" dirty="0">
+                <a:latin typeface="Roboto" pitchFamily="2" charset="0"/>
+                <a:ea typeface="Roboto" pitchFamily="2" charset="0"/>
+              </a:rPr>
+              <a:t>Recomenda-se não usar </a:t>
+            </a:r>
+            <a:r>
+              <a:rPr lang="pt-BR" sz="3200" dirty="0" err="1">
+                <a:latin typeface="Roboto" pitchFamily="2" charset="0"/>
+                <a:ea typeface="Roboto" pitchFamily="2" charset="0"/>
+              </a:rPr>
+              <a:t>supercolunas</a:t>
+            </a:r>
+            <a:r>
+              <a:rPr lang="pt-BR" sz="3200" dirty="0">
+                <a:latin typeface="Roboto" pitchFamily="2" charset="0"/>
+                <a:ea typeface="Roboto" pitchFamily="2" charset="0"/>
+              </a:rPr>
+              <a:t> e particionadores de </a:t>
+            </a:r>
+            <a:r>
+              <a:rPr lang="pt-BR" sz="3200" dirty="0" smtClean="0">
+                <a:latin typeface="Roboto" pitchFamily="2" charset="0"/>
+                <a:ea typeface="Roboto" pitchFamily="2" charset="0"/>
+              </a:rPr>
+              <a:t>preservação;</a:t>
+            </a:r>
+          </a:p>
+          <a:p>
+            <a:pPr algn="just"/>
+            <a:r>
+              <a:rPr lang="pt-BR" sz="3200" dirty="0">
+                <a:latin typeface="Roboto" pitchFamily="2" charset="0"/>
+                <a:ea typeface="Roboto" pitchFamily="2" charset="0"/>
+              </a:rPr>
+              <a:t>A recuperação da falha é </a:t>
+            </a:r>
+            <a:r>
+              <a:rPr lang="pt-BR" sz="3200" dirty="0" smtClean="0">
+                <a:latin typeface="Roboto" pitchFamily="2" charset="0"/>
+                <a:ea typeface="Roboto" pitchFamily="2" charset="0"/>
+              </a:rPr>
+              <a:t>manual.</a:t>
+            </a:r>
+          </a:p>
+          <a:p>
+            <a:pPr algn="just"/>
+            <a:endParaRPr lang="pt-BR" sz="3200" dirty="0">
+              <a:latin typeface="Roboto" pitchFamily="2" charset="0"/>
+              <a:ea typeface="Roboto" pitchFamily="2" charset="0"/>
+            </a:endParaRPr>
+          </a:p>
+        </p:txBody>
+      </p:sp>
+    </p:spTree>
+    <p:extLst>
+      <p:ext uri="{BB962C8B-B14F-4D97-AF65-F5344CB8AC3E}">
+        <p14:creationId xmlns:p14="http://schemas.microsoft.com/office/powerpoint/2010/main" xmlns="" val="176991499"/>
+      </p:ext>
+    </p:extLst>
+  </p:cSld>
+  <p:clrMapOvr>
+    <a:masterClrMapping/>
+  </p:clrMapOvr>
+</p:sld>
+</file>
+
+<file path=ppt/slides/slide25.xml><?xml version="1.0" encoding="utf-8"?>
+<p:sld xmlns:a="http://schemas.openxmlformats.org/drawingml/2006/main" xmlns:r="http://schemas.openxmlformats.org/officeDocument/2006/relationships" xmlns:p="http://schemas.openxmlformats.org/presentationml/2006/main">
+  <p:cSld>
+    <p:spTree>
+      <p:nvGrpSpPr>
+        <p:cNvPr id="1" name=""/>
+        <p:cNvGrpSpPr/>
+        <p:nvPr/>
+      </p:nvGrpSpPr>
+      <p:grpSpPr>
+        <a:xfrm>
+          <a:off x="0" y="0"/>
+          <a:ext cx="0" cy="0"/>
+          <a:chOff x="0" y="0"/>
+          <a:chExt cx="0" cy="0"/>
+        </a:xfrm>
+      </p:grpSpPr>
+      <p:sp>
+        <p:nvSpPr>
+          <p:cNvPr id="5" name="Content Placeholder 2"/>
+          <p:cNvSpPr>
+            <a:spLocks noGrp="1"/>
+          </p:cNvSpPr>
+          <p:nvPr>
+            <p:ph idx="1"/>
+          </p:nvPr>
+        </p:nvSpPr>
+        <p:spPr>
+          <a:xfrm>
+            <a:off x="643945" y="1428750"/>
+            <a:ext cx="8100810" cy="5429250"/>
+          </a:xfrm>
+        </p:spPr>
+        <p:txBody>
+          <a:bodyPr>
+            <a:normAutofit fontScale="62500" lnSpcReduction="20000"/>
+          </a:bodyPr>
+          <a:lstStyle/>
+          <a:p>
+            <a:pPr algn="just"/>
+            <a:r>
+              <a:rPr lang="pt-BR" sz="2900" b="1" dirty="0">
+                <a:latin typeface="Roboto" pitchFamily="2" charset="0"/>
+                <a:ea typeface="Roboto" pitchFamily="2" charset="0"/>
+              </a:rPr>
+              <a:t>Python:</a:t>
+            </a:r>
+          </a:p>
+          <a:p>
+            <a:pPr lvl="1" algn="just"/>
+            <a:r>
+              <a:rPr lang="pt-BR" sz="2500" dirty="0" err="1">
+                <a:latin typeface="Roboto" pitchFamily="2" charset="0"/>
+                <a:ea typeface="Roboto" pitchFamily="2" charset="0"/>
+              </a:rPr>
+              <a:t>Pycassa</a:t>
+            </a:r>
+            <a:r>
+              <a:rPr lang="pt-BR" sz="2500" dirty="0">
+                <a:latin typeface="Roboto" pitchFamily="2" charset="0"/>
+                <a:ea typeface="Roboto" pitchFamily="2" charset="0"/>
+              </a:rPr>
+              <a:t>: http://github.com/pycassa/pycassa</a:t>
+            </a:r>
+          </a:p>
+          <a:p>
+            <a:pPr algn="just"/>
+            <a:r>
+              <a:rPr lang="pt-BR" sz="3100" b="1" dirty="0" smtClean="0">
+                <a:latin typeface="Roboto" pitchFamily="2" charset="0"/>
+                <a:ea typeface="Roboto" pitchFamily="2" charset="0"/>
+              </a:rPr>
+              <a:t>Java</a:t>
+            </a:r>
+            <a:r>
+              <a:rPr lang="pt-BR" sz="3100" b="1" dirty="0">
+                <a:latin typeface="Roboto" pitchFamily="2" charset="0"/>
+                <a:ea typeface="Roboto" pitchFamily="2" charset="0"/>
+              </a:rPr>
+              <a:t>:</a:t>
+            </a:r>
+          </a:p>
+          <a:p>
+            <a:pPr lvl="1" algn="just"/>
+            <a:r>
+              <a:rPr lang="pt-BR" sz="2500" dirty="0">
+                <a:latin typeface="Roboto" pitchFamily="2" charset="0"/>
+                <a:ea typeface="Roboto" pitchFamily="2" charset="0"/>
+              </a:rPr>
+              <a:t>Hector: http://hector-client.org</a:t>
+            </a:r>
+          </a:p>
+          <a:p>
+            <a:pPr lvl="1" algn="just"/>
+            <a:r>
+              <a:rPr lang="pt-BR" sz="2500" dirty="0" err="1">
+                <a:latin typeface="Roboto" pitchFamily="2" charset="0"/>
+                <a:ea typeface="Roboto" pitchFamily="2" charset="0"/>
+              </a:rPr>
+              <a:t>EasyCassandra</a:t>
+            </a:r>
+            <a:r>
+              <a:rPr lang="pt-BR" sz="2500" dirty="0">
+                <a:latin typeface="Roboto" pitchFamily="2" charset="0"/>
+                <a:ea typeface="Roboto" pitchFamily="2" charset="0"/>
+              </a:rPr>
+              <a:t>: https://</a:t>
+            </a:r>
+            <a:r>
+              <a:rPr lang="pt-BR" sz="2500" dirty="0" smtClean="0">
+                <a:latin typeface="Roboto" pitchFamily="2" charset="0"/>
+                <a:ea typeface="Roboto" pitchFamily="2" charset="0"/>
+              </a:rPr>
+              <a:t>github.com/otaviojava/Easy-Cassandra</a:t>
+            </a:r>
+            <a:endParaRPr lang="pt-BR" sz="2500" b="1" dirty="0">
+              <a:latin typeface="Roboto" pitchFamily="2" charset="0"/>
+              <a:ea typeface="Roboto" pitchFamily="2" charset="0"/>
+            </a:endParaRPr>
+          </a:p>
+          <a:p>
+            <a:pPr algn="just"/>
+            <a:r>
+              <a:rPr lang="pt-BR" sz="2900" b="1" dirty="0">
+                <a:latin typeface="Roboto" pitchFamily="2" charset="0"/>
+                <a:ea typeface="Roboto" pitchFamily="2" charset="0"/>
+              </a:rPr>
+              <a:t>. NET</a:t>
+            </a:r>
+          </a:p>
+          <a:p>
+            <a:pPr lvl="1" algn="just"/>
+            <a:r>
+              <a:rPr lang="pt-BR" sz="2500" dirty="0">
+                <a:latin typeface="Roboto" pitchFamily="2" charset="0"/>
+                <a:ea typeface="Roboto" pitchFamily="2" charset="0"/>
+              </a:rPr>
+              <a:t>Aquiles: http://aquiles.codeplex.com/</a:t>
+            </a:r>
+          </a:p>
+          <a:p>
+            <a:pPr lvl="1" algn="just"/>
+            <a:r>
+              <a:rPr lang="pt-BR" sz="2500" dirty="0" err="1">
+                <a:latin typeface="Roboto" pitchFamily="2" charset="0"/>
+                <a:ea typeface="Roboto" pitchFamily="2" charset="0"/>
+              </a:rPr>
+              <a:t>Cassandraemon</a:t>
+            </a:r>
+            <a:r>
+              <a:rPr lang="pt-BR" sz="2500" dirty="0">
+                <a:latin typeface="Roboto" pitchFamily="2" charset="0"/>
+                <a:ea typeface="Roboto" pitchFamily="2" charset="0"/>
+              </a:rPr>
+              <a:t>: http://cassandraemon.codeplex.com/</a:t>
+            </a:r>
+          </a:p>
+          <a:p>
+            <a:pPr algn="just"/>
+            <a:r>
+              <a:rPr lang="pt-BR" sz="2500" b="1" dirty="0">
+                <a:latin typeface="Roboto" pitchFamily="2" charset="0"/>
+                <a:ea typeface="Roboto" pitchFamily="2" charset="0"/>
+              </a:rPr>
+              <a:t> </a:t>
+            </a:r>
+            <a:r>
+              <a:rPr lang="pt-BR" sz="2900" b="1" dirty="0" err="1">
+                <a:latin typeface="Roboto" pitchFamily="2" charset="0"/>
+                <a:ea typeface="Roboto" pitchFamily="2" charset="0"/>
+              </a:rPr>
+              <a:t>Ruby</a:t>
+            </a:r>
+            <a:r>
+              <a:rPr lang="pt-BR" sz="2900" b="1" dirty="0">
+                <a:latin typeface="Roboto" pitchFamily="2" charset="0"/>
+                <a:ea typeface="Roboto" pitchFamily="2" charset="0"/>
+              </a:rPr>
+              <a:t>:</a:t>
+            </a:r>
+          </a:p>
+          <a:p>
+            <a:pPr lvl="1" algn="just"/>
+            <a:r>
+              <a:rPr lang="pt-BR" sz="2500" dirty="0">
+                <a:latin typeface="Roboto" pitchFamily="2" charset="0"/>
+                <a:ea typeface="Roboto" pitchFamily="2" charset="0"/>
+              </a:rPr>
+              <a:t>Fauna: https://github.com/twitter/cassandra</a:t>
+            </a:r>
+          </a:p>
+          <a:p>
+            <a:pPr algn="just"/>
+            <a:r>
+              <a:rPr lang="pt-BR" sz="2900" b="1" dirty="0">
+                <a:latin typeface="Roboto" pitchFamily="2" charset="0"/>
+                <a:ea typeface="Roboto" pitchFamily="2" charset="0"/>
+              </a:rPr>
+              <a:t> PHP:</a:t>
+            </a:r>
+          </a:p>
+          <a:p>
+            <a:pPr lvl="1" algn="just"/>
+            <a:r>
+              <a:rPr lang="pt-BR" sz="2500" dirty="0">
+                <a:latin typeface="Roboto" pitchFamily="2" charset="0"/>
+                <a:ea typeface="Roboto" pitchFamily="2" charset="0"/>
+              </a:rPr>
+              <a:t>Biblioteca do Cliente Cassandra PHP: https://github.com/kallaspriit/Cassandra-PHP-Client-Library</a:t>
+            </a:r>
+          </a:p>
+          <a:p>
+            <a:pPr lvl="1" algn="just"/>
+            <a:r>
+              <a:rPr lang="pt-BR" sz="2500" dirty="0" err="1">
+                <a:latin typeface="Roboto" pitchFamily="2" charset="0"/>
+                <a:ea typeface="Roboto" pitchFamily="2" charset="0"/>
+              </a:rPr>
+              <a:t>phpcassa</a:t>
+            </a:r>
+            <a:r>
+              <a:rPr lang="pt-BR" sz="2500" dirty="0">
+                <a:latin typeface="Roboto" pitchFamily="2" charset="0"/>
+                <a:ea typeface="Roboto" pitchFamily="2" charset="0"/>
+              </a:rPr>
+              <a:t>: http://github.com/thobbs/phpcassa</a:t>
+            </a:r>
+          </a:p>
+          <a:p>
+            <a:pPr algn="just"/>
+            <a:r>
+              <a:rPr lang="pt-BR" sz="3100" b="1" dirty="0" smtClean="0">
+                <a:latin typeface="Roboto" pitchFamily="2" charset="0"/>
+                <a:ea typeface="Roboto" pitchFamily="2" charset="0"/>
+              </a:rPr>
+              <a:t>C </a:t>
+            </a:r>
+            <a:r>
+              <a:rPr lang="pt-BR" sz="3100" b="1" dirty="0">
+                <a:latin typeface="Roboto" pitchFamily="2" charset="0"/>
+                <a:ea typeface="Roboto" pitchFamily="2" charset="0"/>
+              </a:rPr>
+              <a:t>+ +</a:t>
+            </a:r>
+          </a:p>
+          <a:p>
+            <a:pPr lvl="1" algn="just"/>
+            <a:r>
+              <a:rPr lang="pt-BR" sz="2500" dirty="0">
+                <a:latin typeface="Roboto" pitchFamily="2" charset="0"/>
+                <a:ea typeface="Roboto" pitchFamily="2" charset="0"/>
+              </a:rPr>
+              <a:t>repositório </a:t>
+            </a:r>
+            <a:r>
+              <a:rPr lang="pt-BR" sz="2500" dirty="0" err="1">
+                <a:latin typeface="Roboto" pitchFamily="2" charset="0"/>
+                <a:ea typeface="Roboto" pitchFamily="2" charset="0"/>
+              </a:rPr>
+              <a:t>libQtCassandra</a:t>
+            </a:r>
+            <a:r>
+              <a:rPr lang="pt-BR" sz="2500" dirty="0">
+                <a:latin typeface="Roboto" pitchFamily="2" charset="0"/>
+                <a:ea typeface="Roboto" pitchFamily="2" charset="0"/>
+              </a:rPr>
+              <a:t>: http://sf.net/p/libqtcassandra/</a:t>
+            </a:r>
+          </a:p>
+          <a:p>
+            <a:pPr lvl="1" algn="just"/>
+            <a:r>
+              <a:rPr lang="pt-BR" sz="2500" dirty="0">
+                <a:latin typeface="Roboto" pitchFamily="2" charset="0"/>
+                <a:ea typeface="Roboto" pitchFamily="2" charset="0"/>
+              </a:rPr>
+              <a:t>Home Page, Guia do desenvolvedor: http://snapwebsites.org/project/libqtcassandra</a:t>
             </a:r>
           </a:p>
           <a:p>
@@ -24113,6 +24187,131 @@
               <a:ea typeface="Roboto" pitchFamily="2" charset="0"/>
             </a:endParaRPr>
           </a:p>
+        </p:txBody>
+      </p:sp>
+      <p:sp>
+        <p:nvSpPr>
+          <p:cNvPr id="8" name="Title 1"/>
+          <p:cNvSpPr>
+            <a:spLocks noGrp="1"/>
+          </p:cNvSpPr>
+          <p:nvPr>
+            <p:ph type="title"/>
+          </p:nvPr>
+        </p:nvSpPr>
+        <p:spPr>
+          <a:xfrm>
+            <a:off x="677334" y="609600"/>
+            <a:ext cx="8596668" cy="1320800"/>
+          </a:xfrm>
+        </p:spPr>
+        <p:txBody>
+          <a:bodyPr>
+            <a:normAutofit/>
+          </a:bodyPr>
+          <a:lstStyle/>
+          <a:p>
+            <a:r>
+              <a:rPr lang="pt-BR" sz="5400" b="1" dirty="0" smtClean="0">
+                <a:latin typeface="Roboto" pitchFamily="2" charset="0"/>
+                <a:ea typeface="Roboto" pitchFamily="2" charset="0"/>
+              </a:rPr>
+              <a:t>Clientes de alto nível</a:t>
+            </a:r>
+            <a:endParaRPr lang="pt-BR" sz="5400" b="1" dirty="0">
+              <a:latin typeface="Roboto" pitchFamily="2" charset="0"/>
+              <a:ea typeface="Roboto" pitchFamily="2" charset="0"/>
+            </a:endParaRPr>
+          </a:p>
+        </p:txBody>
+      </p:sp>
+    </p:spTree>
+    <p:extLst>
+      <p:ext uri="{BB962C8B-B14F-4D97-AF65-F5344CB8AC3E}">
+        <p14:creationId xmlns:p14="http://schemas.microsoft.com/office/powerpoint/2010/main" xmlns="" val="3369168268"/>
+      </p:ext>
+    </p:extLst>
+  </p:cSld>
+  <p:clrMapOvr>
+    <a:masterClrMapping/>
+  </p:clrMapOvr>
+</p:sld>
+</file>
+
+<file path=ppt/slides/slide26.xml><?xml version="1.0" encoding="utf-8"?>
+<p:sld xmlns:a="http://schemas.openxmlformats.org/drawingml/2006/main" xmlns:r="http://schemas.openxmlformats.org/officeDocument/2006/relationships" xmlns:p="http://schemas.openxmlformats.org/presentationml/2006/main">
+  <p:cSld>
+    <p:spTree>
+      <p:nvGrpSpPr>
+        <p:cNvPr id="1" name=""/>
+        <p:cNvGrpSpPr/>
+        <p:nvPr/>
+      </p:nvGrpSpPr>
+      <p:grpSpPr>
+        <a:xfrm>
+          <a:off x="0" y="0"/>
+          <a:ext cx="0" cy="0"/>
+          <a:chOff x="0" y="0"/>
+          <a:chExt cx="0" cy="0"/>
+        </a:xfrm>
+      </p:grpSpPr>
+      <p:sp>
+        <p:nvSpPr>
+          <p:cNvPr id="4" name="Title 1"/>
+          <p:cNvSpPr>
+            <a:spLocks noGrp="1"/>
+          </p:cNvSpPr>
+          <p:nvPr>
+            <p:ph type="title"/>
+          </p:nvPr>
+        </p:nvSpPr>
+        <p:spPr>
+          <a:xfrm>
+            <a:off x="677334" y="609600"/>
+            <a:ext cx="8596668" cy="1320800"/>
+          </a:xfrm>
+        </p:spPr>
+        <p:txBody>
+          <a:bodyPr>
+            <a:normAutofit/>
+          </a:bodyPr>
+          <a:lstStyle/>
+          <a:p>
+            <a:r>
+              <a:rPr lang="pt-BR" sz="5400" b="1" dirty="0" smtClean="0">
+                <a:latin typeface="Roboto" pitchFamily="2" charset="0"/>
+                <a:ea typeface="Roboto" pitchFamily="2" charset="0"/>
+              </a:rPr>
+              <a:t>Bibliografia</a:t>
+            </a:r>
+            <a:endParaRPr lang="pt-BR" sz="5400" b="1" dirty="0">
+              <a:latin typeface="Roboto" pitchFamily="2" charset="0"/>
+              <a:ea typeface="Roboto" pitchFamily="2" charset="0"/>
+            </a:endParaRPr>
+          </a:p>
+        </p:txBody>
+      </p:sp>
+      <p:sp>
+        <p:nvSpPr>
+          <p:cNvPr id="5" name="Content Placeholder 2"/>
+          <p:cNvSpPr>
+            <a:spLocks noGrp="1"/>
+          </p:cNvSpPr>
+          <p:nvPr>
+            <p:ph idx="1"/>
+          </p:nvPr>
+        </p:nvSpPr>
+        <p:spPr>
+          <a:xfrm>
+            <a:off x="643945" y="1687132"/>
+            <a:ext cx="8384146" cy="5170868"/>
+          </a:xfrm>
+        </p:spPr>
+        <p:txBody>
+          <a:bodyPr>
+            <a:normAutofit/>
+          </a:bodyPr>
+          <a:lstStyle/>
           <a:p>
             <a:pPr algn="just"/>
             <a:r>
@@ -24120,7 +24319,7 @@
                 <a:latin typeface="Roboto" pitchFamily="2" charset="0"/>
                 <a:ea typeface="Roboto" pitchFamily="2" charset="0"/>
               </a:rPr>
-              <a:t>http://www.ibm.com/developerworks/br/library/os-apache-cassandra/</a:t>
+              <a:t>http://cadmintool.blogspot.com.br/2012/09/o-que-e-nosql.html</a:t>
             </a:r>
           </a:p>
           <a:p>
@@ -24137,6 +24336,23 @@
                 <a:latin typeface="Roboto" pitchFamily="2" charset="0"/>
                 <a:ea typeface="Roboto" pitchFamily="2" charset="0"/>
               </a:rPr>
+              <a:t>http://www.ibm.com/developerworks/br/library/os-apache-cassandra/</a:t>
+            </a:r>
+          </a:p>
+          <a:p>
+            <a:pPr algn="just"/>
+            <a:endParaRPr lang="pt-BR" sz="2400" dirty="0">
+              <a:latin typeface="Roboto" pitchFamily="2" charset="0"/>
+              <a:ea typeface="Roboto" pitchFamily="2" charset="0"/>
+            </a:endParaRPr>
+          </a:p>
+          <a:p>
+            <a:pPr algn="just"/>
+            <a:r>
+              <a:rPr lang="pt-BR" sz="2400" dirty="0">
+                <a:latin typeface="Roboto" pitchFamily="2" charset="0"/>
+                <a:ea typeface="Roboto" pitchFamily="2" charset="0"/>
+              </a:rPr>
               <a:t>http://imasters.com.br/artigo/17043/banco-de-dados/nosql-voce-realmente-sabe-do-que-estamos-falando/</a:t>
             </a:r>
           </a:p>
@@ -24159,7 +24375,7 @@
     </p:spTree>
     <p:extLst>
       <p:ext uri="{BB962C8B-B14F-4D97-AF65-F5344CB8AC3E}">
-        <p14:creationId xmlns:p14="http://schemas.microsoft.com/office/powerpoint/2010/main" val="810362333"/>
+        <p14:creationId xmlns:p14="http://schemas.microsoft.com/office/powerpoint/2010/main" xmlns="" val="810362333"/>
       </p:ext>
     </p:extLst>
   </p:cSld>
@@ -24243,7 +24459,7 @@
           <a:blip r:embed="rId2">
             <a:extLst>
               <a:ext uri="{28A0092B-C50C-407E-A947-70E740481C1C}">
-                <a14:useLocalDpi xmlns:a14="http://schemas.microsoft.com/office/drawing/2010/main" val="0"/>
+                <a14:useLocalDpi xmlns:a14="http://schemas.microsoft.com/office/drawing/2010/main" xmlns="" val="0"/>
               </a:ext>
             </a:extLst>
           </a:blip>
@@ -24262,7 +24478,7 @@
           <a:noFill/>
           <a:extLst>
             <a:ext uri="{909E8E84-426E-40DD-AFC4-6F175D3DCCD1}">
-              <a14:hiddenFill xmlns:a14="http://schemas.microsoft.com/office/drawing/2010/main">
+              <a14:hiddenFill xmlns:a14="http://schemas.microsoft.com/office/drawing/2010/main" xmlns="">
                 <a:solidFill>
                   <a:srgbClr val="FFFFFF"/>
                 </a:solidFill>
@@ -24274,7 +24490,7 @@
     </p:spTree>
     <p:extLst>
       <p:ext uri="{BB962C8B-B14F-4D97-AF65-F5344CB8AC3E}">
-        <p14:creationId xmlns:p14="http://schemas.microsoft.com/office/powerpoint/2010/main" val="2541859042"/>
+        <p14:creationId xmlns:p14="http://schemas.microsoft.com/office/powerpoint/2010/main" xmlns="" val="2541859042"/>
       </p:ext>
     </p:extLst>
   </p:cSld>
@@ -24398,48 +24614,48 @@
           <a:p>
             <a:pPr algn="just"/>
             <a:r>
-              <a:rPr lang="pt-BR" sz="2400" dirty="0">
+              <a:rPr lang="pt-BR" sz="3600" dirty="0">
                 <a:latin typeface="Roboto" pitchFamily="2" charset="0"/>
                 <a:ea typeface="Roboto" pitchFamily="2" charset="0"/>
               </a:rPr>
               <a:t>O </a:t>
             </a:r>
             <a:r>
-              <a:rPr lang="pt-BR" sz="2400" dirty="0" smtClean="0">
+              <a:rPr lang="pt-BR" sz="3600" dirty="0" smtClean="0">
                 <a:latin typeface="Roboto" pitchFamily="2" charset="0"/>
                 <a:ea typeface="Roboto" pitchFamily="2" charset="0"/>
               </a:rPr>
               <a:t>sistema de armazenamento </a:t>
             </a:r>
             <a:r>
-              <a:rPr lang="pt-BR" sz="2400" b="1" dirty="0" err="1">
+              <a:rPr lang="pt-BR" sz="3600" b="1" dirty="0" err="1">
                 <a:latin typeface="Roboto" pitchFamily="2" charset="0"/>
                 <a:ea typeface="Roboto" pitchFamily="2" charset="0"/>
               </a:rPr>
               <a:t>NoSQL</a:t>
             </a:r>
             <a:r>
-              <a:rPr lang="pt-BR" sz="2400" b="1" dirty="0">
+              <a:rPr lang="pt-BR" sz="3600" b="1" dirty="0">
                 <a:latin typeface="Roboto" pitchFamily="2" charset="0"/>
                 <a:ea typeface="Roboto" pitchFamily="2" charset="0"/>
               </a:rPr>
               <a:t> </a:t>
             </a:r>
             <a:r>
-              <a:rPr lang="pt-BR" sz="2400" dirty="0">
+              <a:rPr lang="pt-BR" sz="3600" dirty="0">
                 <a:latin typeface="Roboto" pitchFamily="2" charset="0"/>
                 <a:ea typeface="Roboto" pitchFamily="2" charset="0"/>
               </a:rPr>
               <a:t>é uma alternativa flexível e escalável aos bancos de dados </a:t>
             </a:r>
             <a:r>
-              <a:rPr lang="pt-BR" sz="2400" dirty="0" smtClean="0">
+              <a:rPr lang="pt-BR" sz="3600" dirty="0" smtClean="0">
                 <a:latin typeface="Roboto" pitchFamily="2" charset="0"/>
                 <a:ea typeface="Roboto" pitchFamily="2" charset="0"/>
               </a:rPr>
               <a:t>relacionais, com custos e complexidade menores.</a:t>
             </a:r>
-            <a:endParaRPr lang="pt-BR" sz="2400" dirty="0">
+            <a:endParaRPr lang="pt-BR" sz="3600" dirty="0">
               <a:latin typeface="Roboto" pitchFamily="2" charset="0"/>
               <a:ea typeface="Roboto" pitchFamily="2" charset="0"/>
             </a:endParaRPr>
@@ -24448,98 +24664,98 @@
             <a:pPr marL="0" indent="0" algn="just">
               <a:buNone/>
             </a:pPr>
-            <a:endParaRPr lang="pt-BR" sz="2400" dirty="0" smtClean="0">
+            <a:endParaRPr lang="pt-BR" sz="3600" dirty="0" smtClean="0">
               <a:latin typeface="Roboto" pitchFamily="2" charset="0"/>
               <a:ea typeface="Roboto" pitchFamily="2" charset="0"/>
             </a:endParaRPr>
           </a:p>
           <a:p>
             <a:pPr algn="just"/>
-            <a:endParaRPr lang="pt-BR" sz="2400" dirty="0">
+            <a:endParaRPr lang="pt-BR" sz="3600" dirty="0">
               <a:latin typeface="Roboto" pitchFamily="2" charset="0"/>
               <a:ea typeface="Roboto" pitchFamily="2" charset="0"/>
             </a:endParaRPr>
           </a:p>
           <a:p>
             <a:pPr algn="just"/>
-            <a:endParaRPr lang="pt-BR" sz="2400" dirty="0" smtClean="0">
+            <a:endParaRPr lang="pt-BR" sz="3600" dirty="0" smtClean="0">
               <a:latin typeface="Roboto" pitchFamily="2" charset="0"/>
               <a:ea typeface="Roboto" pitchFamily="2" charset="0"/>
             </a:endParaRPr>
           </a:p>
           <a:p>
             <a:pPr algn="just"/>
-            <a:endParaRPr lang="pt-BR" sz="2400" dirty="0">
+            <a:endParaRPr lang="pt-BR" sz="3600" dirty="0">
               <a:latin typeface="Roboto" pitchFamily="2" charset="0"/>
               <a:ea typeface="Roboto" pitchFamily="2" charset="0"/>
             </a:endParaRPr>
           </a:p>
           <a:p>
             <a:pPr algn="just"/>
-            <a:endParaRPr lang="pt-BR" sz="2400" dirty="0" smtClean="0">
+            <a:endParaRPr lang="pt-BR" sz="3600" dirty="0" smtClean="0">
               <a:latin typeface="Roboto" pitchFamily="2" charset="0"/>
               <a:ea typeface="Roboto" pitchFamily="2" charset="0"/>
             </a:endParaRPr>
           </a:p>
           <a:p>
             <a:pPr algn="just"/>
-            <a:endParaRPr lang="pt-BR" sz="2400" dirty="0">
+            <a:endParaRPr lang="pt-BR" sz="3600" dirty="0">
               <a:latin typeface="Roboto" pitchFamily="2" charset="0"/>
               <a:ea typeface="Roboto" pitchFamily="2" charset="0"/>
             </a:endParaRPr>
           </a:p>
           <a:p>
             <a:pPr algn="just"/>
-            <a:endParaRPr lang="pt-BR" sz="2400" dirty="0" smtClean="0">
+            <a:endParaRPr lang="pt-BR" sz="3600" dirty="0" smtClean="0">
               <a:latin typeface="Roboto" pitchFamily="2" charset="0"/>
               <a:ea typeface="Roboto" pitchFamily="2" charset="0"/>
             </a:endParaRPr>
           </a:p>
           <a:p>
             <a:pPr algn="just"/>
-            <a:endParaRPr lang="pt-BR" sz="2400" dirty="0">
+            <a:endParaRPr lang="pt-BR" sz="3600" dirty="0">
               <a:latin typeface="Roboto" pitchFamily="2" charset="0"/>
               <a:ea typeface="Roboto" pitchFamily="2" charset="0"/>
             </a:endParaRPr>
           </a:p>
           <a:p>
             <a:pPr algn="just"/>
-            <a:endParaRPr lang="pt-BR" sz="2400" dirty="0" smtClean="0">
+            <a:endParaRPr lang="pt-BR" sz="3600" dirty="0" smtClean="0">
               <a:latin typeface="Roboto" pitchFamily="2" charset="0"/>
               <a:ea typeface="Roboto" pitchFamily="2" charset="0"/>
             </a:endParaRPr>
           </a:p>
           <a:p>
             <a:pPr algn="just"/>
-            <a:endParaRPr lang="pt-BR" sz="2400" dirty="0">
+            <a:endParaRPr lang="pt-BR" sz="3600" dirty="0">
               <a:latin typeface="Roboto" pitchFamily="2" charset="0"/>
               <a:ea typeface="Roboto" pitchFamily="2" charset="0"/>
             </a:endParaRPr>
           </a:p>
           <a:p>
             <a:pPr algn="just"/>
-            <a:endParaRPr lang="pt-BR" sz="2400" dirty="0" smtClean="0">
+            <a:endParaRPr lang="pt-BR" sz="3600" dirty="0" smtClean="0">
               <a:latin typeface="Roboto" pitchFamily="2" charset="0"/>
               <a:ea typeface="Roboto" pitchFamily="2" charset="0"/>
             </a:endParaRPr>
           </a:p>
           <a:p>
             <a:pPr algn="just"/>
-            <a:endParaRPr lang="pt-BR" sz="2400" dirty="0">
+            <a:endParaRPr lang="pt-BR" sz="3600" dirty="0">
               <a:latin typeface="Roboto" pitchFamily="2" charset="0"/>
               <a:ea typeface="Roboto" pitchFamily="2" charset="0"/>
             </a:endParaRPr>
           </a:p>
           <a:p>
             <a:pPr algn="just"/>
-            <a:endParaRPr lang="pt-BR" sz="2400" dirty="0" smtClean="0">
+            <a:endParaRPr lang="pt-BR" sz="3600" dirty="0" smtClean="0">
               <a:latin typeface="Roboto" pitchFamily="2" charset="0"/>
               <a:ea typeface="Roboto" pitchFamily="2" charset="0"/>
             </a:endParaRPr>
           </a:p>
           <a:p>
             <a:pPr algn="just"/>
-            <a:endParaRPr lang="pt-BR" sz="2400" dirty="0">
+            <a:endParaRPr lang="pt-BR" sz="3600" dirty="0">
               <a:latin typeface="Roboto" pitchFamily="2" charset="0"/>
               <a:ea typeface="Roboto" pitchFamily="2" charset="0"/>
             </a:endParaRPr>
@@ -24558,7 +24774,7 @@
           <a:blip r:embed="rId2">
             <a:extLst>
               <a:ext uri="{28A0092B-C50C-407E-A947-70E740481C1C}">
-                <a14:useLocalDpi xmlns:a14="http://schemas.microsoft.com/office/drawing/2010/main" val="0"/>
+                <a14:useLocalDpi xmlns:a14="http://schemas.microsoft.com/office/drawing/2010/main" xmlns="" val="0"/>
               </a:ext>
             </a:extLst>
           </a:blip>
@@ -24579,7 +24795,7 @@
     </p:spTree>
     <p:extLst>
       <p:ext uri="{BB962C8B-B14F-4D97-AF65-F5344CB8AC3E}">
-        <p14:creationId xmlns:p14="http://schemas.microsoft.com/office/powerpoint/2010/main" val="3651768939"/>
+        <p14:creationId xmlns:p14="http://schemas.microsoft.com/office/powerpoint/2010/main" xmlns="" val="3651768939"/>
       </p:ext>
     </p:extLst>
   </p:cSld>
@@ -24623,7 +24839,12 @@
             <p:ph idx="1"/>
           </p:nvPr>
         </p:nvSpPr>
-        <p:spPr/>
+        <p:spPr>
+          <a:xfrm>
+            <a:off x="677334" y="1562100"/>
+            <a:ext cx="8596668" cy="4800599"/>
+          </a:xfrm>
+        </p:spPr>
         <p:txBody>
           <a:bodyPr>
             <a:noAutofit/>
@@ -24631,20 +24852,81 @@
           <a:lstStyle/>
           <a:p>
             <a:r>
-              <a:rPr lang="pt-BR" sz="2400" b="1" dirty="0" smtClean="0">
-                <a:latin typeface="Roboto" pitchFamily="2" charset="0"/>
-                <a:ea typeface="Roboto" pitchFamily="2" charset="0"/>
-              </a:rPr>
-              <a:t>1998 – Banco de dados modelo relacional de código </a:t>
-            </a:r>
-            <a:r>
-              <a:rPr lang="pt-BR" sz="2400" b="1" dirty="0" smtClean="0">
-                <a:latin typeface="Roboto" pitchFamily="2" charset="0"/>
-                <a:ea typeface="Roboto" pitchFamily="2" charset="0"/>
-              </a:rPr>
-              <a:t>aberto</a:t>
-            </a:r>
-            <a:endParaRPr lang="pt-BR" sz="2400" b="1" dirty="0" smtClean="0">
+              <a:rPr lang="pt-BR" sz="3200" b="1" dirty="0" smtClean="0">
+                <a:latin typeface="Roboto" pitchFamily="2" charset="0"/>
+                <a:ea typeface="Roboto" pitchFamily="2" charset="0"/>
+              </a:rPr>
+              <a:t>1998 – Banco de dados modelo relacional de código aberto</a:t>
+            </a:r>
+          </a:p>
+          <a:p>
+            <a:pPr lvl="1"/>
+            <a:r>
+              <a:rPr lang="pt-BR" sz="2800" dirty="0" smtClean="0">
+                <a:latin typeface="Roboto" pitchFamily="2" charset="0"/>
+                <a:ea typeface="Roboto" pitchFamily="2" charset="0"/>
+              </a:rPr>
+              <a:t>Carlos </a:t>
+            </a:r>
+            <a:r>
+              <a:rPr lang="pt-BR" sz="2800" dirty="0" err="1" smtClean="0">
+                <a:latin typeface="Roboto" pitchFamily="2" charset="0"/>
+                <a:ea typeface="Roboto" pitchFamily="2" charset="0"/>
+              </a:rPr>
+              <a:t>Strozzi</a:t>
+            </a:r>
+            <a:r>
+              <a:rPr lang="pt-BR" sz="2800" dirty="0" smtClean="0">
+                <a:latin typeface="Roboto" pitchFamily="2" charset="0"/>
+                <a:ea typeface="Roboto" pitchFamily="2" charset="0"/>
+              </a:rPr>
+              <a:t> : “</a:t>
+            </a:r>
+            <a:r>
+              <a:rPr lang="pt-BR" sz="2800" dirty="0">
+                <a:latin typeface="Roboto" pitchFamily="2" charset="0"/>
+                <a:ea typeface="Roboto" pitchFamily="2" charset="0"/>
+              </a:rPr>
+              <a:t>é completamente distinto do modelo relacional e portanto deveria ser mais apropriadamente chamado "</a:t>
+            </a:r>
+            <a:r>
+              <a:rPr lang="pt-BR" sz="2800" dirty="0" err="1">
+                <a:latin typeface="Roboto" pitchFamily="2" charset="0"/>
+                <a:ea typeface="Roboto" pitchFamily="2" charset="0"/>
+              </a:rPr>
+              <a:t>NoREL</a:t>
+            </a:r>
+            <a:r>
+              <a:rPr lang="pt-BR" sz="2800" dirty="0">
+                <a:latin typeface="Roboto" pitchFamily="2" charset="0"/>
+                <a:ea typeface="Roboto" pitchFamily="2" charset="0"/>
+              </a:rPr>
+              <a:t>" ou algo que produzisse o mesmo </a:t>
+            </a:r>
+            <a:r>
+              <a:rPr lang="pt-BR" sz="2800" dirty="0" smtClean="0">
+                <a:latin typeface="Roboto" pitchFamily="2" charset="0"/>
+                <a:ea typeface="Roboto" pitchFamily="2" charset="0"/>
+              </a:rPr>
+              <a:t>efeito”. </a:t>
+            </a:r>
+          </a:p>
+          <a:p>
+            <a:r>
+              <a:rPr lang="pt-BR" sz="3200" b="1" dirty="0" smtClean="0">
+                <a:latin typeface="Roboto" pitchFamily="2" charset="0"/>
+                <a:ea typeface="Roboto" pitchFamily="2" charset="0"/>
+              </a:rPr>
+              <a:t>2009 – </a:t>
+            </a:r>
+            <a:r>
+              <a:rPr lang="pt-BR" sz="3200" b="1" dirty="0" err="1" smtClean="0">
+                <a:latin typeface="Roboto" pitchFamily="2" charset="0"/>
+                <a:ea typeface="Roboto" pitchFamily="2" charset="0"/>
+              </a:rPr>
+              <a:t>NoSQL</a:t>
+            </a:r>
+            <a:endParaRPr lang="pt-BR" sz="3200" b="1" dirty="0" smtClean="0">
               <a:latin typeface="Roboto" pitchFamily="2" charset="0"/>
               <a:ea typeface="Roboto" pitchFamily="2" charset="0"/>
             </a:endParaRPr>
@@ -24652,135 +24934,63 @@
           <a:p>
             <a:pPr lvl="1"/>
             <a:r>
-              <a:rPr lang="pt-BR" sz="2000" dirty="0" smtClean="0">
-                <a:latin typeface="Roboto" pitchFamily="2" charset="0"/>
-                <a:ea typeface="Roboto" pitchFamily="2" charset="0"/>
-              </a:rPr>
-              <a:t>Carlos </a:t>
-            </a:r>
-            <a:r>
-              <a:rPr lang="pt-BR" sz="2000" dirty="0" err="1" smtClean="0">
-                <a:latin typeface="Roboto" pitchFamily="2" charset="0"/>
-                <a:ea typeface="Roboto" pitchFamily="2" charset="0"/>
-              </a:rPr>
-              <a:t>Strozzi</a:t>
-            </a:r>
-            <a:r>
-              <a:rPr lang="pt-BR" sz="2000" dirty="0" smtClean="0">
-                <a:latin typeface="Roboto" pitchFamily="2" charset="0"/>
-                <a:ea typeface="Roboto" pitchFamily="2" charset="0"/>
-              </a:rPr>
-              <a:t> : “</a:t>
-            </a:r>
-            <a:r>
-              <a:rPr lang="pt-BR" sz="2000" dirty="0">
-                <a:latin typeface="Roboto" pitchFamily="2" charset="0"/>
-                <a:ea typeface="Roboto" pitchFamily="2" charset="0"/>
-              </a:rPr>
-              <a:t>é completamente distinto do modelo relacional e portanto deveria ser mais apropriadamente chamado "</a:t>
-            </a:r>
-            <a:r>
-              <a:rPr lang="pt-BR" sz="2000" dirty="0" err="1">
-                <a:latin typeface="Roboto" pitchFamily="2" charset="0"/>
-                <a:ea typeface="Roboto" pitchFamily="2" charset="0"/>
-              </a:rPr>
-              <a:t>NoREL</a:t>
-            </a:r>
-            <a:r>
-              <a:rPr lang="pt-BR" sz="2000" dirty="0">
-                <a:latin typeface="Roboto" pitchFamily="2" charset="0"/>
-                <a:ea typeface="Roboto" pitchFamily="2" charset="0"/>
-              </a:rPr>
-              <a:t>" ou algo que produzisse o mesmo </a:t>
-            </a:r>
-            <a:r>
-              <a:rPr lang="pt-BR" sz="2000" dirty="0" smtClean="0">
-                <a:latin typeface="Roboto" pitchFamily="2" charset="0"/>
-                <a:ea typeface="Roboto" pitchFamily="2" charset="0"/>
-              </a:rPr>
-              <a:t>efeito”. </a:t>
-            </a:r>
-          </a:p>
-          <a:p>
-            <a:r>
-              <a:rPr lang="pt-BR" sz="2400" b="1" dirty="0" smtClean="0">
-                <a:latin typeface="Roboto" pitchFamily="2" charset="0"/>
-                <a:ea typeface="Roboto" pitchFamily="2" charset="0"/>
-              </a:rPr>
-              <a:t>2009 – </a:t>
-            </a:r>
-            <a:r>
-              <a:rPr lang="pt-BR" sz="2400" b="1" dirty="0" err="1" smtClean="0">
-                <a:latin typeface="Roboto" pitchFamily="2" charset="0"/>
-                <a:ea typeface="Roboto" pitchFamily="2" charset="0"/>
-              </a:rPr>
-              <a:t>NoSQL</a:t>
-            </a:r>
-            <a:endParaRPr lang="pt-BR" sz="2400" b="1" dirty="0" smtClean="0">
-              <a:latin typeface="Roboto" pitchFamily="2" charset="0"/>
-              <a:ea typeface="Roboto" pitchFamily="2" charset="0"/>
-            </a:endParaRPr>
-          </a:p>
-          <a:p>
-            <a:pPr lvl="1"/>
-            <a:r>
-              <a:rPr lang="pt-BR" sz="2000" dirty="0" smtClean="0">
+              <a:rPr lang="pt-BR" sz="2800" dirty="0" smtClean="0">
                 <a:latin typeface="Roboto" pitchFamily="2" charset="0"/>
                 <a:ea typeface="Roboto" pitchFamily="2" charset="0"/>
               </a:rPr>
               <a:t>Eric Evans em evento para </a:t>
             </a:r>
             <a:r>
-              <a:rPr lang="pt-BR" sz="2000" dirty="0">
+              <a:rPr lang="pt-BR" sz="2800" dirty="0">
                 <a:latin typeface="Roboto" pitchFamily="2" charset="0"/>
                 <a:ea typeface="Roboto" pitchFamily="2" charset="0"/>
               </a:rPr>
               <a:t>discutir bancos de dados </a:t>
             </a:r>
             <a:r>
-              <a:rPr lang="pt-BR" sz="2000" dirty="0" smtClean="0">
+              <a:rPr lang="pt-BR" sz="2800" dirty="0" smtClean="0">
                 <a:latin typeface="Roboto" pitchFamily="2" charset="0"/>
                 <a:ea typeface="Roboto" pitchFamily="2" charset="0"/>
               </a:rPr>
               <a:t>Open </a:t>
             </a:r>
             <a:r>
-              <a:rPr lang="pt-BR" sz="2000" dirty="0" err="1">
+              <a:rPr lang="pt-BR" sz="2800" dirty="0" err="1">
                 <a:latin typeface="Roboto" pitchFamily="2" charset="0"/>
                 <a:ea typeface="Roboto" pitchFamily="2" charset="0"/>
               </a:rPr>
               <a:t>S</a:t>
             </a:r>
             <a:r>
-              <a:rPr lang="pt-BR" sz="2000" dirty="0" err="1" smtClean="0">
+              <a:rPr lang="pt-BR" sz="2800" dirty="0" err="1" smtClean="0">
                 <a:latin typeface="Roboto" pitchFamily="2" charset="0"/>
                 <a:ea typeface="Roboto" pitchFamily="2" charset="0"/>
               </a:rPr>
               <a:t>ource</a:t>
             </a:r>
             <a:r>
-              <a:rPr lang="pt-BR" sz="2000" dirty="0" smtClean="0">
+              <a:rPr lang="pt-BR" sz="2800" dirty="0" smtClean="0">
                 <a:latin typeface="Roboto" pitchFamily="2" charset="0"/>
                 <a:ea typeface="Roboto" pitchFamily="2" charset="0"/>
               </a:rPr>
               <a:t> </a:t>
             </a:r>
             <a:r>
-              <a:rPr lang="pt-BR" sz="2000" dirty="0">
+              <a:rPr lang="pt-BR" sz="2800" dirty="0">
                 <a:latin typeface="Roboto" pitchFamily="2" charset="0"/>
                 <a:ea typeface="Roboto" pitchFamily="2" charset="0"/>
               </a:rPr>
               <a:t>D</a:t>
             </a:r>
             <a:r>
-              <a:rPr lang="pt-BR" sz="2000" dirty="0" smtClean="0">
+              <a:rPr lang="pt-BR" sz="2800" dirty="0" smtClean="0">
                 <a:latin typeface="Roboto" pitchFamily="2" charset="0"/>
                 <a:ea typeface="Roboto" pitchFamily="2" charset="0"/>
               </a:rPr>
               <a:t>istribuídos</a:t>
             </a:r>
             <a:r>
-              <a:rPr lang="pt-BR" sz="2000" dirty="0">
+              <a:rPr lang="pt-BR" sz="2800" dirty="0">
                 <a:latin typeface="Roboto" pitchFamily="2" charset="0"/>
                 <a:ea typeface="Roboto" pitchFamily="2" charset="0"/>
               </a:rPr>
@@ -24801,8 +25011,8 @@
         </p:nvSpPr>
         <p:spPr>
           <a:xfrm>
-            <a:off x="587182" y="635358"/>
-            <a:ext cx="8596668" cy="1320800"/>
+            <a:off x="587182" y="285750"/>
+            <a:ext cx="8596668" cy="1670408"/>
           </a:xfrm>
         </p:spPr>
         <p:txBody>
@@ -24828,7 +25038,7 @@
     </p:spTree>
     <p:extLst>
       <p:ext uri="{BB962C8B-B14F-4D97-AF65-F5344CB8AC3E}">
-        <p14:creationId xmlns:p14="http://schemas.microsoft.com/office/powerpoint/2010/main" val="2414154864"/>
+        <p14:creationId xmlns:p14="http://schemas.microsoft.com/office/powerpoint/2010/main" xmlns="" val="2414154864"/>
       </p:ext>
     </p:extLst>
   </p:cSld>
@@ -24872,7 +25082,12 @@
             <p:ph type="title"/>
           </p:nvPr>
         </p:nvSpPr>
-        <p:spPr/>
+        <p:spPr>
+          <a:xfrm>
+            <a:off x="639234" y="381000"/>
+            <a:ext cx="8596668" cy="1320800"/>
+          </a:xfrm>
+        </p:spPr>
         <p:txBody>
           <a:bodyPr>
             <a:normAutofit/>
@@ -24884,14 +25099,7 @@
                 <a:latin typeface="Roboto" pitchFamily="2" charset="0"/>
                 <a:ea typeface="Roboto" pitchFamily="2" charset="0"/>
               </a:rPr>
-              <a:t>Mas, porque </a:t>
-            </a:r>
-            <a:r>
-              <a:rPr lang="pt-BR" sz="5400" b="1" dirty="0" smtClean="0">
-                <a:latin typeface="Roboto" pitchFamily="2" charset="0"/>
-                <a:ea typeface="Roboto" pitchFamily="2" charset="0"/>
-              </a:rPr>
-              <a:t>surgiu?</a:t>
+              <a:t>Mas, porque surgiu?</a:t>
             </a:r>
             <a:endParaRPr lang="pt-BR" sz="5400" b="1" dirty="0">
               <a:latin typeface="Roboto" pitchFamily="2" charset="0"/>
@@ -24912,144 +25120,96 @@
         </p:nvSpPr>
         <p:spPr>
           <a:xfrm>
-            <a:off x="677334" y="2160589"/>
-            <a:ext cx="9059094" cy="3880773"/>
-          </a:xfrm>
-        </p:spPr>
-        <p:txBody>
-          <a:bodyPr/>
+            <a:off x="734484" y="1695451"/>
+            <a:ext cx="9059094" cy="4688812"/>
+          </a:xfrm>
+        </p:spPr>
+        <p:txBody>
+          <a:bodyPr>
+            <a:noAutofit/>
+          </a:bodyPr>
           <a:lstStyle/>
           <a:p>
             <a:r>
-              <a:rPr lang="pt-BR" sz="2400" b="1" dirty="0" smtClean="0">
-                <a:latin typeface="Roboto" pitchFamily="2" charset="0"/>
-                <a:ea typeface="Roboto" pitchFamily="2" charset="0"/>
-              </a:rPr>
-              <a:t>Mais</a:t>
-            </a:r>
-            <a:r>
-              <a:rPr lang="pt-BR" sz="2400" b="1" dirty="0" smtClean="0">
-                <a:latin typeface="Roboto" pitchFamily="2" charset="0"/>
-                <a:ea typeface="Roboto" pitchFamily="2" charset="0"/>
-              </a:rPr>
-              <a:t> performance </a:t>
-            </a:r>
-            <a:r>
-              <a:rPr lang="pt-BR" sz="2400" b="1" dirty="0" smtClean="0">
-                <a:latin typeface="Roboto" pitchFamily="2" charset="0"/>
-                <a:ea typeface="Roboto" pitchFamily="2" charset="0"/>
-              </a:rPr>
-              <a:t>e </a:t>
-            </a:r>
-            <a:r>
-              <a:rPr lang="pt-BR" sz="2400" b="1" dirty="0" smtClean="0">
-                <a:latin typeface="Roboto" pitchFamily="2" charset="0"/>
-                <a:ea typeface="Roboto" pitchFamily="2" charset="0"/>
-              </a:rPr>
-              <a:t>maior</a:t>
-            </a:r>
-            <a:r>
-              <a:rPr lang="pt-BR" sz="2400" b="1" dirty="0" smtClean="0">
-                <a:latin typeface="Roboto" pitchFamily="2" charset="0"/>
-                <a:ea typeface="Roboto" pitchFamily="2" charset="0"/>
-              </a:rPr>
-              <a:t> escalabilidade;</a:t>
-            </a:r>
-            <a:endParaRPr lang="pt-BR" sz="2400" b="1" dirty="0" smtClean="0">
+              <a:rPr lang="pt-BR" sz="3600" b="1" dirty="0" smtClean="0">
+                <a:latin typeface="Roboto" pitchFamily="2" charset="0"/>
+                <a:ea typeface="Roboto" pitchFamily="2" charset="0"/>
+              </a:rPr>
+              <a:t>Mais performance e maior escalabilidade;</a:t>
+            </a:r>
+          </a:p>
+          <a:p>
+            <a:r>
+              <a:rPr lang="pt-BR" sz="3600" b="1" dirty="0">
+                <a:latin typeface="Roboto" pitchFamily="2" charset="0"/>
+                <a:ea typeface="Roboto" pitchFamily="2" charset="0"/>
+              </a:rPr>
+              <a:t>D</a:t>
+            </a:r>
+            <a:r>
+              <a:rPr lang="pt-BR" sz="3600" b="1" dirty="0" smtClean="0">
+                <a:latin typeface="Roboto" pitchFamily="2" charset="0"/>
+                <a:ea typeface="Roboto" pitchFamily="2" charset="0"/>
+              </a:rPr>
+              <a:t>istribuição vertical de servidores no MR;</a:t>
+            </a:r>
+          </a:p>
+          <a:p>
+            <a:pPr lvl="1"/>
+            <a:r>
+              <a:rPr lang="pt-BR" sz="3200" dirty="0" smtClean="0">
+                <a:latin typeface="Roboto" pitchFamily="2" charset="0"/>
+                <a:ea typeface="Roboto" pitchFamily="2" charset="0"/>
+              </a:rPr>
+              <a:t> Maior complexidade e alto custo na implementação;</a:t>
+            </a:r>
+          </a:p>
+          <a:p>
+            <a:r>
+              <a:rPr lang="pt-BR" sz="3600" b="1" dirty="0" err="1" smtClean="0">
+                <a:latin typeface="Roboto" pitchFamily="2" charset="0"/>
+                <a:ea typeface="Roboto" pitchFamily="2" charset="0"/>
+              </a:rPr>
+              <a:t>NoSQL</a:t>
+            </a:r>
+            <a:r>
+              <a:rPr lang="pt-BR" sz="3600" b="1" dirty="0" smtClean="0">
+                <a:latin typeface="Roboto" pitchFamily="2" charset="0"/>
+                <a:ea typeface="Roboto" pitchFamily="2" charset="0"/>
+              </a:rPr>
+              <a:t> conta com distribuição horizontal;</a:t>
+            </a:r>
+          </a:p>
+          <a:p>
+            <a:pPr lvl="1"/>
+            <a:r>
+              <a:rPr lang="pt-BR" sz="3200" dirty="0" smtClean="0">
+                <a:latin typeface="Roboto" pitchFamily="2" charset="0"/>
+                <a:ea typeface="Roboto" pitchFamily="2" charset="0"/>
+              </a:rPr>
+              <a:t>Computadores de pequeno e médio porte para distribuição de dados;</a:t>
+            </a:r>
+          </a:p>
+          <a:p>
+            <a:pPr lvl="1"/>
+            <a:r>
+              <a:rPr lang="pt-BR" sz="3200" dirty="0" smtClean="0">
+                <a:latin typeface="Roboto" pitchFamily="2" charset="0"/>
+                <a:ea typeface="Roboto" pitchFamily="2" charset="0"/>
+              </a:rPr>
+              <a:t>Eficiência e economia;</a:t>
+            </a:r>
+            <a:endParaRPr lang="pt-BR" sz="3200" b="1" dirty="0" smtClean="0">
               <a:latin typeface="Roboto" pitchFamily="2" charset="0"/>
               <a:ea typeface="Roboto" pitchFamily="2" charset="0"/>
             </a:endParaRPr>
           </a:p>
-          <a:p>
-            <a:r>
-              <a:rPr lang="pt-BR" sz="2400" b="1" dirty="0">
-                <a:latin typeface="Roboto" pitchFamily="2" charset="0"/>
-                <a:ea typeface="Roboto" pitchFamily="2" charset="0"/>
-              </a:rPr>
-              <a:t>D</a:t>
-            </a:r>
-            <a:r>
-              <a:rPr lang="pt-BR" sz="2400" b="1" dirty="0" smtClean="0">
-                <a:latin typeface="Roboto" pitchFamily="2" charset="0"/>
-                <a:ea typeface="Roboto" pitchFamily="2" charset="0"/>
-              </a:rPr>
-              <a:t>istribuição </a:t>
-            </a:r>
-            <a:r>
-              <a:rPr lang="pt-BR" sz="2400" b="1" dirty="0" smtClean="0">
-                <a:latin typeface="Roboto" pitchFamily="2" charset="0"/>
-                <a:ea typeface="Roboto" pitchFamily="2" charset="0"/>
-              </a:rPr>
-              <a:t>vertical de </a:t>
-            </a:r>
-            <a:r>
-              <a:rPr lang="pt-BR" sz="2400" b="1" dirty="0" smtClean="0">
-                <a:latin typeface="Roboto" pitchFamily="2" charset="0"/>
-                <a:ea typeface="Roboto" pitchFamily="2" charset="0"/>
-              </a:rPr>
-              <a:t>servidores no MR;</a:t>
-            </a:r>
-          </a:p>
-          <a:p>
-            <a:pPr lvl="1"/>
-            <a:r>
-              <a:rPr lang="pt-BR" sz="2200" dirty="0" smtClean="0">
-                <a:latin typeface="Roboto" pitchFamily="2" charset="0"/>
-                <a:ea typeface="Roboto" pitchFamily="2" charset="0"/>
-              </a:rPr>
-              <a:t> Maior complexidade e alto custo na implementação;</a:t>
-            </a:r>
-            <a:endParaRPr lang="pt-BR" sz="2200" dirty="0" smtClean="0">
-              <a:latin typeface="Roboto" pitchFamily="2" charset="0"/>
-              <a:ea typeface="Roboto" pitchFamily="2" charset="0"/>
-            </a:endParaRPr>
-          </a:p>
-          <a:p>
-            <a:r>
-              <a:rPr lang="pt-BR" sz="2400" b="1" dirty="0" err="1" smtClean="0">
-                <a:latin typeface="Roboto" pitchFamily="2" charset="0"/>
-                <a:ea typeface="Roboto" pitchFamily="2" charset="0"/>
-              </a:rPr>
-              <a:t>NoSQL</a:t>
-            </a:r>
-            <a:r>
-              <a:rPr lang="pt-BR" sz="2400" b="1" dirty="0" smtClean="0">
-                <a:latin typeface="Roboto" pitchFamily="2" charset="0"/>
-                <a:ea typeface="Roboto" pitchFamily="2" charset="0"/>
-              </a:rPr>
-              <a:t> conta com distribuição horizontal;</a:t>
-            </a:r>
-          </a:p>
-          <a:p>
-            <a:pPr lvl="1"/>
-            <a:r>
-              <a:rPr lang="pt-BR" sz="2200" dirty="0" smtClean="0">
-                <a:latin typeface="Roboto" pitchFamily="2" charset="0"/>
-                <a:ea typeface="Roboto" pitchFamily="2" charset="0"/>
-              </a:rPr>
-              <a:t>Computadores de pequeno e médio porte para distribuição de dados;</a:t>
-            </a:r>
-          </a:p>
-          <a:p>
-            <a:pPr lvl="1"/>
-            <a:r>
-              <a:rPr lang="pt-BR" sz="2200" dirty="0" smtClean="0">
-                <a:latin typeface="Roboto" pitchFamily="2" charset="0"/>
-                <a:ea typeface="Roboto" pitchFamily="2" charset="0"/>
-              </a:rPr>
-              <a:t>Eficiência e economia;</a:t>
-            </a:r>
-            <a:endParaRPr lang="pt-BR" sz="2000" b="1" dirty="0" smtClean="0">
-              <a:latin typeface="Roboto" pitchFamily="2" charset="0"/>
-              <a:ea typeface="Roboto" pitchFamily="2" charset="0"/>
-            </a:endParaRPr>
-          </a:p>
         </p:txBody>
       </p:sp>
     </p:spTree>
     <p:extLst>
       <p:ext uri="{BB962C8B-B14F-4D97-AF65-F5344CB8AC3E}">
-        <p14:creationId xmlns:p14="http://schemas.microsoft.com/office/powerpoint/2010/main" val="2081040233"/>
+        <p14:creationId xmlns:p14="http://schemas.microsoft.com/office/powerpoint/2010/main" xmlns="" val="2081040233"/>
       </p:ext>
     </p:extLst>
   </p:cSld>
@@ -25093,7 +25253,12 @@
             <p:ph idx="1"/>
           </p:nvPr>
         </p:nvSpPr>
-        <p:spPr/>
+        <p:spPr>
+          <a:xfrm>
+            <a:off x="677334" y="1562101"/>
+            <a:ext cx="8596668" cy="4479262"/>
+          </a:xfrm>
+        </p:spPr>
         <p:txBody>
           <a:bodyPr>
             <a:noAutofit/>
@@ -25101,58 +25266,44 @@
           <a:lstStyle/>
           <a:p>
             <a:r>
-              <a:rPr lang="pt-BR" sz="2400" b="1" dirty="0" smtClean="0">
-                <a:latin typeface="Roboto" pitchFamily="2" charset="0"/>
-                <a:ea typeface="Roboto" pitchFamily="2" charset="0"/>
-              </a:rPr>
-              <a:t>É</a:t>
-            </a:r>
-            <a:r>
-              <a:rPr lang="pt-BR" sz="2400" b="1" dirty="0" smtClean="0">
+              <a:rPr lang="pt-BR" sz="3200" b="1" dirty="0" smtClean="0">
+                <a:latin typeface="Roboto" pitchFamily="2" charset="0"/>
+                <a:ea typeface="Roboto" pitchFamily="2" charset="0"/>
+              </a:rPr>
+              <a:t>É subdividido pelo seu núcleo, ou seja, como ele trabalha com os dados.</a:t>
+            </a:r>
+          </a:p>
+          <a:p>
+            <a:pPr fontAlgn="base"/>
+            <a:r>
+              <a:rPr lang="pt-BR" sz="3200" dirty="0" smtClean="0">
+                <a:latin typeface="Roboto" pitchFamily="2" charset="0"/>
+                <a:ea typeface="Roboto" pitchFamily="2" charset="0"/>
+              </a:rPr>
+              <a:t>Key/</a:t>
+            </a:r>
+            <a:r>
+              <a:rPr lang="pt-BR" sz="3200" dirty="0" err="1" smtClean="0">
+                <a:latin typeface="Roboto" pitchFamily="2" charset="0"/>
+                <a:ea typeface="Roboto" pitchFamily="2" charset="0"/>
+              </a:rPr>
+              <a:t>Value</a:t>
+            </a:r>
+            <a:r>
+              <a:rPr lang="pt-BR" sz="3200" dirty="0">
                 <a:latin typeface="Roboto" pitchFamily="2" charset="0"/>
                 <a:ea typeface="Roboto" pitchFamily="2" charset="0"/>
               </a:rPr>
               <a:t> </a:t>
             </a:r>
             <a:r>
-              <a:rPr lang="pt-BR" sz="2400" b="1" dirty="0" smtClean="0">
-                <a:latin typeface="Roboto" pitchFamily="2" charset="0"/>
-                <a:ea typeface="Roboto" pitchFamily="2" charset="0"/>
-              </a:rPr>
-              <a:t>subdividido pelo seu núcleo, ou seja, como ele trabalha com os dados.</a:t>
-            </a:r>
-          </a:p>
-          <a:p>
-            <a:pPr fontAlgn="base"/>
-            <a:r>
-              <a:rPr lang="pt-BR" sz="2400" dirty="0" smtClean="0">
-                <a:latin typeface="Roboto" pitchFamily="2" charset="0"/>
-                <a:ea typeface="Roboto" pitchFamily="2" charset="0"/>
-              </a:rPr>
-              <a:t>Key/</a:t>
-            </a:r>
-            <a:r>
-              <a:rPr lang="pt-BR" sz="2400" dirty="0" err="1" smtClean="0">
-                <a:latin typeface="Roboto" pitchFamily="2" charset="0"/>
-                <a:ea typeface="Roboto" pitchFamily="2" charset="0"/>
-              </a:rPr>
-              <a:t>Value</a:t>
-            </a:r>
-            <a:r>
-              <a:rPr lang="pt-BR" sz="2400" dirty="0">
-                <a:latin typeface="Roboto" pitchFamily="2" charset="0"/>
-                <a:ea typeface="Roboto" pitchFamily="2" charset="0"/>
-              </a:rPr>
-              <a:t> </a:t>
-            </a:r>
-            <a:r>
-              <a:rPr lang="pt-BR" sz="2400" dirty="0" err="1" smtClean="0">
+              <a:rPr lang="pt-BR" sz="3200" dirty="0" err="1" smtClean="0">
                 <a:latin typeface="Roboto" pitchFamily="2" charset="0"/>
                 <a:ea typeface="Roboto" pitchFamily="2" charset="0"/>
               </a:rPr>
               <a:t>Store</a:t>
             </a:r>
-            <a:endParaRPr lang="pt-BR" sz="2400" dirty="0" smtClean="0">
+            <a:endParaRPr lang="pt-BR" sz="3200" dirty="0" smtClean="0">
               <a:latin typeface="Roboto" pitchFamily="2" charset="0"/>
               <a:ea typeface="Roboto" pitchFamily="2" charset="0"/>
             </a:endParaRPr>
@@ -25160,69 +25311,69 @@
           <a:p>
             <a:pPr fontAlgn="base"/>
             <a:r>
-              <a:rPr lang="pt-BR" sz="2400" dirty="0" err="1">
+              <a:rPr lang="pt-BR" sz="3200" dirty="0" err="1">
                 <a:latin typeface="Roboto" pitchFamily="2" charset="0"/>
                 <a:ea typeface="Roboto" pitchFamily="2" charset="0"/>
               </a:rPr>
               <a:t>Wide</a:t>
             </a:r>
             <a:r>
-              <a:rPr lang="pt-BR" sz="2400" dirty="0">
+              <a:rPr lang="pt-BR" sz="3200" dirty="0">
                 <a:latin typeface="Roboto" pitchFamily="2" charset="0"/>
                 <a:ea typeface="Roboto" pitchFamily="2" charset="0"/>
               </a:rPr>
               <a:t> </a:t>
             </a:r>
             <a:r>
-              <a:rPr lang="pt-BR" sz="2400" dirty="0" err="1">
+              <a:rPr lang="pt-BR" sz="3200" dirty="0" err="1">
                 <a:latin typeface="Roboto" pitchFamily="2" charset="0"/>
                 <a:ea typeface="Roboto" pitchFamily="2" charset="0"/>
               </a:rPr>
               <a:t>Column</a:t>
             </a:r>
             <a:r>
-              <a:rPr lang="pt-BR" sz="2400" dirty="0">
+              <a:rPr lang="pt-BR" sz="3200" dirty="0">
                 <a:latin typeface="Roboto" pitchFamily="2" charset="0"/>
                 <a:ea typeface="Roboto" pitchFamily="2" charset="0"/>
               </a:rPr>
               <a:t> </a:t>
             </a:r>
             <a:r>
-              <a:rPr lang="pt-BR" sz="2400" dirty="0" err="1" smtClean="0">
+              <a:rPr lang="pt-BR" sz="3200" dirty="0" err="1" smtClean="0">
                 <a:latin typeface="Roboto" pitchFamily="2" charset="0"/>
                 <a:ea typeface="Roboto" pitchFamily="2" charset="0"/>
               </a:rPr>
               <a:t>Store</a:t>
             </a:r>
             <a:r>
-              <a:rPr lang="pt-BR" sz="2400" dirty="0" smtClean="0">
+              <a:rPr lang="pt-BR" sz="3200" dirty="0" smtClean="0">
                 <a:latin typeface="Roboto" pitchFamily="2" charset="0"/>
                 <a:ea typeface="Roboto" pitchFamily="2" charset="0"/>
               </a:rPr>
               <a:t>/</a:t>
             </a:r>
             <a:r>
-              <a:rPr lang="pt-BR" sz="2400" dirty="0" err="1" smtClean="0">
+              <a:rPr lang="pt-BR" sz="3200" dirty="0" err="1" smtClean="0">
                 <a:latin typeface="Roboto" pitchFamily="2" charset="0"/>
                 <a:ea typeface="Roboto" pitchFamily="2" charset="0"/>
               </a:rPr>
               <a:t>Column</a:t>
             </a:r>
             <a:r>
-              <a:rPr lang="pt-BR" sz="2400" dirty="0" smtClean="0">
+              <a:rPr lang="pt-BR" sz="3200" dirty="0" smtClean="0">
                 <a:latin typeface="Roboto" pitchFamily="2" charset="0"/>
                 <a:ea typeface="Roboto" pitchFamily="2" charset="0"/>
               </a:rPr>
               <a:t> </a:t>
             </a:r>
             <a:r>
-              <a:rPr lang="pt-BR" sz="2400" dirty="0" err="1" smtClean="0">
+              <a:rPr lang="pt-BR" sz="3200" dirty="0" err="1" smtClean="0">
                 <a:latin typeface="Roboto" pitchFamily="2" charset="0"/>
                 <a:ea typeface="Roboto" pitchFamily="2" charset="0"/>
               </a:rPr>
               <a:t>Families</a:t>
             </a:r>
-            <a:endParaRPr lang="pt-BR" sz="2400" dirty="0" smtClean="0">
+            <a:endParaRPr lang="pt-BR" sz="3200" dirty="0" smtClean="0">
               <a:latin typeface="Roboto" pitchFamily="2" charset="0"/>
               <a:ea typeface="Roboto" pitchFamily="2" charset="0"/>
             </a:endParaRPr>
@@ -25230,27 +25381,27 @@
           <a:p>
             <a:pPr fontAlgn="base"/>
             <a:r>
-              <a:rPr lang="pt-BR" sz="2400" dirty="0" err="1" smtClean="0">
+              <a:rPr lang="pt-BR" sz="3200" dirty="0" err="1" smtClean="0">
                 <a:latin typeface="Roboto" pitchFamily="2" charset="0"/>
                 <a:ea typeface="Roboto" pitchFamily="2" charset="0"/>
               </a:rPr>
               <a:t>Document</a:t>
             </a:r>
             <a:r>
-              <a:rPr lang="pt-BR" sz="2400" dirty="0" smtClean="0">
+              <a:rPr lang="pt-BR" sz="3200" dirty="0" smtClean="0">
                 <a:latin typeface="Roboto" pitchFamily="2" charset="0"/>
                 <a:ea typeface="Roboto" pitchFamily="2" charset="0"/>
               </a:rPr>
               <a:t> </a:t>
             </a:r>
             <a:r>
-              <a:rPr lang="pt-BR" sz="2400" dirty="0" err="1" smtClean="0">
+              <a:rPr lang="pt-BR" sz="3200" dirty="0" err="1" smtClean="0">
                 <a:latin typeface="Roboto" pitchFamily="2" charset="0"/>
                 <a:ea typeface="Roboto" pitchFamily="2" charset="0"/>
               </a:rPr>
               <a:t>Store</a:t>
             </a:r>
-            <a:endParaRPr lang="pt-BR" sz="2400" dirty="0" smtClean="0">
+            <a:endParaRPr lang="pt-BR" sz="3200" dirty="0" smtClean="0">
               <a:latin typeface="Roboto" pitchFamily="2" charset="0"/>
               <a:ea typeface="Roboto" pitchFamily="2" charset="0"/>
             </a:endParaRPr>
@@ -25258,27 +25409,27 @@
           <a:p>
             <a:pPr fontAlgn="base"/>
             <a:r>
-              <a:rPr lang="pt-BR" sz="2400" dirty="0" err="1" smtClean="0">
+              <a:rPr lang="pt-BR" sz="3200" dirty="0" err="1" smtClean="0">
                 <a:latin typeface="Roboto" pitchFamily="2" charset="0"/>
                 <a:ea typeface="Roboto" pitchFamily="2" charset="0"/>
               </a:rPr>
               <a:t>Graph</a:t>
             </a:r>
             <a:r>
-              <a:rPr lang="pt-BR" sz="2400" dirty="0" smtClean="0">
+              <a:rPr lang="pt-BR" sz="3200" dirty="0" smtClean="0">
                 <a:latin typeface="Roboto" pitchFamily="2" charset="0"/>
                 <a:ea typeface="Roboto" pitchFamily="2" charset="0"/>
               </a:rPr>
               <a:t> </a:t>
             </a:r>
             <a:r>
-              <a:rPr lang="pt-BR" sz="2400" dirty="0" err="1" smtClean="0">
+              <a:rPr lang="pt-BR" sz="3200" dirty="0" err="1" smtClean="0">
                 <a:latin typeface="Roboto" pitchFamily="2" charset="0"/>
                 <a:ea typeface="Roboto" pitchFamily="2" charset="0"/>
               </a:rPr>
               <a:t>Store</a:t>
             </a:r>
-            <a:endParaRPr lang="pt-BR" sz="2400" dirty="0" smtClean="0">
+            <a:endParaRPr lang="pt-BR" sz="3200" dirty="0" smtClean="0">
               <a:latin typeface="Roboto" pitchFamily="2" charset="0"/>
               <a:ea typeface="Roboto" pitchFamily="2" charset="0"/>
             </a:endParaRPr>
@@ -25286,48 +25437,48 @@
           <a:p>
             <a:pPr fontAlgn="base"/>
             <a:r>
-              <a:rPr lang="pt-BR" sz="2400" dirty="0" err="1" smtClean="0">
+              <a:rPr lang="pt-BR" sz="3200" dirty="0" err="1" smtClean="0">
                 <a:latin typeface="Roboto" pitchFamily="2" charset="0"/>
                 <a:ea typeface="Roboto" pitchFamily="2" charset="0"/>
               </a:rPr>
               <a:t>Column</a:t>
             </a:r>
             <a:r>
-              <a:rPr lang="pt-BR" sz="2400" dirty="0">
+              <a:rPr lang="pt-BR" sz="3200" dirty="0">
                 <a:latin typeface="Roboto" pitchFamily="2" charset="0"/>
                 <a:ea typeface="Roboto" pitchFamily="2" charset="0"/>
               </a:rPr>
               <a:t> </a:t>
             </a:r>
             <a:r>
-              <a:rPr lang="pt-BR" sz="2400" dirty="0" err="1" smtClean="0">
+              <a:rPr lang="pt-BR" sz="3200" dirty="0" err="1" smtClean="0">
                 <a:latin typeface="Roboto" pitchFamily="2" charset="0"/>
                 <a:ea typeface="Roboto" pitchFamily="2" charset="0"/>
               </a:rPr>
               <a:t>Oriented</a:t>
             </a:r>
             <a:r>
-              <a:rPr lang="pt-BR" sz="2400" dirty="0" smtClean="0">
+              <a:rPr lang="pt-BR" sz="3200" dirty="0" smtClean="0">
                 <a:latin typeface="Roboto" pitchFamily="2" charset="0"/>
                 <a:ea typeface="Roboto" pitchFamily="2" charset="0"/>
               </a:rPr>
               <a:t> </a:t>
             </a:r>
             <a:r>
-              <a:rPr lang="pt-BR" sz="2400" dirty="0" err="1">
+              <a:rPr lang="pt-BR" sz="3200" dirty="0" err="1">
                 <a:latin typeface="Roboto" pitchFamily="2" charset="0"/>
                 <a:ea typeface="Roboto" pitchFamily="2" charset="0"/>
               </a:rPr>
               <a:t>Store</a:t>
             </a:r>
-            <a:endParaRPr lang="pt-BR" sz="2400" dirty="0">
+            <a:endParaRPr lang="pt-BR" sz="3200" dirty="0">
               <a:latin typeface="Roboto" pitchFamily="2" charset="0"/>
               <a:ea typeface="Roboto" pitchFamily="2" charset="0"/>
             </a:endParaRPr>
           </a:p>
           <a:p>
             <a:pPr fontAlgn="base"/>
-            <a:endParaRPr lang="pt-BR" sz="2400" dirty="0">
+            <a:endParaRPr lang="pt-BR" sz="3200" dirty="0">
               <a:latin typeface="Roboto" pitchFamily="2" charset="0"/>
               <a:ea typeface="Roboto" pitchFamily="2" charset="0"/>
             </a:endParaRPr>
@@ -25380,7 +25531,7 @@
     </p:spTree>
     <p:extLst>
       <p:ext uri="{BB962C8B-B14F-4D97-AF65-F5344CB8AC3E}">
-        <p14:creationId xmlns:p14="http://schemas.microsoft.com/office/powerpoint/2010/main" val="2447366456"/>
+        <p14:creationId xmlns:p14="http://schemas.microsoft.com/office/powerpoint/2010/main" xmlns="" val="2447366456"/>
       </p:ext>
     </p:extLst>
   </p:cSld>
@@ -25436,21 +25587,7 @@
                 <a:latin typeface="Roboto" pitchFamily="2" charset="0"/>
                 <a:ea typeface="Roboto" pitchFamily="2" charset="0"/>
               </a:rPr>
-              <a:t>Quais são os Banco de </a:t>
-            </a:r>
-            <a:r>
-              <a:rPr lang="pt-BR" sz="4800" b="1" dirty="0" smtClean="0">
-                <a:latin typeface="Roboto" pitchFamily="2" charset="0"/>
-                <a:ea typeface="Roboto" pitchFamily="2" charset="0"/>
-              </a:rPr>
-              <a:t>Dados?</a:t>
-            </a:r>
-            <a:r>
-              <a:rPr lang="pt-BR" sz="4800" b="1" dirty="0" smtClean="0">
-                <a:latin typeface="Roboto" pitchFamily="2" charset="0"/>
-                <a:ea typeface="Roboto" pitchFamily="2" charset="0"/>
-              </a:rPr>
-              <a:t>	 </a:t>
+              <a:t>Quais são os Banco de Dados?	 </a:t>
             </a:r>
             <a:endParaRPr lang="pt-BR" sz="4800" b="1" dirty="0">
               <a:latin typeface="Roboto" pitchFamily="2" charset="0"/>
@@ -25471,7 +25608,7 @@
           <a:blip r:embed="rId2">
             <a:extLst>
               <a:ext uri="{28A0092B-C50C-407E-A947-70E740481C1C}">
-                <a14:useLocalDpi xmlns:a14="http://schemas.microsoft.com/office/drawing/2010/main" val="0"/>
+                <a14:useLocalDpi xmlns:a14="http://schemas.microsoft.com/office/drawing/2010/main" xmlns="" val="0"/>
               </a:ext>
             </a:extLst>
           </a:blip>
@@ -25501,7 +25638,7 @@
           <a:blip r:embed="rId3">
             <a:extLst>
               <a:ext uri="{28A0092B-C50C-407E-A947-70E740481C1C}">
-                <a14:useLocalDpi xmlns:a14="http://schemas.microsoft.com/office/drawing/2010/main" val="0"/>
+                <a14:useLocalDpi xmlns:a14="http://schemas.microsoft.com/office/drawing/2010/main" xmlns="" val="0"/>
               </a:ext>
             </a:extLst>
           </a:blip>
@@ -25531,7 +25668,7 @@
           <a:blip r:embed="rId4">
             <a:extLst>
               <a:ext uri="{28A0092B-C50C-407E-A947-70E740481C1C}">
-                <a14:useLocalDpi xmlns:a14="http://schemas.microsoft.com/office/drawing/2010/main" val="0"/>
+                <a14:useLocalDpi xmlns:a14="http://schemas.microsoft.com/office/drawing/2010/main" xmlns="" val="0"/>
               </a:ext>
             </a:extLst>
           </a:blip>
@@ -25561,7 +25698,7 @@
           <a:blip r:embed="rId5">
             <a:extLst>
               <a:ext uri="{28A0092B-C50C-407E-A947-70E740481C1C}">
-                <a14:useLocalDpi xmlns:a14="http://schemas.microsoft.com/office/drawing/2010/main" val="0"/>
+                <a14:useLocalDpi xmlns:a14="http://schemas.microsoft.com/office/drawing/2010/main" xmlns="" val="0"/>
               </a:ext>
             </a:extLst>
           </a:blip>
@@ -25591,7 +25728,7 @@
           <a:blip r:embed="rId6">
             <a:extLst>
               <a:ext uri="{28A0092B-C50C-407E-A947-70E740481C1C}">
-                <a14:useLocalDpi xmlns:a14="http://schemas.microsoft.com/office/drawing/2010/main" val="0"/>
+                <a14:useLocalDpi xmlns:a14="http://schemas.microsoft.com/office/drawing/2010/main" xmlns="" val="0"/>
               </a:ext>
             </a:extLst>
           </a:blip>
@@ -25621,7 +25758,7 @@
           <a:blip r:embed="rId7">
             <a:extLst>
               <a:ext uri="{28A0092B-C50C-407E-A947-70E740481C1C}">
-                <a14:useLocalDpi xmlns:a14="http://schemas.microsoft.com/office/drawing/2010/main" val="0"/>
+                <a14:useLocalDpi xmlns:a14="http://schemas.microsoft.com/office/drawing/2010/main" xmlns="" val="0"/>
               </a:ext>
             </a:extLst>
           </a:blip>
@@ -25651,7 +25788,7 @@
           <a:blip r:embed="rId8">
             <a:extLst>
               <a:ext uri="{28A0092B-C50C-407E-A947-70E740481C1C}">
-                <a14:useLocalDpi xmlns:a14="http://schemas.microsoft.com/office/drawing/2010/main" val="0"/>
+                <a14:useLocalDpi xmlns:a14="http://schemas.microsoft.com/office/drawing/2010/main" xmlns="" val="0"/>
               </a:ext>
             </a:extLst>
           </a:blip>
@@ -25681,7 +25818,7 @@
           <a:blip r:embed="rId9">
             <a:extLst>
               <a:ext uri="{28A0092B-C50C-407E-A947-70E740481C1C}">
-                <a14:useLocalDpi xmlns:a14="http://schemas.microsoft.com/office/drawing/2010/main" val="0"/>
+                <a14:useLocalDpi xmlns:a14="http://schemas.microsoft.com/office/drawing/2010/main" xmlns="" val="0"/>
               </a:ext>
             </a:extLst>
           </a:blip>
@@ -25711,7 +25848,7 @@
           <a:blip r:embed="rId10">
             <a:extLst>
               <a:ext uri="{28A0092B-C50C-407E-A947-70E740481C1C}">
-                <a14:useLocalDpi xmlns:a14="http://schemas.microsoft.com/office/drawing/2010/main" val="0"/>
+                <a14:useLocalDpi xmlns:a14="http://schemas.microsoft.com/office/drawing/2010/main" xmlns="" val="0"/>
               </a:ext>
             </a:extLst>
           </a:blip>
@@ -25741,7 +25878,7 @@
           <a:blip r:embed="rId11">
             <a:extLst>
               <a:ext uri="{28A0092B-C50C-407E-A947-70E740481C1C}">
-                <a14:useLocalDpi xmlns:a14="http://schemas.microsoft.com/office/drawing/2010/main" val="0"/>
+                <a14:useLocalDpi xmlns:a14="http://schemas.microsoft.com/office/drawing/2010/main" xmlns="" val="0"/>
               </a:ext>
             </a:extLst>
           </a:blip>
@@ -25771,7 +25908,7 @@
           <a:blip r:embed="rId12">
             <a:extLst>
               <a:ext uri="{28A0092B-C50C-407E-A947-70E740481C1C}">
-                <a14:useLocalDpi xmlns:a14="http://schemas.microsoft.com/office/drawing/2010/main" val="0"/>
+                <a14:useLocalDpi xmlns:a14="http://schemas.microsoft.com/office/drawing/2010/main" xmlns="" val="0"/>
               </a:ext>
             </a:extLst>
           </a:blip>
@@ -25792,7 +25929,7 @@
     </p:spTree>
     <p:extLst>
       <p:ext uri="{BB962C8B-B14F-4D97-AF65-F5344CB8AC3E}">
-        <p14:creationId xmlns:p14="http://schemas.microsoft.com/office/powerpoint/2010/main" val="844575892"/>
+        <p14:creationId xmlns:p14="http://schemas.microsoft.com/office/powerpoint/2010/main" xmlns="" val="844575892"/>
       </p:ext>
     </p:extLst>
   </p:cSld>
@@ -25848,21 +25985,7 @@
                 <a:latin typeface="Roboto" pitchFamily="2" charset="0"/>
                 <a:ea typeface="Roboto" pitchFamily="2" charset="0"/>
               </a:rPr>
-              <a:t>Quem </a:t>
-            </a:r>
-            <a:r>
-              <a:rPr lang="pt-BR" sz="5400" b="1" dirty="0" smtClean="0">
-                <a:latin typeface="Roboto" pitchFamily="2" charset="0"/>
-                <a:ea typeface="Roboto" pitchFamily="2" charset="0"/>
-              </a:rPr>
-              <a:t>usa?</a:t>
-            </a:r>
-            <a:r>
-              <a:rPr lang="pt-BR" sz="5400" b="1" dirty="0" smtClean="0">
-                <a:latin typeface="Roboto" pitchFamily="2" charset="0"/>
-                <a:ea typeface="Roboto" pitchFamily="2" charset="0"/>
-              </a:rPr>
-              <a:t>	</a:t>
+              <a:t>Quem usa?	</a:t>
             </a:r>
             <a:endParaRPr lang="pt-BR" sz="5400" b="1" dirty="0">
               <a:latin typeface="Roboto" pitchFamily="2" charset="0"/>
@@ -25883,7 +26006,7 @@
           <a:blip r:embed="rId2">
             <a:extLst>
               <a:ext uri="{28A0092B-C50C-407E-A947-70E740481C1C}">
-                <a14:useLocalDpi xmlns:a14="http://schemas.microsoft.com/office/drawing/2010/main" val="0"/>
+                <a14:useLocalDpi xmlns:a14="http://schemas.microsoft.com/office/drawing/2010/main" xmlns="" val="0"/>
               </a:ext>
             </a:extLst>
           </a:blip>
@@ -25913,7 +26036,7 @@
           <a:blip r:embed="rId3">
             <a:extLst>
               <a:ext uri="{28A0092B-C50C-407E-A947-70E740481C1C}">
-                <a14:useLocalDpi xmlns:a14="http://schemas.microsoft.com/office/drawing/2010/main" val="0"/>
+                <a14:useLocalDpi xmlns:a14="http://schemas.microsoft.com/office/drawing/2010/main" xmlns="" val="0"/>
               </a:ext>
             </a:extLst>
           </a:blip>
@@ -25943,7 +26066,7 @@
           <a:blip r:embed="rId4">
             <a:extLst>
               <a:ext uri="{28A0092B-C50C-407E-A947-70E740481C1C}">
-                <a14:useLocalDpi xmlns:a14="http://schemas.microsoft.com/office/drawing/2010/main" val="0"/>
+                <a14:useLocalDpi xmlns:a14="http://schemas.microsoft.com/office/drawing/2010/main" xmlns="" val="0"/>
               </a:ext>
             </a:extLst>
           </a:blip>
@@ -25973,7 +26096,7 @@
           <a:blip r:embed="rId5">
             <a:extLst>
               <a:ext uri="{28A0092B-C50C-407E-A947-70E740481C1C}">
-                <a14:useLocalDpi xmlns:a14="http://schemas.microsoft.com/office/drawing/2010/main" val="0"/>
+                <a14:useLocalDpi xmlns:a14="http://schemas.microsoft.com/office/drawing/2010/main" xmlns="" val="0"/>
               </a:ext>
             </a:extLst>
           </a:blip>
@@ -26003,7 +26126,7 @@
           <a:blip r:embed="rId6">
             <a:extLst>
               <a:ext uri="{28A0092B-C50C-407E-A947-70E740481C1C}">
-                <a14:useLocalDpi xmlns:a14="http://schemas.microsoft.com/office/drawing/2010/main" val="0"/>
+                <a14:useLocalDpi xmlns:a14="http://schemas.microsoft.com/office/drawing/2010/main" xmlns="" val="0"/>
               </a:ext>
             </a:extLst>
           </a:blip>
@@ -26033,7 +26156,7 @@
           <a:blip r:embed="rId7">
             <a:extLst>
               <a:ext uri="{28A0092B-C50C-407E-A947-70E740481C1C}">
-                <a14:useLocalDpi xmlns:a14="http://schemas.microsoft.com/office/drawing/2010/main" val="0"/>
+                <a14:useLocalDpi xmlns:a14="http://schemas.microsoft.com/office/drawing/2010/main" xmlns="" val="0"/>
               </a:ext>
             </a:extLst>
           </a:blip>
@@ -26063,7 +26186,7 @@
           <a:blip r:embed="rId8">
             <a:extLst>
               <a:ext uri="{28A0092B-C50C-407E-A947-70E740481C1C}">
-                <a14:useLocalDpi xmlns:a14="http://schemas.microsoft.com/office/drawing/2010/main" val="0"/>
+                <a14:useLocalDpi xmlns:a14="http://schemas.microsoft.com/office/drawing/2010/main" xmlns="" val="0"/>
               </a:ext>
             </a:extLst>
           </a:blip>
@@ -26084,7 +26207,7 @@
     </p:spTree>
     <p:extLst>
       <p:ext uri="{BB962C8B-B14F-4D97-AF65-F5344CB8AC3E}">
-        <p14:creationId xmlns:p14="http://schemas.microsoft.com/office/powerpoint/2010/main" val="3334609015"/>
+        <p14:creationId xmlns:p14="http://schemas.microsoft.com/office/powerpoint/2010/main" xmlns="" val="3334609015"/>
       </p:ext>
     </p:extLst>
   </p:cSld>
@@ -26144,12 +26267,12 @@
     </a:clrScheme>
     <a:fontScheme name="Facet HD - core">
       <a:majorFont>
-        <a:latin typeface="Trebuchet MS" panose="020B0603020202020204"/>
+        <a:latin typeface="Trebuchet MS"/>
         <a:ea typeface=""/>
         <a:cs typeface=""/>
       </a:majorFont>
       <a:minorFont>
-        <a:latin typeface="Trebuchet MS" panose="020B0603020202020204"/>
+        <a:latin typeface="Trebuchet MS"/>
         <a:ea typeface=""/>
         <a:cs typeface=""/>
       </a:minorFont>
@@ -26292,7 +26415,7 @@
   <a:extraClrSchemeLst/>
   <a:extLst>
     <a:ext uri="{05A4C25C-085E-4340-85A3-A5531E510DB2}">
-      <thm15:themeFamily xmlns:thm15="http://schemas.microsoft.com/office/thememl/2012/main" name="Facet" id="{C0C680CD-088A-49FC-A102-D699147F32B2}" vid="{0B5AB586-D108-4FC1-8368-649FE654B894}"/>
+      <thm15:themeFamily xmlns:thm15="http://schemas.microsoft.com/office/thememl/2012/main" xmlns="" name="Facet" id="{C0C680CD-088A-49FC-A102-D699147F32B2}" vid="{0B5AB586-D108-4FC1-8368-649FE654B894}"/>
     </a:ext>
   </a:extLst>
 </a:theme>
